--- a/Projekt/AKS Slutlig.pptx
+++ b/Projekt/AKS Slutlig.pptx
@@ -5,7 +5,7 @@
     <p:sldMasterId id="2147483648" r:id="rId1"/>
   </p:sldMasterIdLst>
   <p:notesMasterIdLst>
-    <p:notesMasterId r:id="rId8"/>
+    <p:notesMasterId r:id="rId17"/>
   </p:notesMasterIdLst>
   <p:sldIdLst>
     <p:sldId id="256" r:id="rId2"/>
@@ -14,6 +14,15 @@
     <p:sldId id="259" r:id="rId5"/>
     <p:sldId id="262" r:id="rId6"/>
     <p:sldId id="261" r:id="rId7"/>
+    <p:sldId id="263" r:id="rId8"/>
+    <p:sldId id="264" r:id="rId9"/>
+    <p:sldId id="265" r:id="rId10"/>
+    <p:sldId id="266" r:id="rId11"/>
+    <p:sldId id="267" r:id="rId12"/>
+    <p:sldId id="268" r:id="rId13"/>
+    <p:sldId id="269" r:id="rId14"/>
+    <p:sldId id="270" r:id="rId15"/>
+    <p:sldId id="271" r:id="rId16"/>
   </p:sldIdLst>
   <p:sldSz cx="9144000" cy="6858000" type="screen4x3"/>
   <p:notesSz cx="6858000" cy="9144000"/>
@@ -197,7 +206,7 @@
           <a:p>
             <a:fld id="{9E0D3FA6-6BD8-4A75-86C6-1513716F594C}" type="datetimeFigureOut">
               <a:rPr lang="sv-SE" smtClean="0"/>
-              <a:t>2014-03-12</a:t>
+              <a:t>2014-03-18</a:t>
             </a:fld>
             <a:endParaRPr lang="sv-SE"/>
           </a:p>
@@ -730,7 +739,7 @@
           <a:p>
             <a:fld id="{169002D7-BADA-406C-8738-AD8EA12ED786}" type="datetimeFigureOut">
               <a:rPr lang="sv-SE" smtClean="0"/>
-              <a:t>2014-03-12</a:t>
+              <a:t>2014-03-18</a:t>
             </a:fld>
             <a:endParaRPr lang="sv-SE"/>
           </a:p>
@@ -900,7 +909,7 @@
           <a:p>
             <a:fld id="{169002D7-BADA-406C-8738-AD8EA12ED786}" type="datetimeFigureOut">
               <a:rPr lang="sv-SE" smtClean="0"/>
-              <a:t>2014-03-12</a:t>
+              <a:t>2014-03-18</a:t>
             </a:fld>
             <a:endParaRPr lang="sv-SE"/>
           </a:p>
@@ -1080,7 +1089,7 @@
           <a:p>
             <a:fld id="{169002D7-BADA-406C-8738-AD8EA12ED786}" type="datetimeFigureOut">
               <a:rPr lang="sv-SE" smtClean="0"/>
-              <a:t>2014-03-12</a:t>
+              <a:t>2014-03-18</a:t>
             </a:fld>
             <a:endParaRPr lang="sv-SE"/>
           </a:p>
@@ -1250,7 +1259,7 @@
           <a:p>
             <a:fld id="{169002D7-BADA-406C-8738-AD8EA12ED786}" type="datetimeFigureOut">
               <a:rPr lang="sv-SE" smtClean="0"/>
-              <a:t>2014-03-12</a:t>
+              <a:t>2014-03-18</a:t>
             </a:fld>
             <a:endParaRPr lang="sv-SE"/>
           </a:p>
@@ -1496,7 +1505,7 @@
           <a:p>
             <a:fld id="{169002D7-BADA-406C-8738-AD8EA12ED786}" type="datetimeFigureOut">
               <a:rPr lang="sv-SE" smtClean="0"/>
-              <a:t>2014-03-12</a:t>
+              <a:t>2014-03-18</a:t>
             </a:fld>
             <a:endParaRPr lang="sv-SE"/>
           </a:p>
@@ -1784,7 +1793,7 @@
           <a:p>
             <a:fld id="{169002D7-BADA-406C-8738-AD8EA12ED786}" type="datetimeFigureOut">
               <a:rPr lang="sv-SE" smtClean="0"/>
-              <a:t>2014-03-12</a:t>
+              <a:t>2014-03-18</a:t>
             </a:fld>
             <a:endParaRPr lang="sv-SE"/>
           </a:p>
@@ -2206,7 +2215,7 @@
           <a:p>
             <a:fld id="{169002D7-BADA-406C-8738-AD8EA12ED786}" type="datetimeFigureOut">
               <a:rPr lang="sv-SE" smtClean="0"/>
-              <a:t>2014-03-12</a:t>
+              <a:t>2014-03-18</a:t>
             </a:fld>
             <a:endParaRPr lang="sv-SE"/>
           </a:p>
@@ -2324,7 +2333,7 @@
           <a:p>
             <a:fld id="{169002D7-BADA-406C-8738-AD8EA12ED786}" type="datetimeFigureOut">
               <a:rPr lang="sv-SE" smtClean="0"/>
-              <a:t>2014-03-12</a:t>
+              <a:t>2014-03-18</a:t>
             </a:fld>
             <a:endParaRPr lang="sv-SE"/>
           </a:p>
@@ -2419,7 +2428,7 @@
           <a:p>
             <a:fld id="{169002D7-BADA-406C-8738-AD8EA12ED786}" type="datetimeFigureOut">
               <a:rPr lang="sv-SE" smtClean="0"/>
-              <a:t>2014-03-12</a:t>
+              <a:t>2014-03-18</a:t>
             </a:fld>
             <a:endParaRPr lang="sv-SE"/>
           </a:p>
@@ -2696,7 +2705,7 @@
           <a:p>
             <a:fld id="{169002D7-BADA-406C-8738-AD8EA12ED786}" type="datetimeFigureOut">
               <a:rPr lang="sv-SE" smtClean="0"/>
-              <a:t>2014-03-12</a:t>
+              <a:t>2014-03-18</a:t>
             </a:fld>
             <a:endParaRPr lang="sv-SE"/>
           </a:p>
@@ -2949,7 +2958,7 @@
           <a:p>
             <a:fld id="{169002D7-BADA-406C-8738-AD8EA12ED786}" type="datetimeFigureOut">
               <a:rPr lang="sv-SE" smtClean="0"/>
-              <a:t>2014-03-12</a:t>
+              <a:t>2014-03-18</a:t>
             </a:fld>
             <a:endParaRPr lang="sv-SE"/>
           </a:p>
@@ -3162,7 +3171,7 @@
           <a:p>
             <a:fld id="{169002D7-BADA-406C-8738-AD8EA12ED786}" type="datetimeFigureOut">
               <a:rPr lang="sv-SE" smtClean="0"/>
-              <a:t>2014-03-12</a:t>
+              <a:t>2014-03-18</a:t>
             </a:fld>
             <a:endParaRPr lang="sv-SE"/>
           </a:p>
@@ -3685,7 +3694,15 @@
             </a:br>
             <a:r>
               <a:rPr lang="sv-SE" dirty="0" smtClean="0"/>
-              <a:t>AKS Steg 1</a:t>
+              <a:t>AKS </a:t>
+            </a:r>
+            <a:r>
+              <a:rPr lang="sv-SE" dirty="0" smtClean="0"/>
+              <a:t>Slutlig</a:t>
+            </a:r>
+            <a:r>
+              <a:rPr lang="sv-SE" dirty="0" smtClean="0"/>
+              <a:t/>
             </a:r>
             <a:br>
               <a:rPr lang="sv-SE" dirty="0" smtClean="0"/>
@@ -3702,6 +3719,6109 @@
     <p:extLst>
       <p:ext uri="{BB962C8B-B14F-4D97-AF65-F5344CB8AC3E}">
         <p14:creationId xmlns:p14="http://schemas.microsoft.com/office/powerpoint/2010/main" val="1043621519"/>
+      </p:ext>
+    </p:extLst>
+  </p:cSld>
+  <p:clrMapOvr>
+    <a:masterClrMapping/>
+  </p:clrMapOvr>
+</p:sld>
+</file>
+
+<file path=ppt/slides/slide10.xml><?xml version="1.0" encoding="utf-8"?>
+<p:sld xmlns:a="http://schemas.openxmlformats.org/drawingml/2006/main" xmlns:r="http://schemas.openxmlformats.org/officeDocument/2006/relationships" xmlns:p="http://schemas.openxmlformats.org/presentationml/2006/main">
+  <p:cSld>
+    <p:spTree>
+      <p:nvGrpSpPr>
+        <p:cNvPr id="1" name=""/>
+        <p:cNvGrpSpPr/>
+        <p:nvPr/>
+      </p:nvGrpSpPr>
+      <p:grpSpPr>
+        <a:xfrm>
+          <a:off x="0" y="0"/>
+          <a:ext cx="0" cy="0"/>
+          <a:chOff x="0" y="0"/>
+          <a:chExt cx="0" cy="0"/>
+        </a:xfrm>
+      </p:grpSpPr>
+      <p:sp>
+        <p:nvSpPr>
+          <p:cNvPr id="2" name="TextBox 1"/>
+          <p:cNvSpPr txBox="1"/>
+          <p:nvPr/>
+        </p:nvSpPr>
+        <p:spPr>
+          <a:xfrm>
+            <a:off x="40335" y="221942"/>
+            <a:ext cx="6480720" cy="369332"/>
+          </a:xfrm>
+          <a:prstGeom prst="rect">
+            <a:avLst/>
+          </a:prstGeom>
+          <a:noFill/>
+        </p:spPr>
+        <p:txBody>
+          <a:bodyPr wrap="square" rtlCol="0">
+            <a:spAutoFit/>
+          </a:bodyPr>
+          <a:lstStyle/>
+          <a:p>
+            <a:r>
+              <a:rPr lang="sv-SE" b="1" dirty="0" smtClean="0"/>
+              <a:t>9. Lagrade procedurer</a:t>
+            </a:r>
+            <a:endParaRPr lang="sv-SE" b="1" dirty="0"/>
+          </a:p>
+        </p:txBody>
+      </p:sp>
+      <p:graphicFrame>
+        <p:nvGraphicFramePr>
+          <p:cNvPr id="3" name="Table 2"/>
+          <p:cNvGraphicFramePr>
+            <a:graphicFrameLocks noGrp="1"/>
+          </p:cNvGraphicFramePr>
+          <p:nvPr>
+            <p:extLst>
+              <p:ext uri="{D42A27DB-BD31-4B8C-83A1-F6EECF244321}">
+                <p14:modId xmlns:p14="http://schemas.microsoft.com/office/powerpoint/2010/main" val="552878893"/>
+              </p:ext>
+            </p:extLst>
+          </p:nvPr>
+        </p:nvGraphicFramePr>
+        <p:xfrm>
+          <a:off x="683568" y="764704"/>
+          <a:ext cx="7931087" cy="4079240"/>
+        </p:xfrm>
+        <a:graphic>
+          <a:graphicData uri="http://schemas.openxmlformats.org/drawingml/2006/table">
+            <a:tbl>
+              <a:tblPr firstRow="1" bandRow="1">
+                <a:tableStyleId>{5C22544A-7EE6-4342-B048-85BDC9FD1C3A}</a:tableStyleId>
+              </a:tblPr>
+              <a:tblGrid>
+                <a:gridCol w="3924110"/>
+                <a:gridCol w="4006977"/>
+              </a:tblGrid>
+              <a:tr h="370840">
+                <a:tc>
+                  <a:txBody>
+                    <a:bodyPr/>
+                    <a:lstStyle/>
+                    <a:p>
+                      <a:r>
+                        <a:rPr lang="sv-SE" sz="1600" dirty="0" smtClean="0"/>
+                        <a:t>Namn</a:t>
+                      </a:r>
+                      <a:endParaRPr lang="sv-SE" sz="1600" dirty="0"/>
+                    </a:p>
+                  </a:txBody>
+                  <a:tcPr/>
+                </a:tc>
+                <a:tc>
+                  <a:txBody>
+                    <a:bodyPr/>
+                    <a:lstStyle/>
+                    <a:p>
+                      <a:r>
+                        <a:rPr lang="sv-SE" sz="1600" dirty="0" smtClean="0"/>
+                        <a:t>Användningsområde</a:t>
+                      </a:r>
+                      <a:endParaRPr lang="sv-SE" sz="1600" dirty="0"/>
+                    </a:p>
+                  </a:txBody>
+                  <a:tcPr/>
+                </a:tc>
+              </a:tr>
+              <a:tr h="370840">
+                <a:tc>
+                  <a:txBody>
+                    <a:bodyPr/>
+                    <a:lstStyle/>
+                    <a:p>
+                      <a:r>
+                        <a:rPr lang="sv-SE" sz="1600" dirty="0" err="1" smtClean="0"/>
+                        <a:t>appSchema.usp_AddMember</a:t>
+                      </a:r>
+                      <a:endParaRPr lang="sv-SE" sz="1600" dirty="0"/>
+                    </a:p>
+                  </a:txBody>
+                  <a:tcPr/>
+                </a:tc>
+                <a:tc>
+                  <a:txBody>
+                    <a:bodyPr/>
+                    <a:lstStyle/>
+                    <a:p>
+                      <a:r>
+                        <a:rPr lang="sv-SE" sz="1600" dirty="0" smtClean="0"/>
+                        <a:t>Lägga till medlemmar</a:t>
+                      </a:r>
+                      <a:endParaRPr lang="sv-SE" sz="1600" dirty="0"/>
+                    </a:p>
+                  </a:txBody>
+                  <a:tcPr/>
+                </a:tc>
+              </a:tr>
+              <a:tr h="370840">
+                <a:tc>
+                  <a:txBody>
+                    <a:bodyPr/>
+                    <a:lstStyle/>
+                    <a:p>
+                      <a:pPr marL="0" marR="0" indent="0" algn="l" defTabSz="914400" rtl="0" eaLnBrk="1" fontAlgn="auto" latinLnBrk="0" hangingPunct="1">
+                        <a:lnSpc>
+                          <a:spcPct val="100000"/>
+                        </a:lnSpc>
+                        <a:spcBef>
+                          <a:spcPts val="0"/>
+                        </a:spcBef>
+                        <a:spcAft>
+                          <a:spcPts val="0"/>
+                        </a:spcAft>
+                        <a:buClrTx/>
+                        <a:buSzTx/>
+                        <a:buFontTx/>
+                        <a:buNone/>
+                        <a:tabLst/>
+                        <a:defRPr/>
+                      </a:pPr>
+                      <a:r>
+                        <a:rPr lang="sv-SE" sz="1600" dirty="0" err="1" smtClean="0"/>
+                        <a:t>appSchema.usp_AddMemberActivity</a:t>
+                      </a:r>
+                      <a:endParaRPr lang="sv-SE" sz="1600" dirty="0" smtClean="0"/>
+                    </a:p>
+                  </a:txBody>
+                  <a:tcPr/>
+                </a:tc>
+                <a:tc>
+                  <a:txBody>
+                    <a:bodyPr/>
+                    <a:lstStyle/>
+                    <a:p>
+                      <a:r>
+                        <a:rPr lang="sv-SE" sz="1600" dirty="0" smtClean="0"/>
+                        <a:t>Lägga till medlemsaktivitet</a:t>
+                      </a:r>
+                      <a:endParaRPr lang="sv-SE" sz="1600" dirty="0"/>
+                    </a:p>
+                  </a:txBody>
+                  <a:tcPr/>
+                </a:tc>
+              </a:tr>
+              <a:tr h="370840">
+                <a:tc>
+                  <a:txBody>
+                    <a:bodyPr/>
+                    <a:lstStyle/>
+                    <a:p>
+                      <a:pPr marL="0" marR="0" indent="0" algn="l" defTabSz="914400" rtl="0" eaLnBrk="1" fontAlgn="auto" latinLnBrk="0" hangingPunct="1">
+                        <a:lnSpc>
+                          <a:spcPct val="100000"/>
+                        </a:lnSpc>
+                        <a:spcBef>
+                          <a:spcPts val="0"/>
+                        </a:spcBef>
+                        <a:spcAft>
+                          <a:spcPts val="0"/>
+                        </a:spcAft>
+                        <a:buClrTx/>
+                        <a:buSzTx/>
+                        <a:buFontTx/>
+                        <a:buNone/>
+                        <a:tabLst/>
+                        <a:defRPr/>
+                      </a:pPr>
+                      <a:r>
+                        <a:rPr lang="sv-SE" sz="1600" dirty="0" err="1" smtClean="0"/>
+                        <a:t>appSchema.usp_DeleteMember</a:t>
+                      </a:r>
+                      <a:endParaRPr lang="sv-SE" sz="1600" dirty="0" smtClean="0"/>
+                    </a:p>
+                  </a:txBody>
+                  <a:tcPr/>
+                </a:tc>
+                <a:tc>
+                  <a:txBody>
+                    <a:bodyPr/>
+                    <a:lstStyle/>
+                    <a:p>
+                      <a:r>
+                        <a:rPr lang="sv-SE" sz="1600" dirty="0" smtClean="0"/>
+                        <a:t>Ta</a:t>
+                      </a:r>
+                      <a:r>
+                        <a:rPr lang="sv-SE" sz="1600" baseline="0" dirty="0" smtClean="0"/>
+                        <a:t> bort medlemmar</a:t>
+                      </a:r>
+                      <a:endParaRPr lang="sv-SE" sz="1600" dirty="0"/>
+                    </a:p>
+                  </a:txBody>
+                  <a:tcPr/>
+                </a:tc>
+              </a:tr>
+              <a:tr h="370840">
+                <a:tc>
+                  <a:txBody>
+                    <a:bodyPr/>
+                    <a:lstStyle/>
+                    <a:p>
+                      <a:r>
+                        <a:rPr lang="sv-SE" sz="1600" dirty="0" err="1" smtClean="0"/>
+                        <a:t>appSchema.usp_DeleteMemberActivity</a:t>
+                      </a:r>
+                      <a:endParaRPr lang="sv-SE" sz="1600" dirty="0"/>
+                    </a:p>
+                  </a:txBody>
+                  <a:tcPr/>
+                </a:tc>
+                <a:tc>
+                  <a:txBody>
+                    <a:bodyPr/>
+                    <a:lstStyle/>
+                    <a:p>
+                      <a:r>
+                        <a:rPr lang="sv-SE" sz="1600" dirty="0" smtClean="0"/>
+                        <a:t>Ta bort medlemsaktivitet</a:t>
+                      </a:r>
+                      <a:endParaRPr lang="sv-SE" sz="1600" dirty="0"/>
+                    </a:p>
+                  </a:txBody>
+                  <a:tcPr/>
+                </a:tc>
+              </a:tr>
+              <a:tr h="370840">
+                <a:tc>
+                  <a:txBody>
+                    <a:bodyPr/>
+                    <a:lstStyle/>
+                    <a:p>
+                      <a:r>
+                        <a:rPr lang="sv-SE" sz="1600" dirty="0" err="1" smtClean="0"/>
+                        <a:t>appSchema.usp_GetActivities</a:t>
+                      </a:r>
+                      <a:endParaRPr lang="sv-SE" sz="1600" dirty="0"/>
+                    </a:p>
+                  </a:txBody>
+                  <a:tcPr/>
+                </a:tc>
+                <a:tc>
+                  <a:txBody>
+                    <a:bodyPr/>
+                    <a:lstStyle/>
+                    <a:p>
+                      <a:r>
+                        <a:rPr lang="sv-SE" sz="1600" dirty="0" smtClean="0"/>
+                        <a:t>Hämta</a:t>
+                      </a:r>
+                      <a:r>
+                        <a:rPr lang="sv-SE" sz="1600" baseline="0" dirty="0" smtClean="0"/>
+                        <a:t> aktiviteterna</a:t>
+                      </a:r>
+                      <a:endParaRPr lang="sv-SE" sz="1600" dirty="0"/>
+                    </a:p>
+                  </a:txBody>
+                  <a:tcPr/>
+                </a:tc>
+              </a:tr>
+              <a:tr h="370840">
+                <a:tc>
+                  <a:txBody>
+                    <a:bodyPr/>
+                    <a:lstStyle/>
+                    <a:p>
+                      <a:r>
+                        <a:rPr lang="sv-SE" sz="1600" dirty="0" err="1" smtClean="0"/>
+                        <a:t>appSchema.usp_GetActivityById</a:t>
+                      </a:r>
+                      <a:endParaRPr lang="sv-SE" sz="1600" dirty="0"/>
+                    </a:p>
+                  </a:txBody>
+                  <a:tcPr/>
+                </a:tc>
+                <a:tc>
+                  <a:txBody>
+                    <a:bodyPr/>
+                    <a:lstStyle/>
+                    <a:p>
+                      <a:r>
+                        <a:rPr lang="sv-SE" sz="1600" dirty="0" smtClean="0"/>
+                        <a:t>Hämta specifik aktivitet</a:t>
+                      </a:r>
+                      <a:endParaRPr lang="sv-SE" sz="1600" dirty="0"/>
+                    </a:p>
+                  </a:txBody>
+                  <a:tcPr/>
+                </a:tc>
+              </a:tr>
+              <a:tr h="370840">
+                <a:tc>
+                  <a:txBody>
+                    <a:bodyPr/>
+                    <a:lstStyle/>
+                    <a:p>
+                      <a:r>
+                        <a:rPr lang="sv-SE" sz="1600" dirty="0" err="1" smtClean="0"/>
+                        <a:t>appSchema.usp_GetMember</a:t>
+                      </a:r>
+                      <a:endParaRPr lang="sv-SE" sz="1600" dirty="0"/>
+                    </a:p>
+                  </a:txBody>
+                  <a:tcPr/>
+                </a:tc>
+                <a:tc>
+                  <a:txBody>
+                    <a:bodyPr/>
+                    <a:lstStyle/>
+                    <a:p>
+                      <a:r>
+                        <a:rPr lang="sv-SE" sz="1600" dirty="0" smtClean="0"/>
+                        <a:t>Hämta specifik</a:t>
+                      </a:r>
+                      <a:r>
+                        <a:rPr lang="sv-SE" sz="1600" baseline="0" dirty="0" smtClean="0"/>
+                        <a:t> medlem</a:t>
+                      </a:r>
+                      <a:endParaRPr lang="sv-SE" sz="1600" dirty="0"/>
+                    </a:p>
+                  </a:txBody>
+                  <a:tcPr/>
+                </a:tc>
+              </a:tr>
+              <a:tr h="370840">
+                <a:tc>
+                  <a:txBody>
+                    <a:bodyPr/>
+                    <a:lstStyle/>
+                    <a:p>
+                      <a:r>
+                        <a:rPr lang="sv-SE" sz="1600" dirty="0" err="1" smtClean="0"/>
+                        <a:t>appSchema.usp_GetMemberActivities</a:t>
+                      </a:r>
+                      <a:endParaRPr lang="sv-SE" sz="1600" dirty="0"/>
+                    </a:p>
+                  </a:txBody>
+                  <a:tcPr/>
+                </a:tc>
+                <a:tc>
+                  <a:txBody>
+                    <a:bodyPr/>
+                    <a:lstStyle/>
+                    <a:p>
+                      <a:r>
+                        <a:rPr lang="sv-SE" sz="1600" dirty="0" smtClean="0"/>
+                        <a:t>Hämta alla</a:t>
+                      </a:r>
+                      <a:r>
+                        <a:rPr lang="sv-SE" sz="1600" baseline="0" dirty="0" smtClean="0"/>
+                        <a:t> medlemmar i en viss aktivitet</a:t>
+                      </a:r>
+                      <a:endParaRPr lang="sv-SE" sz="1600" dirty="0"/>
+                    </a:p>
+                  </a:txBody>
+                  <a:tcPr/>
+                </a:tc>
+              </a:tr>
+              <a:tr h="370840">
+                <a:tc>
+                  <a:txBody>
+                    <a:bodyPr/>
+                    <a:lstStyle/>
+                    <a:p>
+                      <a:r>
+                        <a:rPr lang="sv-SE" sz="1600" dirty="0" err="1" smtClean="0"/>
+                        <a:t>appSchema.usp_GetMembers</a:t>
+                      </a:r>
+                      <a:endParaRPr lang="sv-SE" sz="1600" dirty="0"/>
+                    </a:p>
+                  </a:txBody>
+                  <a:tcPr/>
+                </a:tc>
+                <a:tc>
+                  <a:txBody>
+                    <a:bodyPr/>
+                    <a:lstStyle/>
+                    <a:p>
+                      <a:r>
+                        <a:rPr lang="sv-SE" sz="1600" dirty="0" smtClean="0"/>
+                        <a:t>Hämta</a:t>
+                      </a:r>
+                      <a:r>
+                        <a:rPr lang="sv-SE" sz="1600" baseline="0" dirty="0" smtClean="0"/>
+                        <a:t> alla medlemmar</a:t>
+                      </a:r>
+                      <a:endParaRPr lang="sv-SE" sz="1600" dirty="0"/>
+                    </a:p>
+                  </a:txBody>
+                  <a:tcPr/>
+                </a:tc>
+              </a:tr>
+              <a:tr h="370840">
+                <a:tc>
+                  <a:txBody>
+                    <a:bodyPr/>
+                    <a:lstStyle/>
+                    <a:p>
+                      <a:r>
+                        <a:rPr lang="sv-SE" sz="1600" dirty="0" err="1" smtClean="0"/>
+                        <a:t>appSchema.usp_UpdateMember</a:t>
+                      </a:r>
+                      <a:endParaRPr lang="sv-SE" sz="1600" dirty="0"/>
+                    </a:p>
+                  </a:txBody>
+                  <a:tcPr/>
+                </a:tc>
+                <a:tc>
+                  <a:txBody>
+                    <a:bodyPr/>
+                    <a:lstStyle/>
+                    <a:p>
+                      <a:r>
+                        <a:rPr lang="sv-SE" sz="1600" dirty="0" smtClean="0"/>
+                        <a:t>Uppdatera medlemmar</a:t>
+                      </a:r>
+                      <a:endParaRPr lang="sv-SE" sz="1600" dirty="0"/>
+                    </a:p>
+                  </a:txBody>
+                  <a:tcPr/>
+                </a:tc>
+              </a:tr>
+            </a:tbl>
+          </a:graphicData>
+        </a:graphic>
+      </p:graphicFrame>
+    </p:spTree>
+    <p:extLst>
+      <p:ext uri="{BB962C8B-B14F-4D97-AF65-F5344CB8AC3E}">
+        <p14:creationId xmlns:p14="http://schemas.microsoft.com/office/powerpoint/2010/main" val="708193865"/>
+      </p:ext>
+    </p:extLst>
+  </p:cSld>
+  <p:clrMapOvr>
+    <a:masterClrMapping/>
+  </p:clrMapOvr>
+</p:sld>
+</file>
+
+<file path=ppt/slides/slide11.xml><?xml version="1.0" encoding="utf-8"?>
+<p:sld xmlns:a="http://schemas.openxmlformats.org/drawingml/2006/main" xmlns:r="http://schemas.openxmlformats.org/officeDocument/2006/relationships" xmlns:p="http://schemas.openxmlformats.org/presentationml/2006/main">
+  <p:cSld>
+    <p:spTree>
+      <p:nvGrpSpPr>
+        <p:cNvPr id="1" name=""/>
+        <p:cNvGrpSpPr/>
+        <p:nvPr/>
+      </p:nvGrpSpPr>
+      <p:grpSpPr>
+        <a:xfrm>
+          <a:off x="0" y="0"/>
+          <a:ext cx="0" cy="0"/>
+          <a:chOff x="0" y="0"/>
+          <a:chExt cx="0" cy="0"/>
+        </a:xfrm>
+      </p:grpSpPr>
+      <p:sp>
+        <p:nvSpPr>
+          <p:cNvPr id="2" name="TextBox 1"/>
+          <p:cNvSpPr txBox="1"/>
+          <p:nvPr/>
+        </p:nvSpPr>
+        <p:spPr>
+          <a:xfrm>
+            <a:off x="46246" y="221942"/>
+            <a:ext cx="6480720" cy="369332"/>
+          </a:xfrm>
+          <a:prstGeom prst="rect">
+            <a:avLst/>
+          </a:prstGeom>
+          <a:noFill/>
+        </p:spPr>
+        <p:txBody>
+          <a:bodyPr wrap="square" rtlCol="0">
+            <a:spAutoFit/>
+          </a:bodyPr>
+          <a:lstStyle/>
+          <a:p>
+            <a:r>
+              <a:rPr lang="sv-SE" b="1" dirty="0" smtClean="0"/>
+              <a:t>10. </a:t>
+            </a:r>
+            <a:r>
+              <a:rPr lang="sv-SE" b="1" dirty="0" err="1" smtClean="0"/>
+              <a:t>Referentiell</a:t>
+            </a:r>
+            <a:r>
+              <a:rPr lang="sv-SE" b="1" dirty="0" smtClean="0"/>
+              <a:t> Integritet</a:t>
+            </a:r>
+            <a:endParaRPr lang="sv-SE" b="1" dirty="0"/>
+          </a:p>
+        </p:txBody>
+      </p:sp>
+      <p:graphicFrame>
+        <p:nvGraphicFramePr>
+          <p:cNvPr id="4" name="Table 3"/>
+          <p:cNvGraphicFramePr>
+            <a:graphicFrameLocks noGrp="1"/>
+          </p:cNvGraphicFramePr>
+          <p:nvPr>
+            <p:extLst>
+              <p:ext uri="{D42A27DB-BD31-4B8C-83A1-F6EECF244321}">
+                <p14:modId xmlns:p14="http://schemas.microsoft.com/office/powerpoint/2010/main" val="399939747"/>
+              </p:ext>
+            </p:extLst>
+          </p:nvPr>
+        </p:nvGraphicFramePr>
+        <p:xfrm>
+          <a:off x="899592" y="908720"/>
+          <a:ext cx="7081711" cy="2966720"/>
+        </p:xfrm>
+        <a:graphic>
+          <a:graphicData uri="http://schemas.openxmlformats.org/drawingml/2006/table">
+            <a:tbl>
+              <a:tblPr firstRow="1" bandRow="1">
+                <a:tableStyleId>{5C22544A-7EE6-4342-B048-85BDC9FD1C3A}</a:tableStyleId>
+              </a:tblPr>
+              <a:tblGrid>
+                <a:gridCol w="2930779"/>
+                <a:gridCol w="1417892"/>
+                <a:gridCol w="424180"/>
+                <a:gridCol w="1154430"/>
+                <a:gridCol w="1154430"/>
+              </a:tblGrid>
+              <a:tr h="370840">
+                <a:tc>
+                  <a:txBody>
+                    <a:bodyPr/>
+                    <a:lstStyle/>
+                    <a:p>
+                      <a:r>
+                        <a:rPr lang="sv-SE" dirty="0" smtClean="0"/>
+                        <a:t>Relation</a:t>
+                      </a:r>
+                      <a:endParaRPr lang="sv-SE" dirty="0"/>
+                    </a:p>
+                  </a:txBody>
+                  <a:tcPr/>
+                </a:tc>
+                <a:tc>
+                  <a:txBody>
+                    <a:bodyPr/>
+                    <a:lstStyle/>
+                    <a:p>
+                      <a:r>
+                        <a:rPr lang="sv-SE" dirty="0" smtClean="0"/>
+                        <a:t>Relationstyp</a:t>
+                      </a:r>
+                      <a:endParaRPr lang="sv-SE" dirty="0"/>
+                    </a:p>
+                  </a:txBody>
+                  <a:tcPr/>
+                </a:tc>
+                <a:tc>
+                  <a:txBody>
+                    <a:bodyPr/>
+                    <a:lstStyle/>
+                    <a:p>
+                      <a:r>
+                        <a:rPr lang="sv-SE" dirty="0" smtClean="0"/>
+                        <a:t>RI</a:t>
+                      </a:r>
+                      <a:endParaRPr lang="sv-SE" dirty="0"/>
+                    </a:p>
+                  </a:txBody>
+                  <a:tcPr/>
+                </a:tc>
+                <a:tc>
+                  <a:txBody>
+                    <a:bodyPr/>
+                    <a:lstStyle/>
+                    <a:p>
+                      <a:r>
+                        <a:rPr lang="sv-SE" dirty="0" err="1" smtClean="0"/>
+                        <a:t>Delete</a:t>
+                      </a:r>
+                      <a:endParaRPr lang="sv-SE" dirty="0"/>
+                    </a:p>
+                  </a:txBody>
+                  <a:tcPr/>
+                </a:tc>
+                <a:tc>
+                  <a:txBody>
+                    <a:bodyPr/>
+                    <a:lstStyle/>
+                    <a:p>
+                      <a:r>
+                        <a:rPr lang="sv-SE" dirty="0" err="1" smtClean="0"/>
+                        <a:t>Update</a:t>
+                      </a:r>
+                      <a:endParaRPr lang="sv-SE" dirty="0"/>
+                    </a:p>
+                  </a:txBody>
+                  <a:tcPr/>
+                </a:tc>
+              </a:tr>
+              <a:tr h="370840">
+                <a:tc>
+                  <a:txBody>
+                    <a:bodyPr/>
+                    <a:lstStyle/>
+                    <a:p>
+                      <a:r>
+                        <a:rPr lang="sv-SE" dirty="0" smtClean="0"/>
+                        <a:t>Medlem -&gt;</a:t>
+                      </a:r>
+                      <a:r>
+                        <a:rPr lang="sv-SE" baseline="0" dirty="0" smtClean="0"/>
+                        <a:t> Kontakt</a:t>
+                      </a:r>
+                      <a:endParaRPr lang="sv-SE" dirty="0"/>
+                    </a:p>
+                  </a:txBody>
+                  <a:tcPr/>
+                </a:tc>
+                <a:tc>
+                  <a:txBody>
+                    <a:bodyPr/>
+                    <a:lstStyle/>
+                    <a:p>
+                      <a:r>
+                        <a:rPr lang="sv-SE" dirty="0" smtClean="0"/>
+                        <a:t>1:n</a:t>
+                      </a:r>
+                      <a:endParaRPr lang="sv-SE" dirty="0"/>
+                    </a:p>
+                  </a:txBody>
+                  <a:tcPr/>
+                </a:tc>
+                <a:tc>
+                  <a:txBody>
+                    <a:bodyPr/>
+                    <a:lstStyle/>
+                    <a:p>
+                      <a:r>
+                        <a:rPr lang="sv-SE" dirty="0" smtClean="0"/>
+                        <a:t>X</a:t>
+                      </a:r>
+                      <a:endParaRPr lang="sv-SE" dirty="0"/>
+                    </a:p>
+                  </a:txBody>
+                  <a:tcPr/>
+                </a:tc>
+                <a:tc>
+                  <a:txBody>
+                    <a:bodyPr/>
+                    <a:lstStyle/>
+                    <a:p>
+                      <a:r>
+                        <a:rPr lang="sv-SE" dirty="0" smtClean="0"/>
+                        <a:t>Cascade</a:t>
+                      </a:r>
+                      <a:endParaRPr lang="sv-SE" dirty="0"/>
+                    </a:p>
+                  </a:txBody>
+                  <a:tcPr/>
+                </a:tc>
+                <a:tc>
+                  <a:txBody>
+                    <a:bodyPr/>
+                    <a:lstStyle/>
+                    <a:p>
+                      <a:r>
+                        <a:rPr lang="sv-SE" dirty="0" smtClean="0"/>
+                        <a:t>No Action</a:t>
+                      </a:r>
+                      <a:endParaRPr lang="sv-SE" dirty="0"/>
+                    </a:p>
+                  </a:txBody>
+                  <a:tcPr/>
+                </a:tc>
+              </a:tr>
+              <a:tr h="370840">
+                <a:tc>
+                  <a:txBody>
+                    <a:bodyPr/>
+                    <a:lstStyle/>
+                    <a:p>
+                      <a:r>
+                        <a:rPr lang="sv-SE" baseline="0" dirty="0" smtClean="0"/>
+                        <a:t>Kontakttyp -&gt; Kontakt</a:t>
+                      </a:r>
+                      <a:endParaRPr lang="sv-SE" dirty="0"/>
+                    </a:p>
+                  </a:txBody>
+                  <a:tcPr/>
+                </a:tc>
+                <a:tc>
+                  <a:txBody>
+                    <a:bodyPr/>
+                    <a:lstStyle/>
+                    <a:p>
+                      <a:r>
+                        <a:rPr lang="sv-SE" dirty="0" smtClean="0"/>
+                        <a:t>1:n</a:t>
+                      </a:r>
+                      <a:endParaRPr lang="sv-SE" dirty="0"/>
+                    </a:p>
+                  </a:txBody>
+                  <a:tcPr/>
+                </a:tc>
+                <a:tc>
+                  <a:txBody>
+                    <a:bodyPr/>
+                    <a:lstStyle/>
+                    <a:p>
+                      <a:r>
+                        <a:rPr lang="sv-SE" dirty="0" smtClean="0"/>
+                        <a:t>X</a:t>
+                      </a:r>
+                      <a:endParaRPr lang="sv-SE" dirty="0"/>
+                    </a:p>
+                  </a:txBody>
+                  <a:tcPr/>
+                </a:tc>
+                <a:tc>
+                  <a:txBody>
+                    <a:bodyPr/>
+                    <a:lstStyle/>
+                    <a:p>
+                      <a:r>
+                        <a:rPr lang="sv-SE" dirty="0" smtClean="0"/>
+                        <a:t>No Action</a:t>
+                      </a:r>
+                      <a:endParaRPr lang="sv-SE" dirty="0"/>
+                    </a:p>
+                  </a:txBody>
+                  <a:tcPr/>
+                </a:tc>
+                <a:tc>
+                  <a:txBody>
+                    <a:bodyPr/>
+                    <a:lstStyle/>
+                    <a:p>
+                      <a:r>
+                        <a:rPr lang="sv-SE" dirty="0" smtClean="0"/>
+                        <a:t>No Action</a:t>
+                      </a:r>
+                      <a:endParaRPr lang="sv-SE" dirty="0"/>
+                    </a:p>
+                  </a:txBody>
+                  <a:tcPr/>
+                </a:tc>
+              </a:tr>
+              <a:tr h="370840">
+                <a:tc>
+                  <a:txBody>
+                    <a:bodyPr/>
+                    <a:lstStyle/>
+                    <a:p>
+                      <a:r>
+                        <a:rPr lang="sv-SE" baseline="0" dirty="0" smtClean="0"/>
+                        <a:t>Befattning -&gt; Medlem</a:t>
+                      </a:r>
+                      <a:endParaRPr lang="sv-SE" dirty="0"/>
+                    </a:p>
+                  </a:txBody>
+                  <a:tcPr/>
+                </a:tc>
+                <a:tc>
+                  <a:txBody>
+                    <a:bodyPr/>
+                    <a:lstStyle/>
+                    <a:p>
+                      <a:r>
+                        <a:rPr lang="sv-SE" dirty="0" smtClean="0"/>
+                        <a:t>1:n</a:t>
+                      </a:r>
+                      <a:endParaRPr lang="sv-SE" dirty="0"/>
+                    </a:p>
+                  </a:txBody>
+                  <a:tcPr/>
+                </a:tc>
+                <a:tc>
+                  <a:txBody>
+                    <a:bodyPr/>
+                    <a:lstStyle/>
+                    <a:p>
+                      <a:r>
+                        <a:rPr lang="sv-SE" dirty="0" smtClean="0"/>
+                        <a:t>X</a:t>
+                      </a:r>
+                      <a:endParaRPr lang="sv-SE" dirty="0"/>
+                    </a:p>
+                  </a:txBody>
+                  <a:tcPr/>
+                </a:tc>
+                <a:tc>
+                  <a:txBody>
+                    <a:bodyPr/>
+                    <a:lstStyle/>
+                    <a:p>
+                      <a:r>
+                        <a:rPr lang="sv-SE" dirty="0" smtClean="0"/>
+                        <a:t>No Action</a:t>
+                      </a:r>
+                      <a:endParaRPr lang="sv-SE" dirty="0"/>
+                    </a:p>
+                  </a:txBody>
+                  <a:tcPr/>
+                </a:tc>
+                <a:tc>
+                  <a:txBody>
+                    <a:bodyPr/>
+                    <a:lstStyle/>
+                    <a:p>
+                      <a:r>
+                        <a:rPr lang="sv-SE" dirty="0" smtClean="0"/>
+                        <a:t>No Action</a:t>
+                      </a:r>
+                      <a:endParaRPr lang="sv-SE" dirty="0"/>
+                    </a:p>
+                  </a:txBody>
+                  <a:tcPr/>
+                </a:tc>
+              </a:tr>
+              <a:tr h="370840">
+                <a:tc>
+                  <a:txBody>
+                    <a:bodyPr/>
+                    <a:lstStyle/>
+                    <a:p>
+                      <a:r>
+                        <a:rPr lang="sv-SE" dirty="0" smtClean="0"/>
+                        <a:t>Medlem -&gt;</a:t>
+                      </a:r>
+                      <a:r>
+                        <a:rPr lang="sv-SE" baseline="0" dirty="0" smtClean="0"/>
+                        <a:t> Medlemsresa</a:t>
+                      </a:r>
+                      <a:endParaRPr lang="sv-SE" dirty="0"/>
+                    </a:p>
+                  </a:txBody>
+                  <a:tcPr/>
+                </a:tc>
+                <a:tc>
+                  <a:txBody>
+                    <a:bodyPr/>
+                    <a:lstStyle/>
+                    <a:p>
+                      <a:r>
+                        <a:rPr lang="sv-SE" dirty="0" smtClean="0"/>
+                        <a:t>1:n</a:t>
+                      </a:r>
+                      <a:endParaRPr lang="sv-SE" dirty="0"/>
+                    </a:p>
+                  </a:txBody>
+                  <a:tcPr/>
+                </a:tc>
+                <a:tc>
+                  <a:txBody>
+                    <a:bodyPr/>
+                    <a:lstStyle/>
+                    <a:p>
+                      <a:r>
+                        <a:rPr lang="sv-SE" dirty="0" smtClean="0"/>
+                        <a:t>X</a:t>
+                      </a:r>
+                      <a:endParaRPr lang="sv-SE" dirty="0"/>
+                    </a:p>
+                  </a:txBody>
+                  <a:tcPr/>
+                </a:tc>
+                <a:tc>
+                  <a:txBody>
+                    <a:bodyPr/>
+                    <a:lstStyle/>
+                    <a:p>
+                      <a:r>
+                        <a:rPr lang="sv-SE" dirty="0" smtClean="0"/>
+                        <a:t>Cascade</a:t>
+                      </a:r>
+                      <a:endParaRPr lang="sv-SE" dirty="0"/>
+                    </a:p>
+                  </a:txBody>
+                  <a:tcPr/>
+                </a:tc>
+                <a:tc>
+                  <a:txBody>
+                    <a:bodyPr/>
+                    <a:lstStyle/>
+                    <a:p>
+                      <a:r>
+                        <a:rPr lang="sv-SE" dirty="0" smtClean="0"/>
+                        <a:t>No Action</a:t>
+                      </a:r>
+                      <a:endParaRPr lang="sv-SE" dirty="0"/>
+                    </a:p>
+                  </a:txBody>
+                  <a:tcPr/>
+                </a:tc>
+              </a:tr>
+              <a:tr h="370840">
+                <a:tc>
+                  <a:txBody>
+                    <a:bodyPr/>
+                    <a:lstStyle/>
+                    <a:p>
+                      <a:r>
+                        <a:rPr lang="sv-SE" dirty="0" smtClean="0"/>
+                        <a:t>Resa</a:t>
+                      </a:r>
+                      <a:r>
+                        <a:rPr lang="sv-SE" baseline="0" dirty="0" smtClean="0"/>
+                        <a:t> -&gt; Medlemsresa</a:t>
+                      </a:r>
+                      <a:endParaRPr lang="sv-SE" dirty="0"/>
+                    </a:p>
+                  </a:txBody>
+                  <a:tcPr/>
+                </a:tc>
+                <a:tc>
+                  <a:txBody>
+                    <a:bodyPr/>
+                    <a:lstStyle/>
+                    <a:p>
+                      <a:r>
+                        <a:rPr lang="sv-SE" dirty="0" smtClean="0"/>
+                        <a:t>1:n</a:t>
+                      </a:r>
+                      <a:endParaRPr lang="sv-SE" dirty="0"/>
+                    </a:p>
+                  </a:txBody>
+                  <a:tcPr/>
+                </a:tc>
+                <a:tc>
+                  <a:txBody>
+                    <a:bodyPr/>
+                    <a:lstStyle/>
+                    <a:p>
+                      <a:r>
+                        <a:rPr lang="sv-SE" dirty="0" smtClean="0"/>
+                        <a:t>X</a:t>
+                      </a:r>
+                      <a:endParaRPr lang="sv-SE" dirty="0"/>
+                    </a:p>
+                  </a:txBody>
+                  <a:tcPr/>
+                </a:tc>
+                <a:tc>
+                  <a:txBody>
+                    <a:bodyPr/>
+                    <a:lstStyle/>
+                    <a:p>
+                      <a:r>
+                        <a:rPr lang="sv-SE" dirty="0" smtClean="0"/>
+                        <a:t>No Action</a:t>
+                      </a:r>
+                      <a:endParaRPr lang="sv-SE" dirty="0"/>
+                    </a:p>
+                  </a:txBody>
+                  <a:tcPr/>
+                </a:tc>
+                <a:tc>
+                  <a:txBody>
+                    <a:bodyPr/>
+                    <a:lstStyle/>
+                    <a:p>
+                      <a:r>
+                        <a:rPr lang="sv-SE" dirty="0" smtClean="0"/>
+                        <a:t>No Action</a:t>
+                      </a:r>
+                      <a:endParaRPr lang="sv-SE" dirty="0"/>
+                    </a:p>
+                  </a:txBody>
+                  <a:tcPr/>
+                </a:tc>
+              </a:tr>
+              <a:tr h="370840">
+                <a:tc>
+                  <a:txBody>
+                    <a:bodyPr/>
+                    <a:lstStyle/>
+                    <a:p>
+                      <a:r>
+                        <a:rPr lang="sv-SE" dirty="0" smtClean="0"/>
+                        <a:t>Medlem -&gt;</a:t>
+                      </a:r>
+                      <a:r>
+                        <a:rPr lang="sv-SE" baseline="0" dirty="0" smtClean="0"/>
+                        <a:t> Medlemsaktivitet</a:t>
+                      </a:r>
+                      <a:endParaRPr lang="sv-SE" dirty="0"/>
+                    </a:p>
+                  </a:txBody>
+                  <a:tcPr/>
+                </a:tc>
+                <a:tc>
+                  <a:txBody>
+                    <a:bodyPr/>
+                    <a:lstStyle/>
+                    <a:p>
+                      <a:r>
+                        <a:rPr lang="sv-SE" dirty="0" smtClean="0"/>
+                        <a:t>1:n</a:t>
+                      </a:r>
+                      <a:endParaRPr lang="sv-SE" dirty="0"/>
+                    </a:p>
+                  </a:txBody>
+                  <a:tcPr/>
+                </a:tc>
+                <a:tc>
+                  <a:txBody>
+                    <a:bodyPr/>
+                    <a:lstStyle/>
+                    <a:p>
+                      <a:r>
+                        <a:rPr lang="sv-SE" dirty="0" smtClean="0"/>
+                        <a:t>X</a:t>
+                      </a:r>
+                      <a:endParaRPr lang="sv-SE" dirty="0"/>
+                    </a:p>
+                  </a:txBody>
+                  <a:tcPr/>
+                </a:tc>
+                <a:tc>
+                  <a:txBody>
+                    <a:bodyPr/>
+                    <a:lstStyle/>
+                    <a:p>
+                      <a:r>
+                        <a:rPr lang="sv-SE" dirty="0" smtClean="0"/>
+                        <a:t>Cascade</a:t>
+                      </a:r>
+                      <a:endParaRPr lang="sv-SE" dirty="0"/>
+                    </a:p>
+                  </a:txBody>
+                  <a:tcPr/>
+                </a:tc>
+                <a:tc>
+                  <a:txBody>
+                    <a:bodyPr/>
+                    <a:lstStyle/>
+                    <a:p>
+                      <a:r>
+                        <a:rPr lang="sv-SE" dirty="0" smtClean="0"/>
+                        <a:t>No Action</a:t>
+                      </a:r>
+                      <a:endParaRPr lang="sv-SE" dirty="0"/>
+                    </a:p>
+                  </a:txBody>
+                  <a:tcPr/>
+                </a:tc>
+              </a:tr>
+              <a:tr h="370840">
+                <a:tc>
+                  <a:txBody>
+                    <a:bodyPr/>
+                    <a:lstStyle/>
+                    <a:p>
+                      <a:r>
+                        <a:rPr lang="sv-SE" dirty="0" smtClean="0"/>
+                        <a:t>Aktivitet -&gt;</a:t>
+                      </a:r>
+                      <a:r>
+                        <a:rPr lang="sv-SE" baseline="0" dirty="0" smtClean="0"/>
+                        <a:t> Medlemsaktivitet</a:t>
+                      </a:r>
+                      <a:endParaRPr lang="sv-SE" dirty="0"/>
+                    </a:p>
+                  </a:txBody>
+                  <a:tcPr/>
+                </a:tc>
+                <a:tc>
+                  <a:txBody>
+                    <a:bodyPr/>
+                    <a:lstStyle/>
+                    <a:p>
+                      <a:r>
+                        <a:rPr lang="sv-SE" dirty="0" smtClean="0"/>
+                        <a:t>1:n</a:t>
+                      </a:r>
+                      <a:endParaRPr lang="sv-SE" dirty="0"/>
+                    </a:p>
+                  </a:txBody>
+                  <a:tcPr/>
+                </a:tc>
+                <a:tc>
+                  <a:txBody>
+                    <a:bodyPr/>
+                    <a:lstStyle/>
+                    <a:p>
+                      <a:r>
+                        <a:rPr lang="sv-SE" dirty="0" smtClean="0"/>
+                        <a:t>X</a:t>
+                      </a:r>
+                      <a:endParaRPr lang="sv-SE" dirty="0"/>
+                    </a:p>
+                  </a:txBody>
+                  <a:tcPr/>
+                </a:tc>
+                <a:tc>
+                  <a:txBody>
+                    <a:bodyPr/>
+                    <a:lstStyle/>
+                    <a:p>
+                      <a:r>
+                        <a:rPr lang="sv-SE" dirty="0" smtClean="0"/>
+                        <a:t>No Action</a:t>
+                      </a:r>
+                      <a:endParaRPr lang="sv-SE" dirty="0"/>
+                    </a:p>
+                  </a:txBody>
+                  <a:tcPr/>
+                </a:tc>
+                <a:tc>
+                  <a:txBody>
+                    <a:bodyPr/>
+                    <a:lstStyle/>
+                    <a:p>
+                      <a:r>
+                        <a:rPr lang="sv-SE" dirty="0" smtClean="0"/>
+                        <a:t>No Action</a:t>
+                      </a:r>
+                      <a:endParaRPr lang="sv-SE" dirty="0"/>
+                    </a:p>
+                  </a:txBody>
+                  <a:tcPr/>
+                </a:tc>
+              </a:tr>
+            </a:tbl>
+          </a:graphicData>
+        </a:graphic>
+      </p:graphicFrame>
+    </p:spTree>
+    <p:extLst>
+      <p:ext uri="{BB962C8B-B14F-4D97-AF65-F5344CB8AC3E}">
+        <p14:creationId xmlns:p14="http://schemas.microsoft.com/office/powerpoint/2010/main" val="186582452"/>
+      </p:ext>
+    </p:extLst>
+  </p:cSld>
+  <p:clrMapOvr>
+    <a:masterClrMapping/>
+  </p:clrMapOvr>
+</p:sld>
+</file>
+
+<file path=ppt/slides/slide12.xml><?xml version="1.0" encoding="utf-8"?>
+<p:sld xmlns:a="http://schemas.openxmlformats.org/drawingml/2006/main" xmlns:r="http://schemas.openxmlformats.org/officeDocument/2006/relationships" xmlns:p="http://schemas.openxmlformats.org/presentationml/2006/main">
+  <p:cSld>
+    <p:spTree>
+      <p:nvGrpSpPr>
+        <p:cNvPr id="1" name=""/>
+        <p:cNvGrpSpPr/>
+        <p:nvPr/>
+      </p:nvGrpSpPr>
+      <p:grpSpPr>
+        <a:xfrm>
+          <a:off x="0" y="0"/>
+          <a:ext cx="0" cy="0"/>
+          <a:chOff x="0" y="0"/>
+          <a:chExt cx="0" cy="0"/>
+        </a:xfrm>
+      </p:grpSpPr>
+      <p:grpSp>
+        <p:nvGrpSpPr>
+          <p:cNvPr id="2" name="Grupp 7"/>
+          <p:cNvGrpSpPr>
+            <a:grpSpLocks/>
+          </p:cNvGrpSpPr>
+          <p:nvPr/>
+        </p:nvGrpSpPr>
+        <p:grpSpPr bwMode="auto">
+          <a:xfrm rot="5400000">
+            <a:off x="2662857" y="1302062"/>
+            <a:ext cx="382649" cy="288925"/>
+            <a:chOff x="3072429" y="692696"/>
+            <a:chExt cx="419451" cy="288032"/>
+          </a:xfrm>
+        </p:grpSpPr>
+        <p:cxnSp>
+          <p:nvCxnSpPr>
+            <p:cNvPr id="3" name="Rak 5"/>
+            <p:cNvCxnSpPr/>
+            <p:nvPr/>
+          </p:nvCxnSpPr>
+          <p:spPr>
+            <a:xfrm rot="16200000">
+              <a:off x="3282154" y="626987"/>
+              <a:ext cx="0" cy="419449"/>
+            </a:xfrm>
+            <a:prstGeom prst="line">
+              <a:avLst/>
+            </a:prstGeom>
+            <a:ln w="9525">
+              <a:solidFill>
+                <a:schemeClr val="tx1"/>
+              </a:solidFill>
+            </a:ln>
+          </p:spPr>
+          <p:style>
+            <a:lnRef idx="1">
+              <a:schemeClr val="accent1"/>
+            </a:lnRef>
+            <a:fillRef idx="0">
+              <a:schemeClr val="accent1"/>
+            </a:fillRef>
+            <a:effectRef idx="0">
+              <a:schemeClr val="accent1"/>
+            </a:effectRef>
+            <a:fontRef idx="minor">
+              <a:schemeClr val="tx1"/>
+            </a:fontRef>
+          </p:style>
+        </p:cxnSp>
+        <p:sp>
+          <p:nvSpPr>
+            <p:cNvPr id="4" name="Rektangel 6"/>
+            <p:cNvSpPr/>
+            <p:nvPr/>
+          </p:nvSpPr>
+          <p:spPr>
+            <a:xfrm>
+              <a:off x="3420483" y="692696"/>
+              <a:ext cx="71397" cy="288032"/>
+            </a:xfrm>
+            <a:prstGeom prst="rect">
+              <a:avLst/>
+            </a:prstGeom>
+            <a:noFill/>
+            <a:ln w="9525">
+              <a:solidFill>
+                <a:schemeClr val="tx1"/>
+              </a:solidFill>
+            </a:ln>
+          </p:spPr>
+          <p:style>
+            <a:lnRef idx="2">
+              <a:schemeClr val="accent1">
+                <a:shade val="50000"/>
+              </a:schemeClr>
+            </a:lnRef>
+            <a:fillRef idx="1">
+              <a:schemeClr val="accent1"/>
+            </a:fillRef>
+            <a:effectRef idx="0">
+              <a:schemeClr val="accent1"/>
+            </a:effectRef>
+            <a:fontRef idx="minor">
+              <a:schemeClr val="lt1"/>
+            </a:fontRef>
+          </p:style>
+          <p:txBody>
+            <a:bodyPr anchor="ctr"/>
+            <a:lstStyle/>
+            <a:p>
+              <a:pPr algn="ctr" fontAlgn="auto">
+                <a:spcBef>
+                  <a:spcPts val="0"/>
+                </a:spcBef>
+                <a:spcAft>
+                  <a:spcPts val="0"/>
+                </a:spcAft>
+                <a:defRPr/>
+              </a:pPr>
+              <a:endParaRPr lang="sv-SE" sz="1400"/>
+            </a:p>
+          </p:txBody>
+        </p:sp>
+      </p:grpSp>
+      <p:grpSp>
+        <p:nvGrpSpPr>
+          <p:cNvPr id="5" name="Grupp 7"/>
+          <p:cNvGrpSpPr>
+            <a:grpSpLocks/>
+          </p:cNvGrpSpPr>
+          <p:nvPr/>
+        </p:nvGrpSpPr>
+        <p:grpSpPr bwMode="auto">
+          <a:xfrm rot="5400000">
+            <a:off x="504705" y="1269513"/>
+            <a:ext cx="426984" cy="288925"/>
+            <a:chOff x="3023830" y="692696"/>
+            <a:chExt cx="468050" cy="288032"/>
+          </a:xfrm>
+        </p:grpSpPr>
+        <p:cxnSp>
+          <p:nvCxnSpPr>
+            <p:cNvPr id="6" name="Rak 5"/>
+            <p:cNvCxnSpPr/>
+            <p:nvPr/>
+          </p:nvCxnSpPr>
+          <p:spPr>
+            <a:xfrm rot="16200000">
+              <a:off x="3257855" y="602687"/>
+              <a:ext cx="0" cy="468049"/>
+            </a:xfrm>
+            <a:prstGeom prst="line">
+              <a:avLst/>
+            </a:prstGeom>
+            <a:ln w="9525">
+              <a:solidFill>
+                <a:schemeClr val="tx1"/>
+              </a:solidFill>
+            </a:ln>
+          </p:spPr>
+          <p:style>
+            <a:lnRef idx="1">
+              <a:schemeClr val="accent1"/>
+            </a:lnRef>
+            <a:fillRef idx="0">
+              <a:schemeClr val="accent1"/>
+            </a:fillRef>
+            <a:effectRef idx="0">
+              <a:schemeClr val="accent1"/>
+            </a:effectRef>
+            <a:fontRef idx="minor">
+              <a:schemeClr val="tx1"/>
+            </a:fontRef>
+          </p:style>
+        </p:cxnSp>
+        <p:sp>
+          <p:nvSpPr>
+            <p:cNvPr id="7" name="Rektangel 6"/>
+            <p:cNvSpPr/>
+            <p:nvPr/>
+          </p:nvSpPr>
+          <p:spPr>
+            <a:xfrm>
+              <a:off x="3420483" y="692696"/>
+              <a:ext cx="71397" cy="288032"/>
+            </a:xfrm>
+            <a:prstGeom prst="rect">
+              <a:avLst/>
+            </a:prstGeom>
+            <a:noFill/>
+            <a:ln w="9525">
+              <a:solidFill>
+                <a:schemeClr val="tx1"/>
+              </a:solidFill>
+            </a:ln>
+          </p:spPr>
+          <p:style>
+            <a:lnRef idx="2">
+              <a:schemeClr val="accent1">
+                <a:shade val="50000"/>
+              </a:schemeClr>
+            </a:lnRef>
+            <a:fillRef idx="1">
+              <a:schemeClr val="accent1"/>
+            </a:fillRef>
+            <a:effectRef idx="0">
+              <a:schemeClr val="accent1"/>
+            </a:effectRef>
+            <a:fontRef idx="minor">
+              <a:schemeClr val="lt1"/>
+            </a:fontRef>
+          </p:style>
+          <p:txBody>
+            <a:bodyPr anchor="ctr"/>
+            <a:lstStyle/>
+            <a:p>
+              <a:pPr algn="ctr" fontAlgn="auto">
+                <a:spcBef>
+                  <a:spcPts val="0"/>
+                </a:spcBef>
+                <a:spcAft>
+                  <a:spcPts val="0"/>
+                </a:spcAft>
+                <a:defRPr/>
+              </a:pPr>
+              <a:endParaRPr lang="sv-SE" sz="1400"/>
+            </a:p>
+          </p:txBody>
+        </p:sp>
+      </p:grpSp>
+      <p:grpSp>
+        <p:nvGrpSpPr>
+          <p:cNvPr id="8" name="Grupp 7"/>
+          <p:cNvGrpSpPr>
+            <a:grpSpLocks/>
+          </p:cNvGrpSpPr>
+          <p:nvPr/>
+        </p:nvGrpSpPr>
+        <p:grpSpPr bwMode="auto">
+          <a:xfrm rot="10800000">
+            <a:off x="1360265" y="1774019"/>
+            <a:ext cx="853971" cy="288925"/>
+            <a:chOff x="2555776" y="692696"/>
+            <a:chExt cx="936104" cy="288032"/>
+          </a:xfrm>
+        </p:grpSpPr>
+        <p:cxnSp>
+          <p:nvCxnSpPr>
+            <p:cNvPr id="9" name="Rak 5"/>
+            <p:cNvCxnSpPr/>
+            <p:nvPr/>
+          </p:nvCxnSpPr>
+          <p:spPr>
+            <a:xfrm>
+              <a:off x="2555776" y="836712"/>
+              <a:ext cx="936104" cy="0"/>
+            </a:xfrm>
+            <a:prstGeom prst="line">
+              <a:avLst/>
+            </a:prstGeom>
+            <a:ln w="9525">
+              <a:solidFill>
+                <a:schemeClr val="tx1"/>
+              </a:solidFill>
+            </a:ln>
+          </p:spPr>
+          <p:style>
+            <a:lnRef idx="1">
+              <a:schemeClr val="accent1"/>
+            </a:lnRef>
+            <a:fillRef idx="0">
+              <a:schemeClr val="accent1"/>
+            </a:fillRef>
+            <a:effectRef idx="0">
+              <a:schemeClr val="accent1"/>
+            </a:effectRef>
+            <a:fontRef idx="minor">
+              <a:schemeClr val="tx1"/>
+            </a:fontRef>
+          </p:style>
+        </p:cxnSp>
+        <p:sp>
+          <p:nvSpPr>
+            <p:cNvPr id="10" name="Rektangel 6"/>
+            <p:cNvSpPr/>
+            <p:nvPr/>
+          </p:nvSpPr>
+          <p:spPr>
+            <a:xfrm>
+              <a:off x="3420483" y="692696"/>
+              <a:ext cx="71397" cy="288032"/>
+            </a:xfrm>
+            <a:prstGeom prst="rect">
+              <a:avLst/>
+            </a:prstGeom>
+            <a:noFill/>
+            <a:ln w="9525">
+              <a:solidFill>
+                <a:schemeClr val="tx1"/>
+              </a:solidFill>
+            </a:ln>
+          </p:spPr>
+          <p:style>
+            <a:lnRef idx="2">
+              <a:schemeClr val="accent1">
+                <a:shade val="50000"/>
+              </a:schemeClr>
+            </a:lnRef>
+            <a:fillRef idx="1">
+              <a:schemeClr val="accent1"/>
+            </a:fillRef>
+            <a:effectRef idx="0">
+              <a:schemeClr val="accent1"/>
+            </a:effectRef>
+            <a:fontRef idx="minor">
+              <a:schemeClr val="lt1"/>
+            </a:fontRef>
+          </p:style>
+          <p:txBody>
+            <a:bodyPr anchor="ctr"/>
+            <a:lstStyle/>
+            <a:p>
+              <a:pPr algn="ctr" fontAlgn="auto">
+                <a:spcBef>
+                  <a:spcPts val="0"/>
+                </a:spcBef>
+                <a:spcAft>
+                  <a:spcPts val="0"/>
+                </a:spcAft>
+                <a:defRPr/>
+              </a:pPr>
+              <a:endParaRPr lang="sv-SE" sz="1400"/>
+            </a:p>
+          </p:txBody>
+        </p:sp>
+      </p:grpSp>
+      <p:grpSp>
+        <p:nvGrpSpPr>
+          <p:cNvPr id="11" name="Grupp 7"/>
+          <p:cNvGrpSpPr>
+            <a:grpSpLocks/>
+          </p:cNvGrpSpPr>
+          <p:nvPr/>
+        </p:nvGrpSpPr>
+        <p:grpSpPr bwMode="auto">
+          <a:xfrm>
+            <a:off x="3356076" y="1729300"/>
+            <a:ext cx="1359940" cy="288925"/>
+            <a:chOff x="2555776" y="692696"/>
+            <a:chExt cx="936104" cy="288032"/>
+          </a:xfrm>
+        </p:grpSpPr>
+        <p:cxnSp>
+          <p:nvCxnSpPr>
+            <p:cNvPr id="12" name="Rak 5"/>
+            <p:cNvCxnSpPr/>
+            <p:nvPr/>
+          </p:nvCxnSpPr>
+          <p:spPr>
+            <a:xfrm>
+              <a:off x="2555776" y="836712"/>
+              <a:ext cx="936104" cy="0"/>
+            </a:xfrm>
+            <a:prstGeom prst="line">
+              <a:avLst/>
+            </a:prstGeom>
+            <a:ln w="9525">
+              <a:solidFill>
+                <a:schemeClr val="tx1"/>
+              </a:solidFill>
+            </a:ln>
+          </p:spPr>
+          <p:style>
+            <a:lnRef idx="1">
+              <a:schemeClr val="accent1"/>
+            </a:lnRef>
+            <a:fillRef idx="0">
+              <a:schemeClr val="accent1"/>
+            </a:fillRef>
+            <a:effectRef idx="0">
+              <a:schemeClr val="accent1"/>
+            </a:effectRef>
+            <a:fontRef idx="minor">
+              <a:schemeClr val="tx1"/>
+            </a:fontRef>
+          </p:style>
+        </p:cxnSp>
+        <p:sp>
+          <p:nvSpPr>
+            <p:cNvPr id="13" name="Rektangel 6"/>
+            <p:cNvSpPr/>
+            <p:nvPr/>
+          </p:nvSpPr>
+          <p:spPr>
+            <a:xfrm>
+              <a:off x="3420483" y="692696"/>
+              <a:ext cx="71397" cy="288032"/>
+            </a:xfrm>
+            <a:prstGeom prst="rect">
+              <a:avLst/>
+            </a:prstGeom>
+            <a:noFill/>
+            <a:ln w="9525">
+              <a:solidFill>
+                <a:schemeClr val="tx1"/>
+              </a:solidFill>
+            </a:ln>
+          </p:spPr>
+          <p:style>
+            <a:lnRef idx="2">
+              <a:schemeClr val="accent1">
+                <a:shade val="50000"/>
+              </a:schemeClr>
+            </a:lnRef>
+            <a:fillRef idx="1">
+              <a:schemeClr val="accent1"/>
+            </a:fillRef>
+            <a:effectRef idx="0">
+              <a:schemeClr val="accent1"/>
+            </a:effectRef>
+            <a:fontRef idx="minor">
+              <a:schemeClr val="lt1"/>
+            </a:fontRef>
+          </p:style>
+          <p:txBody>
+            <a:bodyPr anchor="ctr"/>
+            <a:lstStyle/>
+            <a:p>
+              <a:pPr algn="ctr" fontAlgn="auto">
+                <a:spcBef>
+                  <a:spcPts val="0"/>
+                </a:spcBef>
+                <a:spcAft>
+                  <a:spcPts val="0"/>
+                </a:spcAft>
+                <a:defRPr/>
+              </a:pPr>
+              <a:endParaRPr lang="sv-SE" sz="1400"/>
+            </a:p>
+          </p:txBody>
+        </p:sp>
+      </p:grpSp>
+      <p:grpSp>
+        <p:nvGrpSpPr>
+          <p:cNvPr id="14" name="Grupp 7"/>
+          <p:cNvGrpSpPr>
+            <a:grpSpLocks/>
+          </p:cNvGrpSpPr>
+          <p:nvPr/>
+        </p:nvGrpSpPr>
+        <p:grpSpPr bwMode="auto">
+          <a:xfrm rot="10800000">
+            <a:off x="6096222" y="1736101"/>
+            <a:ext cx="853971" cy="288925"/>
+            <a:chOff x="2555776" y="692696"/>
+            <a:chExt cx="936104" cy="288032"/>
+          </a:xfrm>
+        </p:grpSpPr>
+        <p:cxnSp>
+          <p:nvCxnSpPr>
+            <p:cNvPr id="15" name="Rak 5"/>
+            <p:cNvCxnSpPr/>
+            <p:nvPr/>
+          </p:nvCxnSpPr>
+          <p:spPr>
+            <a:xfrm>
+              <a:off x="2555776" y="836712"/>
+              <a:ext cx="936104" cy="0"/>
+            </a:xfrm>
+            <a:prstGeom prst="line">
+              <a:avLst/>
+            </a:prstGeom>
+            <a:ln w="9525">
+              <a:solidFill>
+                <a:schemeClr val="tx1"/>
+              </a:solidFill>
+            </a:ln>
+          </p:spPr>
+          <p:style>
+            <a:lnRef idx="1">
+              <a:schemeClr val="accent1"/>
+            </a:lnRef>
+            <a:fillRef idx="0">
+              <a:schemeClr val="accent1"/>
+            </a:fillRef>
+            <a:effectRef idx="0">
+              <a:schemeClr val="accent1"/>
+            </a:effectRef>
+            <a:fontRef idx="minor">
+              <a:schemeClr val="tx1"/>
+            </a:fontRef>
+          </p:style>
+        </p:cxnSp>
+        <p:sp>
+          <p:nvSpPr>
+            <p:cNvPr id="16" name="Rektangel 6"/>
+            <p:cNvSpPr/>
+            <p:nvPr/>
+          </p:nvSpPr>
+          <p:spPr>
+            <a:xfrm>
+              <a:off x="3420483" y="692696"/>
+              <a:ext cx="71397" cy="288032"/>
+            </a:xfrm>
+            <a:prstGeom prst="rect">
+              <a:avLst/>
+            </a:prstGeom>
+            <a:noFill/>
+            <a:ln w="9525">
+              <a:solidFill>
+                <a:schemeClr val="tx1"/>
+              </a:solidFill>
+            </a:ln>
+          </p:spPr>
+          <p:style>
+            <a:lnRef idx="2">
+              <a:schemeClr val="accent1">
+                <a:shade val="50000"/>
+              </a:schemeClr>
+            </a:lnRef>
+            <a:fillRef idx="1">
+              <a:schemeClr val="accent1"/>
+            </a:fillRef>
+            <a:effectRef idx="0">
+              <a:schemeClr val="accent1"/>
+            </a:effectRef>
+            <a:fontRef idx="minor">
+              <a:schemeClr val="lt1"/>
+            </a:fontRef>
+          </p:style>
+          <p:txBody>
+            <a:bodyPr anchor="ctr"/>
+            <a:lstStyle/>
+            <a:p>
+              <a:pPr algn="ctr" fontAlgn="auto">
+                <a:spcBef>
+                  <a:spcPts val="0"/>
+                </a:spcBef>
+                <a:spcAft>
+                  <a:spcPts val="0"/>
+                </a:spcAft>
+                <a:defRPr/>
+              </a:pPr>
+              <a:endParaRPr lang="sv-SE" sz="1400"/>
+            </a:p>
+          </p:txBody>
+        </p:sp>
+      </p:grpSp>
+      <p:sp>
+        <p:nvSpPr>
+          <p:cNvPr id="17" name="Rectangle 16"/>
+          <p:cNvSpPr/>
+          <p:nvPr/>
+        </p:nvSpPr>
+        <p:spPr>
+          <a:xfrm>
+            <a:off x="6927468" y="1609915"/>
+            <a:ext cx="1284136" cy="576064"/>
+          </a:xfrm>
+          <a:prstGeom prst="rect">
+            <a:avLst/>
+          </a:prstGeom>
+        </p:spPr>
+        <p:style>
+          <a:lnRef idx="2">
+            <a:schemeClr val="accent1">
+              <a:shade val="50000"/>
+            </a:schemeClr>
+          </a:lnRef>
+          <a:fillRef idx="1">
+            <a:schemeClr val="accent1"/>
+          </a:fillRef>
+          <a:effectRef idx="0">
+            <a:schemeClr val="accent1"/>
+          </a:effectRef>
+          <a:fontRef idx="minor">
+            <a:schemeClr val="lt1"/>
+          </a:fontRef>
+        </p:style>
+        <p:txBody>
+          <a:bodyPr rtlCol="0" anchor="ctr"/>
+          <a:lstStyle/>
+          <a:p>
+            <a:pPr algn="ctr"/>
+            <a:r>
+              <a:rPr lang="sv-SE" sz="1400" dirty="0" smtClean="0"/>
+              <a:t>Aktivitet</a:t>
+            </a:r>
+          </a:p>
+          <a:p>
+            <a:pPr algn="ctr"/>
+            <a:r>
+              <a:rPr lang="sv-SE" sz="1400" dirty="0" smtClean="0"/>
+              <a:t>[10]</a:t>
+            </a:r>
+            <a:endParaRPr lang="sv-SE" sz="1400" dirty="0"/>
+          </a:p>
+        </p:txBody>
+      </p:sp>
+      <p:sp>
+        <p:nvSpPr>
+          <p:cNvPr id="18" name="Rectangle 17"/>
+          <p:cNvSpPr/>
+          <p:nvPr/>
+        </p:nvSpPr>
+        <p:spPr>
+          <a:xfrm>
+            <a:off x="76129" y="1635602"/>
+            <a:ext cx="1284136" cy="576064"/>
+          </a:xfrm>
+          <a:prstGeom prst="rect">
+            <a:avLst/>
+          </a:prstGeom>
+        </p:spPr>
+        <p:style>
+          <a:lnRef idx="2">
+            <a:schemeClr val="accent1">
+              <a:shade val="50000"/>
+            </a:schemeClr>
+          </a:lnRef>
+          <a:fillRef idx="1">
+            <a:schemeClr val="accent1"/>
+          </a:fillRef>
+          <a:effectRef idx="0">
+            <a:schemeClr val="accent1"/>
+          </a:effectRef>
+          <a:fontRef idx="minor">
+            <a:schemeClr val="lt1"/>
+          </a:fontRef>
+        </p:style>
+        <p:txBody>
+          <a:bodyPr rtlCol="0" anchor="ctr"/>
+          <a:lstStyle/>
+          <a:p>
+            <a:pPr algn="ctr"/>
+            <a:r>
+              <a:rPr lang="sv-SE" sz="1400" dirty="0" smtClean="0"/>
+              <a:t>Kontakt</a:t>
+            </a:r>
+          </a:p>
+          <a:p>
+            <a:pPr algn="ctr"/>
+            <a:r>
+              <a:rPr lang="sv-SE" sz="1400" dirty="0" smtClean="0"/>
+              <a:t>[100]</a:t>
+            </a:r>
+            <a:endParaRPr lang="sv-SE" sz="1400" dirty="0"/>
+          </a:p>
+        </p:txBody>
+      </p:sp>
+      <p:sp>
+        <p:nvSpPr>
+          <p:cNvPr id="19" name="Rectangle 18"/>
+          <p:cNvSpPr/>
+          <p:nvPr/>
+        </p:nvSpPr>
+        <p:spPr>
+          <a:xfrm>
+            <a:off x="76130" y="762539"/>
+            <a:ext cx="1284136" cy="576064"/>
+          </a:xfrm>
+          <a:prstGeom prst="rect">
+            <a:avLst/>
+          </a:prstGeom>
+        </p:spPr>
+        <p:style>
+          <a:lnRef idx="2">
+            <a:schemeClr val="accent1">
+              <a:shade val="50000"/>
+            </a:schemeClr>
+          </a:lnRef>
+          <a:fillRef idx="1">
+            <a:schemeClr val="accent1"/>
+          </a:fillRef>
+          <a:effectRef idx="0">
+            <a:schemeClr val="accent1"/>
+          </a:effectRef>
+          <a:fontRef idx="minor">
+            <a:schemeClr val="lt1"/>
+          </a:fontRef>
+        </p:style>
+        <p:txBody>
+          <a:bodyPr rtlCol="0" anchor="ctr"/>
+          <a:lstStyle/>
+          <a:p>
+            <a:pPr algn="ctr"/>
+            <a:r>
+              <a:rPr lang="sv-SE" sz="1400" dirty="0" smtClean="0"/>
+              <a:t>Kontakttyp</a:t>
+            </a:r>
+          </a:p>
+          <a:p>
+            <a:pPr algn="ctr"/>
+            <a:r>
+              <a:rPr lang="sv-SE" sz="1400" dirty="0" smtClean="0"/>
+              <a:t>[5]</a:t>
+            </a:r>
+            <a:endParaRPr lang="sv-SE" sz="1400" dirty="0"/>
+          </a:p>
+        </p:txBody>
+      </p:sp>
+      <p:sp>
+        <p:nvSpPr>
+          <p:cNvPr id="20" name="Rectangle 19"/>
+          <p:cNvSpPr/>
+          <p:nvPr/>
+        </p:nvSpPr>
+        <p:spPr>
+          <a:xfrm>
+            <a:off x="2253003" y="773494"/>
+            <a:ext cx="1284136" cy="576064"/>
+          </a:xfrm>
+          <a:prstGeom prst="rect">
+            <a:avLst/>
+          </a:prstGeom>
+        </p:spPr>
+        <p:style>
+          <a:lnRef idx="2">
+            <a:schemeClr val="accent1">
+              <a:shade val="50000"/>
+            </a:schemeClr>
+          </a:lnRef>
+          <a:fillRef idx="1">
+            <a:schemeClr val="accent1"/>
+          </a:fillRef>
+          <a:effectRef idx="0">
+            <a:schemeClr val="accent1"/>
+          </a:effectRef>
+          <a:fontRef idx="minor">
+            <a:schemeClr val="lt1"/>
+          </a:fontRef>
+        </p:style>
+        <p:txBody>
+          <a:bodyPr rtlCol="0" anchor="ctr"/>
+          <a:lstStyle/>
+          <a:p>
+            <a:pPr algn="ctr"/>
+            <a:r>
+              <a:rPr lang="sv-SE" sz="1400" dirty="0" smtClean="0"/>
+              <a:t>Befattning</a:t>
+            </a:r>
+          </a:p>
+          <a:p>
+            <a:pPr algn="ctr"/>
+            <a:r>
+              <a:rPr lang="sv-SE" sz="1400" dirty="0" smtClean="0"/>
+              <a:t>[5]</a:t>
+            </a:r>
+            <a:endParaRPr lang="sv-SE" sz="1400" dirty="0"/>
+          </a:p>
+        </p:txBody>
+      </p:sp>
+      <p:grpSp>
+        <p:nvGrpSpPr>
+          <p:cNvPr id="21" name="Grupp 7"/>
+          <p:cNvGrpSpPr>
+            <a:grpSpLocks/>
+          </p:cNvGrpSpPr>
+          <p:nvPr/>
+        </p:nvGrpSpPr>
+        <p:grpSpPr bwMode="auto">
+          <a:xfrm rot="5400000">
+            <a:off x="2487186" y="1874945"/>
+            <a:ext cx="799397" cy="288925"/>
+            <a:chOff x="2555778" y="692696"/>
+            <a:chExt cx="936104" cy="288032"/>
+          </a:xfrm>
+        </p:grpSpPr>
+        <p:cxnSp>
+          <p:nvCxnSpPr>
+            <p:cNvPr id="22" name="Rak 5"/>
+            <p:cNvCxnSpPr/>
+            <p:nvPr/>
+          </p:nvCxnSpPr>
+          <p:spPr>
+            <a:xfrm>
+              <a:off x="2555776" y="836712"/>
+              <a:ext cx="936104" cy="0"/>
+            </a:xfrm>
+            <a:prstGeom prst="line">
+              <a:avLst/>
+            </a:prstGeom>
+            <a:ln w="9525">
+              <a:solidFill>
+                <a:schemeClr val="tx1"/>
+              </a:solidFill>
+            </a:ln>
+          </p:spPr>
+          <p:style>
+            <a:lnRef idx="1">
+              <a:schemeClr val="accent1"/>
+            </a:lnRef>
+            <a:fillRef idx="0">
+              <a:schemeClr val="accent1"/>
+            </a:fillRef>
+            <a:effectRef idx="0">
+              <a:schemeClr val="accent1"/>
+            </a:effectRef>
+            <a:fontRef idx="minor">
+              <a:schemeClr val="tx1"/>
+            </a:fontRef>
+          </p:style>
+        </p:cxnSp>
+        <p:sp>
+          <p:nvSpPr>
+            <p:cNvPr id="23" name="Rektangel 6"/>
+            <p:cNvSpPr/>
+            <p:nvPr/>
+          </p:nvSpPr>
+          <p:spPr>
+            <a:xfrm>
+              <a:off x="3420483" y="692696"/>
+              <a:ext cx="71397" cy="288032"/>
+            </a:xfrm>
+            <a:prstGeom prst="rect">
+              <a:avLst/>
+            </a:prstGeom>
+            <a:noFill/>
+            <a:ln w="9525">
+              <a:solidFill>
+                <a:schemeClr val="tx1"/>
+              </a:solidFill>
+            </a:ln>
+          </p:spPr>
+          <p:style>
+            <a:lnRef idx="2">
+              <a:schemeClr val="accent1">
+                <a:shade val="50000"/>
+              </a:schemeClr>
+            </a:lnRef>
+            <a:fillRef idx="1">
+              <a:schemeClr val="accent1"/>
+            </a:fillRef>
+            <a:effectRef idx="0">
+              <a:schemeClr val="accent1"/>
+            </a:effectRef>
+            <a:fontRef idx="minor">
+              <a:schemeClr val="lt1"/>
+            </a:fontRef>
+          </p:style>
+          <p:txBody>
+            <a:bodyPr anchor="ctr"/>
+            <a:lstStyle/>
+            <a:p>
+              <a:pPr algn="ctr" fontAlgn="auto">
+                <a:spcBef>
+                  <a:spcPts val="0"/>
+                </a:spcBef>
+                <a:spcAft>
+                  <a:spcPts val="0"/>
+                </a:spcAft>
+                <a:defRPr/>
+              </a:pPr>
+              <a:endParaRPr lang="sv-SE" sz="1400"/>
+            </a:p>
+          </p:txBody>
+        </p:sp>
+      </p:grpSp>
+      <p:grpSp>
+        <p:nvGrpSpPr>
+          <p:cNvPr id="24" name="Grupp 7"/>
+          <p:cNvGrpSpPr>
+            <a:grpSpLocks/>
+          </p:cNvGrpSpPr>
+          <p:nvPr/>
+        </p:nvGrpSpPr>
+        <p:grpSpPr bwMode="auto">
+          <a:xfrm rot="10800000">
+            <a:off x="3504710" y="2554509"/>
+            <a:ext cx="853971" cy="288925"/>
+            <a:chOff x="2555776" y="692696"/>
+            <a:chExt cx="936104" cy="288032"/>
+          </a:xfrm>
+        </p:grpSpPr>
+        <p:cxnSp>
+          <p:nvCxnSpPr>
+            <p:cNvPr id="25" name="Rak 5"/>
+            <p:cNvCxnSpPr/>
+            <p:nvPr/>
+          </p:nvCxnSpPr>
+          <p:spPr>
+            <a:xfrm>
+              <a:off x="2555776" y="836712"/>
+              <a:ext cx="936104" cy="0"/>
+            </a:xfrm>
+            <a:prstGeom prst="line">
+              <a:avLst/>
+            </a:prstGeom>
+            <a:ln w="9525">
+              <a:solidFill>
+                <a:schemeClr val="tx1"/>
+              </a:solidFill>
+            </a:ln>
+          </p:spPr>
+          <p:style>
+            <a:lnRef idx="1">
+              <a:schemeClr val="accent1"/>
+            </a:lnRef>
+            <a:fillRef idx="0">
+              <a:schemeClr val="accent1"/>
+            </a:fillRef>
+            <a:effectRef idx="0">
+              <a:schemeClr val="accent1"/>
+            </a:effectRef>
+            <a:fontRef idx="minor">
+              <a:schemeClr val="tx1"/>
+            </a:fontRef>
+          </p:style>
+        </p:cxnSp>
+        <p:sp>
+          <p:nvSpPr>
+            <p:cNvPr id="26" name="Rektangel 6"/>
+            <p:cNvSpPr/>
+            <p:nvPr/>
+          </p:nvSpPr>
+          <p:spPr>
+            <a:xfrm>
+              <a:off x="3420483" y="692696"/>
+              <a:ext cx="71397" cy="288032"/>
+            </a:xfrm>
+            <a:prstGeom prst="rect">
+              <a:avLst/>
+            </a:prstGeom>
+            <a:noFill/>
+            <a:ln w="9525">
+              <a:solidFill>
+                <a:schemeClr val="tx1"/>
+              </a:solidFill>
+            </a:ln>
+          </p:spPr>
+          <p:style>
+            <a:lnRef idx="2">
+              <a:schemeClr val="accent1">
+                <a:shade val="50000"/>
+              </a:schemeClr>
+            </a:lnRef>
+            <a:fillRef idx="1">
+              <a:schemeClr val="accent1"/>
+            </a:fillRef>
+            <a:effectRef idx="0">
+              <a:schemeClr val="accent1"/>
+            </a:effectRef>
+            <a:fontRef idx="minor">
+              <a:schemeClr val="lt1"/>
+            </a:fontRef>
+          </p:style>
+          <p:txBody>
+            <a:bodyPr anchor="ctr"/>
+            <a:lstStyle/>
+            <a:p>
+              <a:pPr algn="ctr" fontAlgn="auto">
+                <a:spcBef>
+                  <a:spcPts val="0"/>
+                </a:spcBef>
+                <a:spcAft>
+                  <a:spcPts val="0"/>
+                </a:spcAft>
+                <a:defRPr/>
+              </a:pPr>
+              <a:endParaRPr lang="sv-SE" sz="1400"/>
+            </a:p>
+          </p:txBody>
+        </p:sp>
+      </p:grpSp>
+      <p:sp>
+        <p:nvSpPr>
+          <p:cNvPr id="27" name="Rectangle 26"/>
+          <p:cNvSpPr/>
+          <p:nvPr/>
+        </p:nvSpPr>
+        <p:spPr>
+          <a:xfrm>
+            <a:off x="2240672" y="1629871"/>
+            <a:ext cx="1284136" cy="576064"/>
+          </a:xfrm>
+          <a:prstGeom prst="rect">
+            <a:avLst/>
+          </a:prstGeom>
+        </p:spPr>
+        <p:style>
+          <a:lnRef idx="2">
+            <a:schemeClr val="accent1">
+              <a:shade val="50000"/>
+            </a:schemeClr>
+          </a:lnRef>
+          <a:fillRef idx="1">
+            <a:schemeClr val="accent1"/>
+          </a:fillRef>
+          <a:effectRef idx="0">
+            <a:schemeClr val="accent1"/>
+          </a:effectRef>
+          <a:fontRef idx="minor">
+            <a:schemeClr val="lt1"/>
+          </a:fontRef>
+        </p:style>
+        <p:txBody>
+          <a:bodyPr rtlCol="0" anchor="ctr"/>
+          <a:lstStyle/>
+          <a:p>
+            <a:pPr algn="ctr"/>
+            <a:r>
+              <a:rPr lang="sv-SE" sz="1400" dirty="0" smtClean="0"/>
+              <a:t>Medlem</a:t>
+            </a:r>
+          </a:p>
+          <a:p>
+            <a:pPr algn="ctr"/>
+            <a:r>
+              <a:rPr lang="sv-SE" sz="1400" dirty="0" smtClean="0"/>
+              <a:t>[50]</a:t>
+            </a:r>
+            <a:endParaRPr lang="sv-SE" sz="1400" dirty="0"/>
+          </a:p>
+        </p:txBody>
+      </p:sp>
+      <p:sp>
+        <p:nvSpPr>
+          <p:cNvPr id="28" name="Rectangle 27"/>
+          <p:cNvSpPr/>
+          <p:nvPr/>
+        </p:nvSpPr>
+        <p:spPr>
+          <a:xfrm>
+            <a:off x="4188051" y="2393796"/>
+            <a:ext cx="1284136" cy="576064"/>
+          </a:xfrm>
+          <a:prstGeom prst="rect">
+            <a:avLst/>
+          </a:prstGeom>
+        </p:spPr>
+        <p:style>
+          <a:lnRef idx="2">
+            <a:schemeClr val="accent1">
+              <a:shade val="50000"/>
+            </a:schemeClr>
+          </a:lnRef>
+          <a:fillRef idx="1">
+            <a:schemeClr val="accent1"/>
+          </a:fillRef>
+          <a:effectRef idx="0">
+            <a:schemeClr val="accent1"/>
+          </a:effectRef>
+          <a:fontRef idx="minor">
+            <a:schemeClr val="lt1"/>
+          </a:fontRef>
+        </p:style>
+        <p:txBody>
+          <a:bodyPr rtlCol="0" anchor="ctr"/>
+          <a:lstStyle/>
+          <a:p>
+            <a:pPr algn="ctr"/>
+            <a:r>
+              <a:rPr lang="sv-SE" sz="1400" dirty="0" smtClean="0"/>
+              <a:t>Resa</a:t>
+            </a:r>
+          </a:p>
+          <a:p>
+            <a:pPr algn="ctr"/>
+            <a:r>
+              <a:rPr lang="sv-SE" sz="1400" dirty="0" smtClean="0"/>
+              <a:t>[10]</a:t>
+            </a:r>
+            <a:endParaRPr lang="sv-SE" sz="1400" dirty="0"/>
+          </a:p>
+        </p:txBody>
+      </p:sp>
+      <p:sp>
+        <p:nvSpPr>
+          <p:cNvPr id="29" name="Rectangle 28"/>
+          <p:cNvSpPr/>
+          <p:nvPr/>
+        </p:nvSpPr>
+        <p:spPr>
+          <a:xfrm>
+            <a:off x="4716016" y="1581266"/>
+            <a:ext cx="1380206" cy="624669"/>
+          </a:xfrm>
+          <a:prstGeom prst="rect">
+            <a:avLst/>
+          </a:prstGeom>
+        </p:spPr>
+        <p:style>
+          <a:lnRef idx="2">
+            <a:schemeClr val="accent1">
+              <a:shade val="50000"/>
+            </a:schemeClr>
+          </a:lnRef>
+          <a:fillRef idx="1">
+            <a:schemeClr val="accent1"/>
+          </a:fillRef>
+          <a:effectRef idx="0">
+            <a:schemeClr val="accent1"/>
+          </a:effectRef>
+          <a:fontRef idx="minor">
+            <a:schemeClr val="lt1"/>
+          </a:fontRef>
+        </p:style>
+        <p:txBody>
+          <a:bodyPr rtlCol="0" anchor="ctr"/>
+          <a:lstStyle/>
+          <a:p>
+            <a:pPr algn="ctr"/>
+            <a:r>
+              <a:rPr lang="sv-SE" sz="1400" dirty="0" err="1" smtClean="0"/>
+              <a:t>Medlemsak-tivitet</a:t>
+            </a:r>
+            <a:endParaRPr lang="sv-SE" sz="1400" dirty="0" smtClean="0"/>
+          </a:p>
+          <a:p>
+            <a:pPr algn="ctr"/>
+            <a:r>
+              <a:rPr lang="sv-SE" sz="1400" dirty="0" smtClean="0"/>
+              <a:t>[100]</a:t>
+            </a:r>
+            <a:endParaRPr lang="sv-SE" sz="1400" dirty="0"/>
+          </a:p>
+        </p:txBody>
+      </p:sp>
+      <p:sp>
+        <p:nvSpPr>
+          <p:cNvPr id="30" name="Rectangle 29"/>
+          <p:cNvSpPr/>
+          <p:nvPr/>
+        </p:nvSpPr>
+        <p:spPr>
+          <a:xfrm>
+            <a:off x="2244817" y="2410940"/>
+            <a:ext cx="1284136" cy="576064"/>
+          </a:xfrm>
+          <a:prstGeom prst="rect">
+            <a:avLst/>
+          </a:prstGeom>
+        </p:spPr>
+        <p:style>
+          <a:lnRef idx="2">
+            <a:schemeClr val="accent1">
+              <a:shade val="50000"/>
+            </a:schemeClr>
+          </a:lnRef>
+          <a:fillRef idx="1">
+            <a:schemeClr val="accent1"/>
+          </a:fillRef>
+          <a:effectRef idx="0">
+            <a:schemeClr val="accent1"/>
+          </a:effectRef>
+          <a:fontRef idx="minor">
+            <a:schemeClr val="lt1"/>
+          </a:fontRef>
+        </p:style>
+        <p:txBody>
+          <a:bodyPr rtlCol="0" anchor="ctr"/>
+          <a:lstStyle/>
+          <a:p>
+            <a:pPr algn="ctr"/>
+            <a:r>
+              <a:rPr lang="sv-SE" sz="1400" dirty="0" smtClean="0"/>
+              <a:t>Medlemsresa</a:t>
+            </a:r>
+          </a:p>
+          <a:p>
+            <a:pPr algn="ctr"/>
+            <a:r>
+              <a:rPr lang="sv-SE" sz="1400" dirty="0" smtClean="0"/>
+              <a:t>[100]</a:t>
+            </a:r>
+            <a:endParaRPr lang="sv-SE" sz="1400" dirty="0"/>
+          </a:p>
+        </p:txBody>
+      </p:sp>
+      <p:graphicFrame>
+        <p:nvGraphicFramePr>
+          <p:cNvPr id="31" name="Table 30"/>
+          <p:cNvGraphicFramePr>
+            <a:graphicFrameLocks noGrp="1"/>
+          </p:cNvGraphicFramePr>
+          <p:nvPr>
+            <p:extLst>
+              <p:ext uri="{D42A27DB-BD31-4B8C-83A1-F6EECF244321}">
+                <p14:modId xmlns:p14="http://schemas.microsoft.com/office/powerpoint/2010/main" val="1658859333"/>
+              </p:ext>
+            </p:extLst>
+          </p:nvPr>
+        </p:nvGraphicFramePr>
+        <p:xfrm>
+          <a:off x="342263" y="3789040"/>
+          <a:ext cx="6056566" cy="2565400"/>
+        </p:xfrm>
+        <a:graphic>
+          <a:graphicData uri="http://schemas.openxmlformats.org/drawingml/2006/table">
+            <a:tbl>
+              <a:tblPr firstRow="1" bandRow="1">
+                <a:tableStyleId>{5C22544A-7EE6-4342-B048-85BDC9FD1C3A}</a:tableStyleId>
+              </a:tblPr>
+              <a:tblGrid>
+                <a:gridCol w="1303592"/>
+                <a:gridCol w="972503"/>
+                <a:gridCol w="476567"/>
+                <a:gridCol w="476567"/>
+                <a:gridCol w="476567"/>
+                <a:gridCol w="476567"/>
+                <a:gridCol w="476567"/>
+                <a:gridCol w="698818"/>
+                <a:gridCol w="698818"/>
+              </a:tblGrid>
+              <a:tr h="370840">
+                <a:tc>
+                  <a:txBody>
+                    <a:bodyPr/>
+                    <a:lstStyle/>
+                    <a:p>
+                      <a:r>
+                        <a:rPr lang="sv-SE" sz="1200" dirty="0" smtClean="0"/>
+                        <a:t>Tabell</a:t>
+                      </a:r>
+                      <a:endParaRPr lang="sv-SE" sz="1200" dirty="0"/>
+                    </a:p>
+                  </a:txBody>
+                  <a:tcPr/>
+                </a:tc>
+                <a:tc>
+                  <a:txBody>
+                    <a:bodyPr/>
+                    <a:lstStyle/>
+                    <a:p>
+                      <a:r>
+                        <a:rPr lang="sv-SE" sz="1200" dirty="0" smtClean="0"/>
+                        <a:t>Antaltecken</a:t>
+                      </a:r>
+                      <a:endParaRPr lang="sv-SE" sz="1200" dirty="0"/>
+                    </a:p>
+                  </a:txBody>
+                  <a:tcPr/>
+                </a:tc>
+                <a:tc>
+                  <a:txBody>
+                    <a:bodyPr/>
+                    <a:lstStyle/>
+                    <a:p>
+                      <a:pPr algn="r"/>
+                      <a:r>
+                        <a:rPr lang="sv-SE" sz="1200" dirty="0" smtClean="0"/>
+                        <a:t>År 1</a:t>
+                      </a:r>
+                      <a:endParaRPr lang="sv-SE" sz="1200" dirty="0"/>
+                    </a:p>
+                  </a:txBody>
+                  <a:tcPr/>
+                </a:tc>
+                <a:tc>
+                  <a:txBody>
+                    <a:bodyPr/>
+                    <a:lstStyle/>
+                    <a:p>
+                      <a:pPr algn="r"/>
+                      <a:r>
+                        <a:rPr lang="sv-SE" sz="1200" dirty="0" smtClean="0"/>
+                        <a:t>År 2</a:t>
+                      </a:r>
+                      <a:endParaRPr lang="sv-SE" sz="1200" dirty="0"/>
+                    </a:p>
+                  </a:txBody>
+                  <a:tcPr/>
+                </a:tc>
+                <a:tc>
+                  <a:txBody>
+                    <a:bodyPr/>
+                    <a:lstStyle/>
+                    <a:p>
+                      <a:pPr algn="r"/>
+                      <a:r>
+                        <a:rPr lang="sv-SE" sz="1200" dirty="0" smtClean="0"/>
+                        <a:t>År 3</a:t>
+                      </a:r>
+                      <a:endParaRPr lang="sv-SE" sz="1200" dirty="0"/>
+                    </a:p>
+                  </a:txBody>
+                  <a:tcPr/>
+                </a:tc>
+                <a:tc>
+                  <a:txBody>
+                    <a:bodyPr/>
+                    <a:lstStyle/>
+                    <a:p>
+                      <a:pPr algn="r"/>
+                      <a:r>
+                        <a:rPr lang="sv-SE" sz="1200" dirty="0" smtClean="0"/>
+                        <a:t>År 4</a:t>
+                      </a:r>
+                      <a:endParaRPr lang="sv-SE" sz="1200" dirty="0"/>
+                    </a:p>
+                  </a:txBody>
+                  <a:tcPr/>
+                </a:tc>
+                <a:tc>
+                  <a:txBody>
+                    <a:bodyPr/>
+                    <a:lstStyle/>
+                    <a:p>
+                      <a:pPr algn="r"/>
+                      <a:r>
+                        <a:rPr lang="sv-SE" sz="1200" dirty="0" smtClean="0"/>
+                        <a:t>År 5</a:t>
+                      </a:r>
+                      <a:endParaRPr lang="sv-SE" sz="1200" dirty="0"/>
+                    </a:p>
+                  </a:txBody>
+                  <a:tcPr/>
+                </a:tc>
+                <a:tc>
+                  <a:txBody>
+                    <a:bodyPr/>
+                    <a:lstStyle/>
+                    <a:p>
+                      <a:pPr algn="r"/>
+                      <a:r>
+                        <a:rPr lang="sv-SE" sz="1200" dirty="0" smtClean="0"/>
+                        <a:t>År 1</a:t>
+                      </a:r>
+                      <a:endParaRPr lang="sv-SE" sz="1200" dirty="0"/>
+                    </a:p>
+                  </a:txBody>
+                  <a:tcPr/>
+                </a:tc>
+                <a:tc>
+                  <a:txBody>
+                    <a:bodyPr/>
+                    <a:lstStyle/>
+                    <a:p>
+                      <a:pPr algn="r"/>
+                      <a:r>
+                        <a:rPr lang="sv-SE" sz="1200" dirty="0" smtClean="0"/>
+                        <a:t>År 5</a:t>
+                      </a:r>
+                      <a:endParaRPr lang="sv-SE" sz="1200" dirty="0"/>
+                    </a:p>
+                  </a:txBody>
+                  <a:tcPr/>
+                </a:tc>
+              </a:tr>
+              <a:tr h="133895">
+                <a:tc>
+                  <a:txBody>
+                    <a:bodyPr/>
+                    <a:lstStyle/>
+                    <a:p>
+                      <a:r>
+                        <a:rPr lang="sv-SE" sz="1200" dirty="0" smtClean="0"/>
+                        <a:t>Kontakttyp</a:t>
+                      </a:r>
+                      <a:endParaRPr lang="sv-SE" sz="1200" dirty="0"/>
+                    </a:p>
+                  </a:txBody>
+                  <a:tcPr/>
+                </a:tc>
+                <a:tc>
+                  <a:txBody>
+                    <a:bodyPr/>
+                    <a:lstStyle/>
+                    <a:p>
+                      <a:pPr algn="r"/>
+                      <a:r>
+                        <a:rPr lang="sv-SE" sz="1200" dirty="0" smtClean="0"/>
+                        <a:t>14</a:t>
+                      </a:r>
+                      <a:endParaRPr lang="sv-SE" sz="1200" dirty="0"/>
+                    </a:p>
+                  </a:txBody>
+                  <a:tcPr/>
+                </a:tc>
+                <a:tc>
+                  <a:txBody>
+                    <a:bodyPr/>
+                    <a:lstStyle/>
+                    <a:p>
+                      <a:pPr algn="r"/>
+                      <a:r>
+                        <a:rPr lang="sv-SE" sz="1200" dirty="0" smtClean="0"/>
+                        <a:t>5</a:t>
+                      </a:r>
+                      <a:endParaRPr lang="sv-SE" sz="1200" dirty="0"/>
+                    </a:p>
+                  </a:txBody>
+                  <a:tcPr/>
+                </a:tc>
+                <a:tc>
+                  <a:txBody>
+                    <a:bodyPr/>
+                    <a:lstStyle/>
+                    <a:p>
+                      <a:pPr algn="r"/>
+                      <a:r>
+                        <a:rPr lang="sv-SE" sz="1200" dirty="0" smtClean="0"/>
+                        <a:t>5</a:t>
+                      </a:r>
+                      <a:endParaRPr lang="sv-SE" sz="1200" dirty="0"/>
+                    </a:p>
+                  </a:txBody>
+                  <a:tcPr/>
+                </a:tc>
+                <a:tc>
+                  <a:txBody>
+                    <a:bodyPr/>
+                    <a:lstStyle/>
+                    <a:p>
+                      <a:pPr algn="r"/>
+                      <a:r>
+                        <a:rPr lang="sv-SE" sz="1200" dirty="0" smtClean="0"/>
+                        <a:t>5</a:t>
+                      </a:r>
+                      <a:endParaRPr lang="sv-SE" sz="1200" dirty="0"/>
+                    </a:p>
+                  </a:txBody>
+                  <a:tcPr/>
+                </a:tc>
+                <a:tc>
+                  <a:txBody>
+                    <a:bodyPr/>
+                    <a:lstStyle/>
+                    <a:p>
+                      <a:pPr algn="r"/>
+                      <a:r>
+                        <a:rPr lang="sv-SE" sz="1200" dirty="0" smtClean="0"/>
+                        <a:t>5</a:t>
+                      </a:r>
+                      <a:endParaRPr lang="sv-SE" sz="1200" dirty="0"/>
+                    </a:p>
+                  </a:txBody>
+                  <a:tcPr/>
+                </a:tc>
+                <a:tc>
+                  <a:txBody>
+                    <a:bodyPr/>
+                    <a:lstStyle/>
+                    <a:p>
+                      <a:pPr algn="r"/>
+                      <a:r>
+                        <a:rPr lang="sv-SE" sz="1200" dirty="0" smtClean="0"/>
+                        <a:t>5</a:t>
+                      </a:r>
+                      <a:endParaRPr lang="sv-SE" sz="1200" dirty="0"/>
+                    </a:p>
+                  </a:txBody>
+                  <a:tcPr/>
+                </a:tc>
+                <a:tc>
+                  <a:txBody>
+                    <a:bodyPr/>
+                    <a:lstStyle/>
+                    <a:p>
+                      <a:pPr algn="r"/>
+                      <a:r>
+                        <a:rPr lang="sv-SE" sz="1200" dirty="0" smtClean="0"/>
+                        <a:t>70</a:t>
+                      </a:r>
+                      <a:endParaRPr lang="sv-SE" sz="1200" dirty="0"/>
+                    </a:p>
+                  </a:txBody>
+                  <a:tcPr/>
+                </a:tc>
+                <a:tc>
+                  <a:txBody>
+                    <a:bodyPr/>
+                    <a:lstStyle/>
+                    <a:p>
+                      <a:pPr algn="r"/>
+                      <a:r>
+                        <a:rPr lang="sv-SE" sz="1200" dirty="0" smtClean="0"/>
+                        <a:t>70</a:t>
+                      </a:r>
+                      <a:endParaRPr lang="sv-SE" sz="1200" dirty="0"/>
+                    </a:p>
+                  </a:txBody>
+                  <a:tcPr/>
+                </a:tc>
+              </a:tr>
+              <a:tr h="123095">
+                <a:tc>
+                  <a:txBody>
+                    <a:bodyPr/>
+                    <a:lstStyle/>
+                    <a:p>
+                      <a:r>
+                        <a:rPr lang="sv-SE" sz="1200" dirty="0" smtClean="0"/>
+                        <a:t>Kontakt</a:t>
+                      </a:r>
+                      <a:endParaRPr lang="sv-SE" sz="1200" dirty="0"/>
+                    </a:p>
+                  </a:txBody>
+                  <a:tcPr/>
+                </a:tc>
+                <a:tc>
+                  <a:txBody>
+                    <a:bodyPr/>
+                    <a:lstStyle/>
+                    <a:p>
+                      <a:pPr algn="r"/>
+                      <a:r>
+                        <a:rPr lang="sv-SE" sz="1200" dirty="0" smtClean="0"/>
+                        <a:t>37</a:t>
+                      </a:r>
+                      <a:endParaRPr lang="sv-SE" sz="1200" dirty="0"/>
+                    </a:p>
+                  </a:txBody>
+                  <a:tcPr/>
+                </a:tc>
+                <a:tc>
+                  <a:txBody>
+                    <a:bodyPr/>
+                    <a:lstStyle/>
+                    <a:p>
+                      <a:pPr algn="r"/>
+                      <a:r>
+                        <a:rPr lang="sv-SE" sz="1200" dirty="0" smtClean="0"/>
+                        <a:t>100</a:t>
+                      </a:r>
+                      <a:endParaRPr lang="sv-SE" sz="1200" dirty="0"/>
+                    </a:p>
+                  </a:txBody>
+                  <a:tcPr/>
+                </a:tc>
+                <a:tc>
+                  <a:txBody>
+                    <a:bodyPr/>
+                    <a:lstStyle/>
+                    <a:p>
+                      <a:pPr algn="r"/>
+                      <a:r>
+                        <a:rPr lang="sv-SE" sz="1200" dirty="0" smtClean="0"/>
+                        <a:t>110</a:t>
+                      </a:r>
+                      <a:endParaRPr lang="sv-SE" sz="1200" dirty="0"/>
+                    </a:p>
+                  </a:txBody>
+                  <a:tcPr/>
+                </a:tc>
+                <a:tc>
+                  <a:txBody>
+                    <a:bodyPr/>
+                    <a:lstStyle/>
+                    <a:p>
+                      <a:pPr algn="r"/>
+                      <a:r>
+                        <a:rPr lang="sv-SE" sz="1200" dirty="0" smtClean="0"/>
+                        <a:t>121</a:t>
+                      </a:r>
+                      <a:endParaRPr lang="sv-SE" sz="1200" dirty="0"/>
+                    </a:p>
+                  </a:txBody>
+                  <a:tcPr/>
+                </a:tc>
+                <a:tc>
+                  <a:txBody>
+                    <a:bodyPr/>
+                    <a:lstStyle/>
+                    <a:p>
+                      <a:pPr algn="r"/>
+                      <a:r>
+                        <a:rPr lang="sv-SE" sz="1200" dirty="0" smtClean="0"/>
+                        <a:t>131</a:t>
+                      </a:r>
+                      <a:endParaRPr lang="sv-SE" sz="1200" dirty="0"/>
+                    </a:p>
+                  </a:txBody>
+                  <a:tcPr/>
+                </a:tc>
+                <a:tc>
+                  <a:txBody>
+                    <a:bodyPr/>
+                    <a:lstStyle/>
+                    <a:p>
+                      <a:pPr algn="r"/>
+                      <a:r>
+                        <a:rPr lang="sv-SE" sz="1200" dirty="0" smtClean="0"/>
+                        <a:t>144</a:t>
+                      </a:r>
+                      <a:endParaRPr lang="sv-SE" sz="1200" dirty="0"/>
+                    </a:p>
+                  </a:txBody>
+                  <a:tcPr/>
+                </a:tc>
+                <a:tc>
+                  <a:txBody>
+                    <a:bodyPr/>
+                    <a:lstStyle/>
+                    <a:p>
+                      <a:pPr algn="r"/>
+                      <a:r>
+                        <a:rPr lang="sv-SE" sz="1200" dirty="0" smtClean="0"/>
+                        <a:t>3700</a:t>
+                      </a:r>
+                      <a:endParaRPr lang="sv-SE" sz="1200" dirty="0"/>
+                    </a:p>
+                  </a:txBody>
+                  <a:tcPr/>
+                </a:tc>
+                <a:tc>
+                  <a:txBody>
+                    <a:bodyPr/>
+                    <a:lstStyle/>
+                    <a:p>
+                      <a:pPr algn="r"/>
+                      <a:r>
+                        <a:rPr lang="sv-SE" sz="1200" dirty="0" smtClean="0"/>
+                        <a:t>5328</a:t>
+                      </a:r>
+                      <a:endParaRPr lang="sv-SE" sz="1200" dirty="0"/>
+                    </a:p>
+                  </a:txBody>
+                  <a:tcPr/>
+                </a:tc>
+              </a:tr>
+              <a:tr h="0">
+                <a:tc>
+                  <a:txBody>
+                    <a:bodyPr/>
+                    <a:lstStyle/>
+                    <a:p>
+                      <a:r>
+                        <a:rPr lang="sv-SE" sz="1200" dirty="0" smtClean="0"/>
+                        <a:t>Befattning</a:t>
+                      </a:r>
+                      <a:endParaRPr lang="sv-SE" sz="1200" dirty="0"/>
+                    </a:p>
+                  </a:txBody>
+                  <a:tcPr/>
+                </a:tc>
+                <a:tc>
+                  <a:txBody>
+                    <a:bodyPr/>
+                    <a:lstStyle/>
+                    <a:p>
+                      <a:pPr algn="r"/>
+                      <a:r>
+                        <a:rPr lang="sv-SE" sz="1200" dirty="0" smtClean="0"/>
+                        <a:t>19</a:t>
+                      </a:r>
+                      <a:endParaRPr lang="sv-SE" sz="1200" dirty="0"/>
+                    </a:p>
+                  </a:txBody>
+                  <a:tcPr/>
+                </a:tc>
+                <a:tc>
+                  <a:txBody>
+                    <a:bodyPr/>
+                    <a:lstStyle/>
+                    <a:p>
+                      <a:pPr algn="r"/>
+                      <a:r>
+                        <a:rPr lang="sv-SE" sz="1200" dirty="0" smtClean="0"/>
+                        <a:t>5</a:t>
+                      </a:r>
+                      <a:endParaRPr lang="sv-SE" sz="1200" dirty="0"/>
+                    </a:p>
+                  </a:txBody>
+                  <a:tcPr/>
+                </a:tc>
+                <a:tc>
+                  <a:txBody>
+                    <a:bodyPr/>
+                    <a:lstStyle/>
+                    <a:p>
+                      <a:pPr algn="r"/>
+                      <a:r>
+                        <a:rPr lang="sv-SE" sz="1200" dirty="0" smtClean="0"/>
+                        <a:t>5</a:t>
+                      </a:r>
+                      <a:endParaRPr lang="sv-SE" sz="1200" dirty="0"/>
+                    </a:p>
+                  </a:txBody>
+                  <a:tcPr/>
+                </a:tc>
+                <a:tc>
+                  <a:txBody>
+                    <a:bodyPr/>
+                    <a:lstStyle/>
+                    <a:p>
+                      <a:pPr algn="r"/>
+                      <a:r>
+                        <a:rPr lang="sv-SE" sz="1200" dirty="0" smtClean="0"/>
+                        <a:t>5</a:t>
+                      </a:r>
+                      <a:endParaRPr lang="sv-SE" sz="1200" dirty="0"/>
+                    </a:p>
+                  </a:txBody>
+                  <a:tcPr/>
+                </a:tc>
+                <a:tc>
+                  <a:txBody>
+                    <a:bodyPr/>
+                    <a:lstStyle/>
+                    <a:p>
+                      <a:pPr algn="r"/>
+                      <a:r>
+                        <a:rPr lang="sv-SE" sz="1200" dirty="0" smtClean="0"/>
+                        <a:t>5</a:t>
+                      </a:r>
+                      <a:endParaRPr lang="sv-SE" sz="1200" dirty="0"/>
+                    </a:p>
+                  </a:txBody>
+                  <a:tcPr/>
+                </a:tc>
+                <a:tc>
+                  <a:txBody>
+                    <a:bodyPr/>
+                    <a:lstStyle/>
+                    <a:p>
+                      <a:pPr algn="r"/>
+                      <a:r>
+                        <a:rPr lang="sv-SE" sz="1200" dirty="0" smtClean="0"/>
+                        <a:t>5</a:t>
+                      </a:r>
+                      <a:endParaRPr lang="sv-SE" sz="1200" dirty="0"/>
+                    </a:p>
+                  </a:txBody>
+                  <a:tcPr/>
+                </a:tc>
+                <a:tc>
+                  <a:txBody>
+                    <a:bodyPr/>
+                    <a:lstStyle/>
+                    <a:p>
+                      <a:pPr algn="r"/>
+                      <a:r>
+                        <a:rPr lang="sv-SE" sz="1200" dirty="0" smtClean="0"/>
+                        <a:t>95</a:t>
+                      </a:r>
+                      <a:endParaRPr lang="sv-SE" sz="1200" dirty="0"/>
+                    </a:p>
+                  </a:txBody>
+                  <a:tcPr/>
+                </a:tc>
+                <a:tc>
+                  <a:txBody>
+                    <a:bodyPr/>
+                    <a:lstStyle/>
+                    <a:p>
+                      <a:pPr algn="r"/>
+                      <a:r>
+                        <a:rPr lang="sv-SE" sz="1200" dirty="0" smtClean="0"/>
+                        <a:t>95</a:t>
+                      </a:r>
+                      <a:endParaRPr lang="sv-SE" sz="1200" dirty="0"/>
+                    </a:p>
+                  </a:txBody>
+                  <a:tcPr/>
+                </a:tc>
+              </a:tr>
+              <a:tr h="0">
+                <a:tc>
+                  <a:txBody>
+                    <a:bodyPr/>
+                    <a:lstStyle/>
+                    <a:p>
+                      <a:r>
+                        <a:rPr lang="sv-SE" sz="1200" dirty="0" smtClean="0"/>
+                        <a:t>Medlem</a:t>
+                      </a:r>
+                      <a:endParaRPr lang="sv-SE" sz="1200" dirty="0"/>
+                    </a:p>
+                  </a:txBody>
+                  <a:tcPr/>
+                </a:tc>
+                <a:tc>
+                  <a:txBody>
+                    <a:bodyPr/>
+                    <a:lstStyle/>
+                    <a:p>
+                      <a:pPr algn="r"/>
+                      <a:r>
+                        <a:rPr lang="sv-SE" sz="1200" dirty="0" smtClean="0"/>
+                        <a:t>120</a:t>
+                      </a:r>
+                      <a:endParaRPr lang="sv-SE" sz="1200" dirty="0"/>
+                    </a:p>
+                  </a:txBody>
+                  <a:tcPr/>
+                </a:tc>
+                <a:tc>
+                  <a:txBody>
+                    <a:bodyPr/>
+                    <a:lstStyle/>
+                    <a:p>
+                      <a:pPr algn="r"/>
+                      <a:r>
+                        <a:rPr lang="sv-SE" sz="1200" dirty="0" smtClean="0"/>
+                        <a:t>50</a:t>
+                      </a:r>
+                      <a:endParaRPr lang="sv-SE" sz="1200" dirty="0"/>
+                    </a:p>
+                  </a:txBody>
+                  <a:tcPr/>
+                </a:tc>
+                <a:tc>
+                  <a:txBody>
+                    <a:bodyPr/>
+                    <a:lstStyle/>
+                    <a:p>
+                      <a:pPr algn="r"/>
+                      <a:r>
+                        <a:rPr lang="sv-SE" sz="1200" dirty="0" smtClean="0"/>
+                        <a:t>55</a:t>
+                      </a:r>
+                      <a:endParaRPr lang="sv-SE" sz="1200" dirty="0"/>
+                    </a:p>
+                  </a:txBody>
+                  <a:tcPr/>
+                </a:tc>
+                <a:tc>
+                  <a:txBody>
+                    <a:bodyPr/>
+                    <a:lstStyle/>
+                    <a:p>
+                      <a:pPr algn="r"/>
+                      <a:r>
+                        <a:rPr lang="sv-SE" sz="1200" dirty="0" smtClean="0"/>
+                        <a:t>61</a:t>
+                      </a:r>
+                      <a:endParaRPr lang="sv-SE" sz="1200" dirty="0"/>
+                    </a:p>
+                  </a:txBody>
+                  <a:tcPr/>
+                </a:tc>
+                <a:tc>
+                  <a:txBody>
+                    <a:bodyPr/>
+                    <a:lstStyle/>
+                    <a:p>
+                      <a:pPr algn="r"/>
+                      <a:r>
+                        <a:rPr lang="sv-SE" sz="1200" dirty="0" smtClean="0"/>
+                        <a:t>67</a:t>
+                      </a:r>
+                      <a:endParaRPr lang="sv-SE" sz="1200" dirty="0"/>
+                    </a:p>
+                  </a:txBody>
+                  <a:tcPr/>
+                </a:tc>
+                <a:tc>
+                  <a:txBody>
+                    <a:bodyPr/>
+                    <a:lstStyle/>
+                    <a:p>
+                      <a:pPr algn="r"/>
+                      <a:r>
+                        <a:rPr lang="sv-SE" sz="1200" dirty="0" smtClean="0"/>
+                        <a:t>73</a:t>
+                      </a:r>
+                      <a:endParaRPr lang="sv-SE" sz="1200" dirty="0"/>
+                    </a:p>
+                  </a:txBody>
+                  <a:tcPr/>
+                </a:tc>
+                <a:tc>
+                  <a:txBody>
+                    <a:bodyPr/>
+                    <a:lstStyle/>
+                    <a:p>
+                      <a:pPr algn="r"/>
+                      <a:r>
+                        <a:rPr lang="sv-SE" sz="1200" dirty="0" smtClean="0"/>
+                        <a:t>6000</a:t>
+                      </a:r>
+                      <a:endParaRPr lang="sv-SE" sz="1200" dirty="0"/>
+                    </a:p>
+                  </a:txBody>
+                  <a:tcPr/>
+                </a:tc>
+                <a:tc>
+                  <a:txBody>
+                    <a:bodyPr/>
+                    <a:lstStyle/>
+                    <a:p>
+                      <a:pPr algn="r"/>
+                      <a:r>
+                        <a:rPr lang="sv-SE" sz="1200" dirty="0" smtClean="0"/>
+                        <a:t>8760</a:t>
+                      </a:r>
+                      <a:endParaRPr lang="sv-SE" sz="1200" dirty="0"/>
+                    </a:p>
+                  </a:txBody>
+                  <a:tcPr/>
+                </a:tc>
+              </a:tr>
+              <a:tr h="0">
+                <a:tc>
+                  <a:txBody>
+                    <a:bodyPr/>
+                    <a:lstStyle/>
+                    <a:p>
+                      <a:r>
+                        <a:rPr lang="sv-SE" sz="1200" dirty="0" smtClean="0"/>
+                        <a:t>Aktivitet</a:t>
+                      </a:r>
+                      <a:endParaRPr lang="sv-SE" sz="1200" dirty="0"/>
+                    </a:p>
+                  </a:txBody>
+                  <a:tcPr/>
+                </a:tc>
+                <a:tc>
+                  <a:txBody>
+                    <a:bodyPr/>
+                    <a:lstStyle/>
+                    <a:p>
+                      <a:pPr algn="r"/>
+                      <a:r>
+                        <a:rPr lang="sv-SE" sz="1200" dirty="0" smtClean="0"/>
+                        <a:t>29</a:t>
+                      </a:r>
+                      <a:endParaRPr lang="sv-SE" sz="1200" dirty="0"/>
+                    </a:p>
+                  </a:txBody>
+                  <a:tcPr/>
+                </a:tc>
+                <a:tc>
+                  <a:txBody>
+                    <a:bodyPr/>
+                    <a:lstStyle/>
+                    <a:p>
+                      <a:pPr algn="r"/>
+                      <a:r>
+                        <a:rPr lang="sv-SE" sz="1200" dirty="0" smtClean="0"/>
+                        <a:t>10</a:t>
+                      </a:r>
+                      <a:endParaRPr lang="sv-SE" sz="1200" dirty="0"/>
+                    </a:p>
+                  </a:txBody>
+                  <a:tcPr/>
+                </a:tc>
+                <a:tc>
+                  <a:txBody>
+                    <a:bodyPr/>
+                    <a:lstStyle/>
+                    <a:p>
+                      <a:pPr algn="r"/>
+                      <a:r>
+                        <a:rPr lang="sv-SE" sz="1200" dirty="0" smtClean="0"/>
+                        <a:t>10</a:t>
+                      </a:r>
+                      <a:endParaRPr lang="sv-SE" sz="1200" dirty="0"/>
+                    </a:p>
+                  </a:txBody>
+                  <a:tcPr/>
+                </a:tc>
+                <a:tc>
+                  <a:txBody>
+                    <a:bodyPr/>
+                    <a:lstStyle/>
+                    <a:p>
+                      <a:pPr algn="r"/>
+                      <a:r>
+                        <a:rPr lang="sv-SE" sz="1200" dirty="0" smtClean="0"/>
+                        <a:t>10</a:t>
+                      </a:r>
+                      <a:endParaRPr lang="sv-SE" sz="1200" dirty="0"/>
+                    </a:p>
+                  </a:txBody>
+                  <a:tcPr/>
+                </a:tc>
+                <a:tc>
+                  <a:txBody>
+                    <a:bodyPr/>
+                    <a:lstStyle/>
+                    <a:p>
+                      <a:pPr algn="r"/>
+                      <a:r>
+                        <a:rPr lang="sv-SE" sz="1200" dirty="0" smtClean="0"/>
+                        <a:t>10</a:t>
+                      </a:r>
+                      <a:endParaRPr lang="sv-SE" sz="1200" dirty="0"/>
+                    </a:p>
+                  </a:txBody>
+                  <a:tcPr/>
+                </a:tc>
+                <a:tc>
+                  <a:txBody>
+                    <a:bodyPr/>
+                    <a:lstStyle/>
+                    <a:p>
+                      <a:pPr algn="r"/>
+                      <a:r>
+                        <a:rPr lang="sv-SE" sz="1200" dirty="0" smtClean="0"/>
+                        <a:t>10</a:t>
+                      </a:r>
+                      <a:endParaRPr lang="sv-SE" sz="1200" dirty="0"/>
+                    </a:p>
+                  </a:txBody>
+                  <a:tcPr/>
+                </a:tc>
+                <a:tc>
+                  <a:txBody>
+                    <a:bodyPr/>
+                    <a:lstStyle/>
+                    <a:p>
+                      <a:pPr algn="r"/>
+                      <a:r>
+                        <a:rPr lang="sv-SE" sz="1200" dirty="0" smtClean="0"/>
+                        <a:t>290</a:t>
+                      </a:r>
+                      <a:endParaRPr lang="sv-SE" sz="1200" dirty="0"/>
+                    </a:p>
+                  </a:txBody>
+                  <a:tcPr/>
+                </a:tc>
+                <a:tc>
+                  <a:txBody>
+                    <a:bodyPr/>
+                    <a:lstStyle/>
+                    <a:p>
+                      <a:pPr algn="r"/>
+                      <a:r>
+                        <a:rPr lang="sv-SE" sz="1200" dirty="0" smtClean="0"/>
+                        <a:t>290</a:t>
+                      </a:r>
+                      <a:endParaRPr lang="sv-SE" sz="1200" dirty="0"/>
+                    </a:p>
+                  </a:txBody>
+                  <a:tcPr/>
+                </a:tc>
+              </a:tr>
+              <a:tr h="151903">
+                <a:tc>
+                  <a:txBody>
+                    <a:bodyPr/>
+                    <a:lstStyle/>
+                    <a:p>
+                      <a:r>
+                        <a:rPr lang="sv-SE" sz="1200" dirty="0" smtClean="0"/>
+                        <a:t>Medlemsaktivitet</a:t>
+                      </a:r>
+                      <a:endParaRPr lang="sv-SE" sz="1200" dirty="0"/>
+                    </a:p>
+                  </a:txBody>
+                  <a:tcPr/>
+                </a:tc>
+                <a:tc>
+                  <a:txBody>
+                    <a:bodyPr/>
+                    <a:lstStyle/>
+                    <a:p>
+                      <a:pPr algn="r"/>
+                      <a:r>
+                        <a:rPr lang="sv-SE" sz="1200" dirty="0" smtClean="0"/>
+                        <a:t>25</a:t>
+                      </a:r>
+                      <a:endParaRPr lang="sv-SE" sz="1200" dirty="0"/>
+                    </a:p>
+                  </a:txBody>
+                  <a:tcPr/>
+                </a:tc>
+                <a:tc>
+                  <a:txBody>
+                    <a:bodyPr/>
+                    <a:lstStyle/>
+                    <a:p>
+                      <a:pPr algn="r"/>
+                      <a:r>
+                        <a:rPr lang="sv-SE" sz="1200" dirty="0" smtClean="0"/>
+                        <a:t>100</a:t>
+                      </a:r>
+                      <a:endParaRPr lang="sv-SE" sz="1200" dirty="0"/>
+                    </a:p>
+                  </a:txBody>
+                  <a:tcPr/>
+                </a:tc>
+                <a:tc>
+                  <a:txBody>
+                    <a:bodyPr/>
+                    <a:lstStyle/>
+                    <a:p>
+                      <a:pPr algn="r"/>
+                      <a:r>
+                        <a:rPr lang="sv-SE" sz="1200" dirty="0" smtClean="0"/>
+                        <a:t>110</a:t>
+                      </a:r>
+                      <a:endParaRPr lang="sv-SE" sz="1200" dirty="0"/>
+                    </a:p>
+                  </a:txBody>
+                  <a:tcPr/>
+                </a:tc>
+                <a:tc>
+                  <a:txBody>
+                    <a:bodyPr/>
+                    <a:lstStyle/>
+                    <a:p>
+                      <a:pPr algn="r"/>
+                      <a:r>
+                        <a:rPr lang="sv-SE" sz="1200" dirty="0" smtClean="0"/>
+                        <a:t>121</a:t>
+                      </a:r>
+                      <a:endParaRPr lang="sv-SE" sz="1200" dirty="0"/>
+                    </a:p>
+                  </a:txBody>
+                  <a:tcPr/>
+                </a:tc>
+                <a:tc>
+                  <a:txBody>
+                    <a:bodyPr/>
+                    <a:lstStyle/>
+                    <a:p>
+                      <a:pPr algn="r"/>
+                      <a:r>
+                        <a:rPr lang="sv-SE" sz="1200" dirty="0" smtClean="0"/>
+                        <a:t>131</a:t>
+                      </a:r>
+                      <a:endParaRPr lang="sv-SE" sz="1200" dirty="0"/>
+                    </a:p>
+                  </a:txBody>
+                  <a:tcPr/>
+                </a:tc>
+                <a:tc>
+                  <a:txBody>
+                    <a:bodyPr/>
+                    <a:lstStyle/>
+                    <a:p>
+                      <a:pPr algn="r"/>
+                      <a:r>
+                        <a:rPr lang="sv-SE" sz="1200" dirty="0" smtClean="0"/>
+                        <a:t>144</a:t>
+                      </a:r>
+                      <a:endParaRPr lang="sv-SE" sz="1200" dirty="0"/>
+                    </a:p>
+                  </a:txBody>
+                  <a:tcPr/>
+                </a:tc>
+                <a:tc>
+                  <a:txBody>
+                    <a:bodyPr/>
+                    <a:lstStyle/>
+                    <a:p>
+                      <a:pPr algn="r"/>
+                      <a:r>
+                        <a:rPr lang="sv-SE" sz="1200" dirty="0" smtClean="0"/>
+                        <a:t>2500</a:t>
+                      </a:r>
+                      <a:endParaRPr lang="sv-SE" sz="1200" dirty="0"/>
+                    </a:p>
+                  </a:txBody>
+                  <a:tcPr/>
+                </a:tc>
+                <a:tc>
+                  <a:txBody>
+                    <a:bodyPr/>
+                    <a:lstStyle/>
+                    <a:p>
+                      <a:pPr algn="r"/>
+                      <a:r>
+                        <a:rPr lang="sv-SE" sz="1200" dirty="0" smtClean="0"/>
+                        <a:t>3600</a:t>
+                      </a:r>
+                      <a:endParaRPr lang="sv-SE" sz="1200" dirty="0"/>
+                    </a:p>
+                  </a:txBody>
+                  <a:tcPr/>
+                </a:tc>
+              </a:tr>
+              <a:tr h="141103">
+                <a:tc>
+                  <a:txBody>
+                    <a:bodyPr/>
+                    <a:lstStyle/>
+                    <a:p>
+                      <a:r>
+                        <a:rPr lang="sv-SE" sz="1200" dirty="0" smtClean="0"/>
+                        <a:t>Resa</a:t>
+                      </a:r>
+                      <a:endParaRPr lang="sv-SE" sz="1200" dirty="0"/>
+                    </a:p>
+                  </a:txBody>
+                  <a:tcPr/>
+                </a:tc>
+                <a:tc>
+                  <a:txBody>
+                    <a:bodyPr/>
+                    <a:lstStyle/>
+                    <a:p>
+                      <a:pPr algn="r"/>
+                      <a:r>
+                        <a:rPr lang="sv-SE" sz="1200" dirty="0" smtClean="0"/>
+                        <a:t>50</a:t>
+                      </a:r>
+                      <a:endParaRPr lang="sv-SE" sz="1200" dirty="0"/>
+                    </a:p>
+                  </a:txBody>
+                  <a:tcPr/>
+                </a:tc>
+                <a:tc>
+                  <a:txBody>
+                    <a:bodyPr/>
+                    <a:lstStyle/>
+                    <a:p>
+                      <a:pPr algn="r"/>
+                      <a:r>
+                        <a:rPr lang="sv-SE" sz="1200" dirty="0" smtClean="0"/>
+                        <a:t>10</a:t>
+                      </a:r>
+                      <a:endParaRPr lang="sv-SE" sz="1200" dirty="0"/>
+                    </a:p>
+                  </a:txBody>
+                  <a:tcPr/>
+                </a:tc>
+                <a:tc>
+                  <a:txBody>
+                    <a:bodyPr/>
+                    <a:lstStyle/>
+                    <a:p>
+                      <a:pPr algn="r"/>
+                      <a:r>
+                        <a:rPr lang="sv-SE" sz="1200" dirty="0" smtClean="0"/>
+                        <a:t>20</a:t>
+                      </a:r>
+                      <a:endParaRPr lang="sv-SE" sz="1200" dirty="0"/>
+                    </a:p>
+                  </a:txBody>
+                  <a:tcPr/>
+                </a:tc>
+                <a:tc>
+                  <a:txBody>
+                    <a:bodyPr/>
+                    <a:lstStyle/>
+                    <a:p>
+                      <a:pPr algn="r"/>
+                      <a:r>
+                        <a:rPr lang="sv-SE" sz="1200" dirty="0" smtClean="0"/>
+                        <a:t>30</a:t>
+                      </a:r>
+                      <a:endParaRPr lang="sv-SE" sz="1200" dirty="0"/>
+                    </a:p>
+                  </a:txBody>
+                  <a:tcPr/>
+                </a:tc>
+                <a:tc>
+                  <a:txBody>
+                    <a:bodyPr/>
+                    <a:lstStyle/>
+                    <a:p>
+                      <a:pPr algn="r"/>
+                      <a:r>
+                        <a:rPr lang="sv-SE" sz="1200" dirty="0" smtClean="0"/>
+                        <a:t>40</a:t>
+                      </a:r>
+                      <a:endParaRPr lang="sv-SE" sz="1200" dirty="0"/>
+                    </a:p>
+                  </a:txBody>
+                  <a:tcPr/>
+                </a:tc>
+                <a:tc>
+                  <a:txBody>
+                    <a:bodyPr/>
+                    <a:lstStyle/>
+                    <a:p>
+                      <a:pPr algn="r"/>
+                      <a:r>
+                        <a:rPr lang="sv-SE" sz="1200" dirty="0" smtClean="0"/>
+                        <a:t>50</a:t>
+                      </a:r>
+                      <a:endParaRPr lang="sv-SE" sz="1200" dirty="0"/>
+                    </a:p>
+                  </a:txBody>
+                  <a:tcPr/>
+                </a:tc>
+                <a:tc>
+                  <a:txBody>
+                    <a:bodyPr/>
+                    <a:lstStyle/>
+                    <a:p>
+                      <a:pPr algn="r"/>
+                      <a:r>
+                        <a:rPr lang="sv-SE" sz="1200" dirty="0" smtClean="0"/>
+                        <a:t>500</a:t>
+                      </a:r>
+                      <a:endParaRPr lang="sv-SE" sz="1200" dirty="0"/>
+                    </a:p>
+                  </a:txBody>
+                  <a:tcPr/>
+                </a:tc>
+                <a:tc>
+                  <a:txBody>
+                    <a:bodyPr/>
+                    <a:lstStyle/>
+                    <a:p>
+                      <a:pPr algn="r"/>
+                      <a:r>
+                        <a:rPr lang="sv-SE" sz="1200" dirty="0" smtClean="0"/>
+                        <a:t>2500</a:t>
+                      </a:r>
+                      <a:endParaRPr lang="sv-SE" sz="1200" dirty="0"/>
+                    </a:p>
+                  </a:txBody>
+                  <a:tcPr/>
+                </a:tc>
+              </a:tr>
+              <a:tr h="201632">
+                <a:tc>
+                  <a:txBody>
+                    <a:bodyPr/>
+                    <a:lstStyle/>
+                    <a:p>
+                      <a:r>
+                        <a:rPr lang="sv-SE" sz="1200" dirty="0" smtClean="0"/>
+                        <a:t>Medlemsresa</a:t>
+                      </a:r>
+                      <a:endParaRPr lang="sv-SE" sz="1200" dirty="0"/>
+                    </a:p>
+                  </a:txBody>
+                  <a:tcPr/>
+                </a:tc>
+                <a:tc>
+                  <a:txBody>
+                    <a:bodyPr/>
+                    <a:lstStyle/>
+                    <a:p>
+                      <a:pPr algn="r"/>
+                      <a:r>
+                        <a:rPr lang="sv-SE" sz="1200" dirty="0" smtClean="0"/>
+                        <a:t>18</a:t>
+                      </a:r>
+                      <a:endParaRPr lang="sv-SE" sz="1200" dirty="0"/>
+                    </a:p>
+                  </a:txBody>
+                  <a:tcPr/>
+                </a:tc>
+                <a:tc>
+                  <a:txBody>
+                    <a:bodyPr/>
+                    <a:lstStyle/>
+                    <a:p>
+                      <a:pPr algn="r"/>
+                      <a:r>
+                        <a:rPr lang="sv-SE" sz="1200" dirty="0" smtClean="0"/>
+                        <a:t>100</a:t>
+                      </a:r>
+                      <a:endParaRPr lang="sv-SE" sz="1200" dirty="0"/>
+                    </a:p>
+                  </a:txBody>
+                  <a:tcPr/>
+                </a:tc>
+                <a:tc>
+                  <a:txBody>
+                    <a:bodyPr/>
+                    <a:lstStyle/>
+                    <a:p>
+                      <a:pPr algn="r"/>
+                      <a:r>
+                        <a:rPr lang="sv-SE" sz="1200" dirty="0" smtClean="0"/>
+                        <a:t>200</a:t>
+                      </a:r>
+                      <a:endParaRPr lang="sv-SE" sz="1200" dirty="0"/>
+                    </a:p>
+                  </a:txBody>
+                  <a:tcPr/>
+                </a:tc>
+                <a:tc>
+                  <a:txBody>
+                    <a:bodyPr/>
+                    <a:lstStyle/>
+                    <a:p>
+                      <a:pPr algn="r"/>
+                      <a:r>
+                        <a:rPr lang="sv-SE" sz="1200" dirty="0" smtClean="0"/>
+                        <a:t>300</a:t>
+                      </a:r>
+                      <a:endParaRPr lang="sv-SE" sz="1200" dirty="0"/>
+                    </a:p>
+                  </a:txBody>
+                  <a:tcPr/>
+                </a:tc>
+                <a:tc>
+                  <a:txBody>
+                    <a:bodyPr/>
+                    <a:lstStyle/>
+                    <a:p>
+                      <a:pPr algn="r"/>
+                      <a:r>
+                        <a:rPr lang="sv-SE" sz="1200" dirty="0" smtClean="0"/>
+                        <a:t>400</a:t>
+                      </a:r>
+                      <a:endParaRPr lang="sv-SE" sz="1200" dirty="0"/>
+                    </a:p>
+                  </a:txBody>
+                  <a:tcPr/>
+                </a:tc>
+                <a:tc>
+                  <a:txBody>
+                    <a:bodyPr/>
+                    <a:lstStyle/>
+                    <a:p>
+                      <a:pPr algn="r"/>
+                      <a:r>
+                        <a:rPr lang="sv-SE" sz="1200" dirty="0" smtClean="0"/>
+                        <a:t>500</a:t>
+                      </a:r>
+                      <a:endParaRPr lang="sv-SE" sz="1200" dirty="0"/>
+                    </a:p>
+                  </a:txBody>
+                  <a:tcPr/>
+                </a:tc>
+                <a:tc>
+                  <a:txBody>
+                    <a:bodyPr/>
+                    <a:lstStyle/>
+                    <a:p>
+                      <a:pPr algn="r"/>
+                      <a:r>
+                        <a:rPr lang="sv-SE" sz="1200" dirty="0" smtClean="0"/>
+                        <a:t>1800</a:t>
+                      </a:r>
+                      <a:endParaRPr lang="sv-SE" sz="1200" dirty="0"/>
+                    </a:p>
+                  </a:txBody>
+                  <a:tcPr/>
+                </a:tc>
+                <a:tc>
+                  <a:txBody>
+                    <a:bodyPr/>
+                    <a:lstStyle/>
+                    <a:p>
+                      <a:pPr algn="r"/>
+                      <a:r>
+                        <a:rPr lang="sv-SE" sz="1200" dirty="0" smtClean="0"/>
+                        <a:t>9000</a:t>
+                      </a:r>
+                      <a:endParaRPr lang="sv-SE" sz="1200" dirty="0"/>
+                    </a:p>
+                  </a:txBody>
+                  <a:tcPr/>
+                </a:tc>
+              </a:tr>
+            </a:tbl>
+          </a:graphicData>
+        </a:graphic>
+      </p:graphicFrame>
+      <p:sp>
+        <p:nvSpPr>
+          <p:cNvPr id="32" name="TextBox 31"/>
+          <p:cNvSpPr txBox="1"/>
+          <p:nvPr/>
+        </p:nvSpPr>
+        <p:spPr>
+          <a:xfrm>
+            <a:off x="1452729" y="1390746"/>
+            <a:ext cx="792088" cy="338554"/>
+          </a:xfrm>
+          <a:prstGeom prst="rect">
+            <a:avLst/>
+          </a:prstGeom>
+          <a:noFill/>
+        </p:spPr>
+        <p:txBody>
+          <a:bodyPr wrap="square" rtlCol="0">
+            <a:spAutoFit/>
+          </a:bodyPr>
+          <a:lstStyle/>
+          <a:p>
+            <a:r>
+              <a:rPr lang="sv-SE" sz="1600" dirty="0" smtClean="0">
+                <a:solidFill>
+                  <a:srgbClr val="FF0000"/>
+                </a:solidFill>
+              </a:rPr>
+              <a:t>0/2/5</a:t>
+            </a:r>
+          </a:p>
+        </p:txBody>
+      </p:sp>
+      <p:cxnSp>
+        <p:nvCxnSpPr>
+          <p:cNvPr id="34" name="Straight Arrow Connector 33"/>
+          <p:cNvCxnSpPr/>
+          <p:nvPr/>
+        </p:nvCxnSpPr>
+        <p:spPr>
+          <a:xfrm flipH="1">
+            <a:off x="1547664" y="1774019"/>
+            <a:ext cx="576064" cy="0"/>
+          </a:xfrm>
+          <a:prstGeom prst="straightConnector1">
+            <a:avLst/>
+          </a:prstGeom>
+          <a:ln>
+            <a:solidFill>
+              <a:schemeClr val="tx1"/>
+            </a:solidFill>
+            <a:tailEnd type="arrow"/>
+          </a:ln>
+        </p:spPr>
+        <p:style>
+          <a:lnRef idx="1">
+            <a:schemeClr val="accent1"/>
+          </a:lnRef>
+          <a:fillRef idx="0">
+            <a:schemeClr val="accent1"/>
+          </a:fillRef>
+          <a:effectRef idx="0">
+            <a:schemeClr val="accent1"/>
+          </a:effectRef>
+          <a:fontRef idx="minor">
+            <a:schemeClr val="tx1"/>
+          </a:fontRef>
+        </p:style>
+      </p:cxnSp>
+      <p:sp>
+        <p:nvSpPr>
+          <p:cNvPr id="35" name="TextBox 34"/>
+          <p:cNvSpPr txBox="1"/>
+          <p:nvPr/>
+        </p:nvSpPr>
+        <p:spPr>
+          <a:xfrm>
+            <a:off x="3690315" y="1334939"/>
+            <a:ext cx="902013" cy="338554"/>
+          </a:xfrm>
+          <a:prstGeom prst="rect">
+            <a:avLst/>
+          </a:prstGeom>
+          <a:noFill/>
+        </p:spPr>
+        <p:txBody>
+          <a:bodyPr wrap="square" rtlCol="0">
+            <a:spAutoFit/>
+          </a:bodyPr>
+          <a:lstStyle/>
+          <a:p>
+            <a:r>
+              <a:rPr lang="sv-SE" sz="1600" dirty="0" smtClean="0">
+                <a:solidFill>
+                  <a:srgbClr val="FF0000"/>
+                </a:solidFill>
+              </a:rPr>
+              <a:t>0/2/10</a:t>
+            </a:r>
+          </a:p>
+        </p:txBody>
+      </p:sp>
+      <p:cxnSp>
+        <p:nvCxnSpPr>
+          <p:cNvPr id="36" name="Straight Arrow Connector 35"/>
+          <p:cNvCxnSpPr/>
+          <p:nvPr/>
+        </p:nvCxnSpPr>
+        <p:spPr>
+          <a:xfrm>
+            <a:off x="3751897" y="1729300"/>
+            <a:ext cx="568297" cy="0"/>
+          </a:xfrm>
+          <a:prstGeom prst="straightConnector1">
+            <a:avLst/>
+          </a:prstGeom>
+          <a:ln>
+            <a:solidFill>
+              <a:schemeClr val="tx1"/>
+            </a:solidFill>
+            <a:tailEnd type="arrow"/>
+          </a:ln>
+        </p:spPr>
+        <p:style>
+          <a:lnRef idx="1">
+            <a:schemeClr val="accent1"/>
+          </a:lnRef>
+          <a:fillRef idx="0">
+            <a:schemeClr val="accent1"/>
+          </a:fillRef>
+          <a:effectRef idx="0">
+            <a:schemeClr val="accent1"/>
+          </a:effectRef>
+          <a:fontRef idx="minor">
+            <a:schemeClr val="tx1"/>
+          </a:fontRef>
+        </p:style>
+      </p:cxnSp>
+      <p:sp>
+        <p:nvSpPr>
+          <p:cNvPr id="40" name="TextBox 39"/>
+          <p:cNvSpPr txBox="1"/>
+          <p:nvPr/>
+        </p:nvSpPr>
+        <p:spPr>
+          <a:xfrm>
+            <a:off x="1342804" y="2249828"/>
+            <a:ext cx="902013" cy="338554"/>
+          </a:xfrm>
+          <a:prstGeom prst="rect">
+            <a:avLst/>
+          </a:prstGeom>
+          <a:noFill/>
+        </p:spPr>
+        <p:txBody>
+          <a:bodyPr wrap="square" rtlCol="0">
+            <a:spAutoFit/>
+          </a:bodyPr>
+          <a:lstStyle/>
+          <a:p>
+            <a:r>
+              <a:rPr lang="sv-SE" sz="1600" dirty="0" smtClean="0">
+                <a:solidFill>
+                  <a:srgbClr val="FF0000"/>
+                </a:solidFill>
+              </a:rPr>
+              <a:t>0/2/50</a:t>
+            </a:r>
+          </a:p>
+        </p:txBody>
+      </p:sp>
+      <p:cxnSp>
+        <p:nvCxnSpPr>
+          <p:cNvPr id="41" name="Straight Arrow Connector 40"/>
+          <p:cNvCxnSpPr/>
+          <p:nvPr/>
+        </p:nvCxnSpPr>
+        <p:spPr>
+          <a:xfrm>
+            <a:off x="2150882" y="2185979"/>
+            <a:ext cx="0" cy="657456"/>
+          </a:xfrm>
+          <a:prstGeom prst="straightConnector1">
+            <a:avLst/>
+          </a:prstGeom>
+          <a:ln>
+            <a:solidFill>
+              <a:schemeClr val="tx1"/>
+            </a:solidFill>
+            <a:tailEnd type="arrow"/>
+          </a:ln>
+        </p:spPr>
+        <p:style>
+          <a:lnRef idx="1">
+            <a:schemeClr val="accent1"/>
+          </a:lnRef>
+          <a:fillRef idx="0">
+            <a:schemeClr val="accent1"/>
+          </a:fillRef>
+          <a:effectRef idx="0">
+            <a:schemeClr val="accent1"/>
+          </a:effectRef>
+          <a:fontRef idx="minor">
+            <a:schemeClr val="tx1"/>
+          </a:fontRef>
+        </p:style>
+      </p:cxnSp>
+      <p:sp>
+        <p:nvSpPr>
+          <p:cNvPr id="45" name="TextBox 44"/>
+          <p:cNvSpPr txBox="1"/>
+          <p:nvPr/>
+        </p:nvSpPr>
+        <p:spPr>
+          <a:xfrm>
+            <a:off x="3478210" y="2169102"/>
+            <a:ext cx="1015248" cy="338554"/>
+          </a:xfrm>
+          <a:prstGeom prst="rect">
+            <a:avLst/>
+          </a:prstGeom>
+          <a:noFill/>
+        </p:spPr>
+        <p:txBody>
+          <a:bodyPr wrap="square" rtlCol="0">
+            <a:spAutoFit/>
+          </a:bodyPr>
+          <a:lstStyle/>
+          <a:p>
+            <a:r>
+              <a:rPr lang="sv-SE" sz="1600" dirty="0" smtClean="0">
+                <a:solidFill>
+                  <a:srgbClr val="FF0000"/>
+                </a:solidFill>
+              </a:rPr>
+              <a:t>1/10/50</a:t>
+            </a:r>
+          </a:p>
+        </p:txBody>
+      </p:sp>
+      <p:cxnSp>
+        <p:nvCxnSpPr>
+          <p:cNvPr id="46" name="Straight Arrow Connector 45"/>
+          <p:cNvCxnSpPr/>
+          <p:nvPr/>
+        </p:nvCxnSpPr>
+        <p:spPr>
+          <a:xfrm flipH="1">
+            <a:off x="3585039" y="2518097"/>
+            <a:ext cx="451007" cy="0"/>
+          </a:xfrm>
+          <a:prstGeom prst="straightConnector1">
+            <a:avLst/>
+          </a:prstGeom>
+          <a:ln>
+            <a:solidFill>
+              <a:schemeClr val="tx1"/>
+            </a:solidFill>
+            <a:tailEnd type="arrow"/>
+          </a:ln>
+        </p:spPr>
+        <p:style>
+          <a:lnRef idx="1">
+            <a:schemeClr val="accent1"/>
+          </a:lnRef>
+          <a:fillRef idx="0">
+            <a:schemeClr val="accent1"/>
+          </a:fillRef>
+          <a:effectRef idx="0">
+            <a:schemeClr val="accent1"/>
+          </a:effectRef>
+          <a:fontRef idx="minor">
+            <a:schemeClr val="tx1"/>
+          </a:fontRef>
+        </p:style>
+      </p:cxnSp>
+      <p:graphicFrame>
+        <p:nvGraphicFramePr>
+          <p:cNvPr id="51" name="Table 50"/>
+          <p:cNvGraphicFramePr>
+            <a:graphicFrameLocks noGrp="1"/>
+          </p:cNvGraphicFramePr>
+          <p:nvPr>
+            <p:extLst>
+              <p:ext uri="{D42A27DB-BD31-4B8C-83A1-F6EECF244321}">
+                <p14:modId xmlns:p14="http://schemas.microsoft.com/office/powerpoint/2010/main" val="1072055670"/>
+              </p:ext>
+            </p:extLst>
+          </p:nvPr>
+        </p:nvGraphicFramePr>
+        <p:xfrm>
+          <a:off x="2627784" y="3429000"/>
+          <a:ext cx="3783959" cy="288032"/>
+        </p:xfrm>
+        <a:graphic>
+          <a:graphicData uri="http://schemas.openxmlformats.org/drawingml/2006/table">
+            <a:tbl>
+              <a:tblPr firstRow="1" bandRow="1">
+                <a:tableStyleId>{5C22544A-7EE6-4342-B048-85BDC9FD1C3A}</a:tableStyleId>
+              </a:tblPr>
+              <a:tblGrid>
+                <a:gridCol w="2376264"/>
+                <a:gridCol w="1407695"/>
+              </a:tblGrid>
+              <a:tr h="288032">
+                <a:tc>
+                  <a:txBody>
+                    <a:bodyPr/>
+                    <a:lstStyle/>
+                    <a:p>
+                      <a:r>
+                        <a:rPr lang="sv-SE" sz="1200" dirty="0" smtClean="0"/>
+                        <a:t>------------</a:t>
+                      </a:r>
+                      <a:r>
+                        <a:rPr lang="sv-SE" sz="1200" baseline="0" dirty="0" smtClean="0"/>
+                        <a:t>-</a:t>
+                      </a:r>
+                      <a:r>
+                        <a:rPr lang="sv-SE" sz="1200" dirty="0" smtClean="0"/>
+                        <a:t>Antal poster  ----------------</a:t>
+                      </a:r>
+                      <a:endParaRPr lang="sv-SE" sz="1200" dirty="0"/>
+                    </a:p>
+                  </a:txBody>
+                  <a:tcPr/>
+                </a:tc>
+                <a:tc>
+                  <a:txBody>
+                    <a:bodyPr/>
+                    <a:lstStyle/>
+                    <a:p>
+                      <a:pPr algn="ctr"/>
+                      <a:r>
+                        <a:rPr lang="sv-SE" sz="1200" dirty="0" smtClean="0"/>
+                        <a:t>-Diskbehov-</a:t>
+                      </a:r>
+                      <a:endParaRPr lang="sv-SE" sz="1200" dirty="0"/>
+                    </a:p>
+                  </a:txBody>
+                  <a:tcPr/>
+                </a:tc>
+              </a:tr>
+            </a:tbl>
+          </a:graphicData>
+        </a:graphic>
+      </p:graphicFrame>
+      <p:graphicFrame>
+        <p:nvGraphicFramePr>
+          <p:cNvPr id="52" name="Table 51"/>
+          <p:cNvGraphicFramePr>
+            <a:graphicFrameLocks noGrp="1"/>
+          </p:cNvGraphicFramePr>
+          <p:nvPr>
+            <p:extLst>
+              <p:ext uri="{D42A27DB-BD31-4B8C-83A1-F6EECF244321}">
+                <p14:modId xmlns:p14="http://schemas.microsoft.com/office/powerpoint/2010/main" val="143471169"/>
+              </p:ext>
+            </p:extLst>
+          </p:nvPr>
+        </p:nvGraphicFramePr>
+        <p:xfrm>
+          <a:off x="4830119" y="6453336"/>
+          <a:ext cx="1656183" cy="365760"/>
+        </p:xfrm>
+        <a:graphic>
+          <a:graphicData uri="http://schemas.openxmlformats.org/drawingml/2006/table">
+            <a:tbl>
+              <a:tblPr firstRow="1" bandRow="1">
+                <a:tableStyleId>{5C22544A-7EE6-4342-B048-85BDC9FD1C3A}</a:tableStyleId>
+              </a:tblPr>
+              <a:tblGrid>
+                <a:gridCol w="853447"/>
+                <a:gridCol w="802736"/>
+              </a:tblGrid>
+              <a:tr h="365760">
+                <a:tc>
+                  <a:txBody>
+                    <a:bodyPr/>
+                    <a:lstStyle/>
+                    <a:p>
+                      <a:pPr algn="r"/>
+                      <a:r>
+                        <a:rPr lang="sv-SE" sz="1400" dirty="0" smtClean="0"/>
+                        <a:t>14955</a:t>
+                      </a:r>
+                      <a:endParaRPr lang="sv-SE" sz="1400" dirty="0"/>
+                    </a:p>
+                  </a:txBody>
+                  <a:tcPr/>
+                </a:tc>
+                <a:tc>
+                  <a:txBody>
+                    <a:bodyPr/>
+                    <a:lstStyle/>
+                    <a:p>
+                      <a:pPr algn="r"/>
+                      <a:r>
+                        <a:rPr lang="sv-SE" sz="1400" dirty="0" smtClean="0"/>
+                        <a:t>29643</a:t>
+                      </a:r>
+                      <a:endParaRPr lang="sv-SE" sz="1400" dirty="0"/>
+                    </a:p>
+                  </a:txBody>
+                  <a:tcPr/>
+                </a:tc>
+              </a:tr>
+            </a:tbl>
+          </a:graphicData>
+        </a:graphic>
+      </p:graphicFrame>
+      <p:sp>
+        <p:nvSpPr>
+          <p:cNvPr id="53" name="TextBox 52"/>
+          <p:cNvSpPr txBox="1"/>
+          <p:nvPr/>
+        </p:nvSpPr>
+        <p:spPr>
+          <a:xfrm>
+            <a:off x="17755" y="116632"/>
+            <a:ext cx="6480720" cy="369332"/>
+          </a:xfrm>
+          <a:prstGeom prst="rect">
+            <a:avLst/>
+          </a:prstGeom>
+          <a:noFill/>
+        </p:spPr>
+        <p:txBody>
+          <a:bodyPr wrap="square" rtlCol="0">
+            <a:spAutoFit/>
+          </a:bodyPr>
+          <a:lstStyle/>
+          <a:p>
+            <a:r>
+              <a:rPr lang="sv-SE" b="1" dirty="0" smtClean="0"/>
+              <a:t>11. Volymberäkning</a:t>
+            </a:r>
+            <a:endParaRPr lang="sv-SE" b="1" dirty="0"/>
+          </a:p>
+        </p:txBody>
+      </p:sp>
+    </p:spTree>
+    <p:extLst>
+      <p:ext uri="{BB962C8B-B14F-4D97-AF65-F5344CB8AC3E}">
+        <p14:creationId xmlns:p14="http://schemas.microsoft.com/office/powerpoint/2010/main" val="1400561133"/>
+      </p:ext>
+    </p:extLst>
+  </p:cSld>
+  <p:clrMapOvr>
+    <a:masterClrMapping/>
+  </p:clrMapOvr>
+</p:sld>
+</file>
+
+<file path=ppt/slides/slide13.xml><?xml version="1.0" encoding="utf-8"?>
+<p:sld xmlns:a="http://schemas.openxmlformats.org/drawingml/2006/main" xmlns:r="http://schemas.openxmlformats.org/officeDocument/2006/relationships" xmlns:p="http://schemas.openxmlformats.org/presentationml/2006/main">
+  <p:cSld>
+    <p:spTree>
+      <p:nvGrpSpPr>
+        <p:cNvPr id="1" name=""/>
+        <p:cNvGrpSpPr/>
+        <p:nvPr/>
+      </p:nvGrpSpPr>
+      <p:grpSpPr>
+        <a:xfrm>
+          <a:off x="0" y="0"/>
+          <a:ext cx="0" cy="0"/>
+          <a:chOff x="0" y="0"/>
+          <a:chExt cx="0" cy="0"/>
+        </a:xfrm>
+      </p:grpSpPr>
+      <p:sp>
+        <p:nvSpPr>
+          <p:cNvPr id="2" name="TextBox 1"/>
+          <p:cNvSpPr txBox="1"/>
+          <p:nvPr/>
+        </p:nvSpPr>
+        <p:spPr>
+          <a:xfrm>
+            <a:off x="17755" y="116632"/>
+            <a:ext cx="6480720" cy="369332"/>
+          </a:xfrm>
+          <a:prstGeom prst="rect">
+            <a:avLst/>
+          </a:prstGeom>
+          <a:noFill/>
+        </p:spPr>
+        <p:txBody>
+          <a:bodyPr wrap="square" rtlCol="0">
+            <a:spAutoFit/>
+          </a:bodyPr>
+          <a:lstStyle/>
+          <a:p>
+            <a:r>
+              <a:rPr lang="sv-SE" b="1" dirty="0" smtClean="0"/>
+              <a:t>12. Historik</a:t>
+            </a:r>
+            <a:endParaRPr lang="sv-SE" b="1" dirty="0"/>
+          </a:p>
+        </p:txBody>
+      </p:sp>
+      <p:grpSp>
+        <p:nvGrpSpPr>
+          <p:cNvPr id="3" name="Grupp 7"/>
+          <p:cNvGrpSpPr>
+            <a:grpSpLocks/>
+          </p:cNvGrpSpPr>
+          <p:nvPr/>
+        </p:nvGrpSpPr>
+        <p:grpSpPr bwMode="auto">
+          <a:xfrm rot="5400000">
+            <a:off x="2550083" y="1070063"/>
+            <a:ext cx="382649" cy="288925"/>
+            <a:chOff x="3072429" y="692696"/>
+            <a:chExt cx="419451" cy="288032"/>
+          </a:xfrm>
+        </p:grpSpPr>
+        <p:cxnSp>
+          <p:nvCxnSpPr>
+            <p:cNvPr id="4" name="Rak 5"/>
+            <p:cNvCxnSpPr/>
+            <p:nvPr/>
+          </p:nvCxnSpPr>
+          <p:spPr>
+            <a:xfrm rot="16200000">
+              <a:off x="3282154" y="626987"/>
+              <a:ext cx="0" cy="419449"/>
+            </a:xfrm>
+            <a:prstGeom prst="line">
+              <a:avLst/>
+            </a:prstGeom>
+            <a:ln w="9525">
+              <a:solidFill>
+                <a:schemeClr val="tx1"/>
+              </a:solidFill>
+            </a:ln>
+          </p:spPr>
+          <p:style>
+            <a:lnRef idx="1">
+              <a:schemeClr val="accent1"/>
+            </a:lnRef>
+            <a:fillRef idx="0">
+              <a:schemeClr val="accent1"/>
+            </a:fillRef>
+            <a:effectRef idx="0">
+              <a:schemeClr val="accent1"/>
+            </a:effectRef>
+            <a:fontRef idx="minor">
+              <a:schemeClr val="tx1"/>
+            </a:fontRef>
+          </p:style>
+        </p:cxnSp>
+        <p:sp>
+          <p:nvSpPr>
+            <p:cNvPr id="5" name="Rektangel 6"/>
+            <p:cNvSpPr/>
+            <p:nvPr/>
+          </p:nvSpPr>
+          <p:spPr>
+            <a:xfrm>
+              <a:off x="3420483" y="692696"/>
+              <a:ext cx="71397" cy="288032"/>
+            </a:xfrm>
+            <a:prstGeom prst="rect">
+              <a:avLst/>
+            </a:prstGeom>
+            <a:noFill/>
+            <a:ln w="9525">
+              <a:solidFill>
+                <a:schemeClr val="tx1"/>
+              </a:solidFill>
+            </a:ln>
+          </p:spPr>
+          <p:style>
+            <a:lnRef idx="2">
+              <a:schemeClr val="accent1">
+                <a:shade val="50000"/>
+              </a:schemeClr>
+            </a:lnRef>
+            <a:fillRef idx="1">
+              <a:schemeClr val="accent1"/>
+            </a:fillRef>
+            <a:effectRef idx="0">
+              <a:schemeClr val="accent1"/>
+            </a:effectRef>
+            <a:fontRef idx="minor">
+              <a:schemeClr val="lt1"/>
+            </a:fontRef>
+          </p:style>
+          <p:txBody>
+            <a:bodyPr anchor="ctr"/>
+            <a:lstStyle/>
+            <a:p>
+              <a:pPr algn="ctr" fontAlgn="auto">
+                <a:spcBef>
+                  <a:spcPts val="0"/>
+                </a:spcBef>
+                <a:spcAft>
+                  <a:spcPts val="0"/>
+                </a:spcAft>
+                <a:defRPr/>
+              </a:pPr>
+              <a:endParaRPr lang="sv-SE" sz="1600"/>
+            </a:p>
+          </p:txBody>
+        </p:sp>
+      </p:grpSp>
+      <p:grpSp>
+        <p:nvGrpSpPr>
+          <p:cNvPr id="6" name="Grupp 7"/>
+          <p:cNvGrpSpPr>
+            <a:grpSpLocks/>
+          </p:cNvGrpSpPr>
+          <p:nvPr/>
+        </p:nvGrpSpPr>
+        <p:grpSpPr bwMode="auto">
+          <a:xfrm rot="5400000">
+            <a:off x="807758" y="1055654"/>
+            <a:ext cx="426984" cy="288925"/>
+            <a:chOff x="3023830" y="692696"/>
+            <a:chExt cx="468050" cy="288032"/>
+          </a:xfrm>
+        </p:grpSpPr>
+        <p:cxnSp>
+          <p:nvCxnSpPr>
+            <p:cNvPr id="7" name="Rak 5"/>
+            <p:cNvCxnSpPr/>
+            <p:nvPr/>
+          </p:nvCxnSpPr>
+          <p:spPr>
+            <a:xfrm rot="16200000">
+              <a:off x="3257855" y="602687"/>
+              <a:ext cx="0" cy="468049"/>
+            </a:xfrm>
+            <a:prstGeom prst="line">
+              <a:avLst/>
+            </a:prstGeom>
+            <a:ln w="9525">
+              <a:solidFill>
+                <a:schemeClr val="tx1"/>
+              </a:solidFill>
+            </a:ln>
+          </p:spPr>
+          <p:style>
+            <a:lnRef idx="1">
+              <a:schemeClr val="accent1"/>
+            </a:lnRef>
+            <a:fillRef idx="0">
+              <a:schemeClr val="accent1"/>
+            </a:fillRef>
+            <a:effectRef idx="0">
+              <a:schemeClr val="accent1"/>
+            </a:effectRef>
+            <a:fontRef idx="minor">
+              <a:schemeClr val="tx1"/>
+            </a:fontRef>
+          </p:style>
+        </p:cxnSp>
+        <p:sp>
+          <p:nvSpPr>
+            <p:cNvPr id="8" name="Rektangel 6"/>
+            <p:cNvSpPr/>
+            <p:nvPr/>
+          </p:nvSpPr>
+          <p:spPr>
+            <a:xfrm>
+              <a:off x="3420483" y="692696"/>
+              <a:ext cx="71397" cy="288032"/>
+            </a:xfrm>
+            <a:prstGeom prst="rect">
+              <a:avLst/>
+            </a:prstGeom>
+            <a:noFill/>
+            <a:ln w="9525">
+              <a:solidFill>
+                <a:schemeClr val="tx1"/>
+              </a:solidFill>
+            </a:ln>
+          </p:spPr>
+          <p:style>
+            <a:lnRef idx="2">
+              <a:schemeClr val="accent1">
+                <a:shade val="50000"/>
+              </a:schemeClr>
+            </a:lnRef>
+            <a:fillRef idx="1">
+              <a:schemeClr val="accent1"/>
+            </a:fillRef>
+            <a:effectRef idx="0">
+              <a:schemeClr val="accent1"/>
+            </a:effectRef>
+            <a:fontRef idx="minor">
+              <a:schemeClr val="lt1"/>
+            </a:fontRef>
+          </p:style>
+          <p:txBody>
+            <a:bodyPr anchor="ctr"/>
+            <a:lstStyle/>
+            <a:p>
+              <a:pPr algn="ctr" fontAlgn="auto">
+                <a:spcBef>
+                  <a:spcPts val="0"/>
+                </a:spcBef>
+                <a:spcAft>
+                  <a:spcPts val="0"/>
+                </a:spcAft>
+                <a:defRPr/>
+              </a:pPr>
+              <a:endParaRPr lang="sv-SE" sz="1600"/>
+            </a:p>
+          </p:txBody>
+        </p:sp>
+      </p:grpSp>
+      <p:grpSp>
+        <p:nvGrpSpPr>
+          <p:cNvPr id="9" name="Grupp 7"/>
+          <p:cNvGrpSpPr>
+            <a:grpSpLocks/>
+          </p:cNvGrpSpPr>
+          <p:nvPr/>
+        </p:nvGrpSpPr>
+        <p:grpSpPr bwMode="auto">
+          <a:xfrm rot="10800000">
+            <a:off x="1663318" y="1560160"/>
+            <a:ext cx="853971" cy="288925"/>
+            <a:chOff x="2555776" y="692696"/>
+            <a:chExt cx="936104" cy="288032"/>
+          </a:xfrm>
+        </p:grpSpPr>
+        <p:cxnSp>
+          <p:nvCxnSpPr>
+            <p:cNvPr id="10" name="Rak 5"/>
+            <p:cNvCxnSpPr/>
+            <p:nvPr/>
+          </p:nvCxnSpPr>
+          <p:spPr>
+            <a:xfrm>
+              <a:off x="2555776" y="836712"/>
+              <a:ext cx="936104" cy="0"/>
+            </a:xfrm>
+            <a:prstGeom prst="line">
+              <a:avLst/>
+            </a:prstGeom>
+            <a:ln w="9525">
+              <a:solidFill>
+                <a:schemeClr val="tx1"/>
+              </a:solidFill>
+            </a:ln>
+          </p:spPr>
+          <p:style>
+            <a:lnRef idx="1">
+              <a:schemeClr val="accent1"/>
+            </a:lnRef>
+            <a:fillRef idx="0">
+              <a:schemeClr val="accent1"/>
+            </a:fillRef>
+            <a:effectRef idx="0">
+              <a:schemeClr val="accent1"/>
+            </a:effectRef>
+            <a:fontRef idx="minor">
+              <a:schemeClr val="tx1"/>
+            </a:fontRef>
+          </p:style>
+        </p:cxnSp>
+        <p:sp>
+          <p:nvSpPr>
+            <p:cNvPr id="11" name="Rektangel 6"/>
+            <p:cNvSpPr/>
+            <p:nvPr/>
+          </p:nvSpPr>
+          <p:spPr>
+            <a:xfrm>
+              <a:off x="3420483" y="692696"/>
+              <a:ext cx="71397" cy="288032"/>
+            </a:xfrm>
+            <a:prstGeom prst="rect">
+              <a:avLst/>
+            </a:prstGeom>
+            <a:noFill/>
+            <a:ln w="9525">
+              <a:solidFill>
+                <a:schemeClr val="tx1"/>
+              </a:solidFill>
+            </a:ln>
+          </p:spPr>
+          <p:style>
+            <a:lnRef idx="2">
+              <a:schemeClr val="accent1">
+                <a:shade val="50000"/>
+              </a:schemeClr>
+            </a:lnRef>
+            <a:fillRef idx="1">
+              <a:schemeClr val="accent1"/>
+            </a:fillRef>
+            <a:effectRef idx="0">
+              <a:schemeClr val="accent1"/>
+            </a:effectRef>
+            <a:fontRef idx="minor">
+              <a:schemeClr val="lt1"/>
+            </a:fontRef>
+          </p:style>
+          <p:txBody>
+            <a:bodyPr anchor="ctr"/>
+            <a:lstStyle/>
+            <a:p>
+              <a:pPr algn="ctr" fontAlgn="auto">
+                <a:spcBef>
+                  <a:spcPts val="0"/>
+                </a:spcBef>
+                <a:spcAft>
+                  <a:spcPts val="0"/>
+                </a:spcAft>
+                <a:defRPr/>
+              </a:pPr>
+              <a:endParaRPr lang="sv-SE" sz="1600"/>
+            </a:p>
+          </p:txBody>
+        </p:sp>
+      </p:grpSp>
+      <p:grpSp>
+        <p:nvGrpSpPr>
+          <p:cNvPr id="12" name="Grupp 7"/>
+          <p:cNvGrpSpPr>
+            <a:grpSpLocks/>
+          </p:cNvGrpSpPr>
+          <p:nvPr/>
+        </p:nvGrpSpPr>
+        <p:grpSpPr bwMode="auto">
+          <a:xfrm>
+            <a:off x="3803590" y="1780330"/>
+            <a:ext cx="853971" cy="288925"/>
+            <a:chOff x="2555776" y="692696"/>
+            <a:chExt cx="936104" cy="288032"/>
+          </a:xfrm>
+        </p:grpSpPr>
+        <p:cxnSp>
+          <p:nvCxnSpPr>
+            <p:cNvPr id="13" name="Rak 5"/>
+            <p:cNvCxnSpPr/>
+            <p:nvPr/>
+          </p:nvCxnSpPr>
+          <p:spPr>
+            <a:xfrm>
+              <a:off x="2555776" y="836712"/>
+              <a:ext cx="936104" cy="0"/>
+            </a:xfrm>
+            <a:prstGeom prst="line">
+              <a:avLst/>
+            </a:prstGeom>
+            <a:ln w="9525">
+              <a:solidFill>
+                <a:schemeClr val="tx1"/>
+              </a:solidFill>
+            </a:ln>
+          </p:spPr>
+          <p:style>
+            <a:lnRef idx="1">
+              <a:schemeClr val="accent1"/>
+            </a:lnRef>
+            <a:fillRef idx="0">
+              <a:schemeClr val="accent1"/>
+            </a:fillRef>
+            <a:effectRef idx="0">
+              <a:schemeClr val="accent1"/>
+            </a:effectRef>
+            <a:fontRef idx="minor">
+              <a:schemeClr val="tx1"/>
+            </a:fontRef>
+          </p:style>
+        </p:cxnSp>
+        <p:sp>
+          <p:nvSpPr>
+            <p:cNvPr id="14" name="Rektangel 6"/>
+            <p:cNvSpPr/>
+            <p:nvPr/>
+          </p:nvSpPr>
+          <p:spPr>
+            <a:xfrm>
+              <a:off x="3420483" y="692696"/>
+              <a:ext cx="71397" cy="288032"/>
+            </a:xfrm>
+            <a:prstGeom prst="rect">
+              <a:avLst/>
+            </a:prstGeom>
+            <a:noFill/>
+            <a:ln w="9525">
+              <a:solidFill>
+                <a:schemeClr val="tx1"/>
+              </a:solidFill>
+            </a:ln>
+          </p:spPr>
+          <p:style>
+            <a:lnRef idx="2">
+              <a:schemeClr val="accent1">
+                <a:shade val="50000"/>
+              </a:schemeClr>
+            </a:lnRef>
+            <a:fillRef idx="1">
+              <a:schemeClr val="accent1"/>
+            </a:fillRef>
+            <a:effectRef idx="0">
+              <a:schemeClr val="accent1"/>
+            </a:effectRef>
+            <a:fontRef idx="minor">
+              <a:schemeClr val="lt1"/>
+            </a:fontRef>
+          </p:style>
+          <p:txBody>
+            <a:bodyPr anchor="ctr"/>
+            <a:lstStyle/>
+            <a:p>
+              <a:pPr algn="ctr" fontAlgn="auto">
+                <a:spcBef>
+                  <a:spcPts val="0"/>
+                </a:spcBef>
+                <a:spcAft>
+                  <a:spcPts val="0"/>
+                </a:spcAft>
+                <a:defRPr/>
+              </a:pPr>
+              <a:endParaRPr lang="sv-SE" sz="1600"/>
+            </a:p>
+          </p:txBody>
+        </p:sp>
+      </p:grpSp>
+      <p:grpSp>
+        <p:nvGrpSpPr>
+          <p:cNvPr id="15" name="Grupp 7"/>
+          <p:cNvGrpSpPr>
+            <a:grpSpLocks/>
+          </p:cNvGrpSpPr>
+          <p:nvPr/>
+        </p:nvGrpSpPr>
+        <p:grpSpPr bwMode="auto">
+          <a:xfrm rot="10800000">
+            <a:off x="5931556" y="1796925"/>
+            <a:ext cx="853971" cy="288925"/>
+            <a:chOff x="2555776" y="692696"/>
+            <a:chExt cx="936104" cy="288032"/>
+          </a:xfrm>
+        </p:grpSpPr>
+        <p:cxnSp>
+          <p:nvCxnSpPr>
+            <p:cNvPr id="16" name="Rak 5"/>
+            <p:cNvCxnSpPr/>
+            <p:nvPr/>
+          </p:nvCxnSpPr>
+          <p:spPr>
+            <a:xfrm>
+              <a:off x="2555776" y="836712"/>
+              <a:ext cx="936104" cy="0"/>
+            </a:xfrm>
+            <a:prstGeom prst="line">
+              <a:avLst/>
+            </a:prstGeom>
+            <a:ln w="9525">
+              <a:solidFill>
+                <a:schemeClr val="tx1"/>
+              </a:solidFill>
+            </a:ln>
+          </p:spPr>
+          <p:style>
+            <a:lnRef idx="1">
+              <a:schemeClr val="accent1"/>
+            </a:lnRef>
+            <a:fillRef idx="0">
+              <a:schemeClr val="accent1"/>
+            </a:fillRef>
+            <a:effectRef idx="0">
+              <a:schemeClr val="accent1"/>
+            </a:effectRef>
+            <a:fontRef idx="minor">
+              <a:schemeClr val="tx1"/>
+            </a:fontRef>
+          </p:style>
+        </p:cxnSp>
+        <p:sp>
+          <p:nvSpPr>
+            <p:cNvPr id="17" name="Rektangel 6"/>
+            <p:cNvSpPr/>
+            <p:nvPr/>
+          </p:nvSpPr>
+          <p:spPr>
+            <a:xfrm>
+              <a:off x="3420483" y="692696"/>
+              <a:ext cx="71397" cy="288032"/>
+            </a:xfrm>
+            <a:prstGeom prst="rect">
+              <a:avLst/>
+            </a:prstGeom>
+            <a:noFill/>
+            <a:ln w="9525">
+              <a:solidFill>
+                <a:schemeClr val="tx1"/>
+              </a:solidFill>
+            </a:ln>
+          </p:spPr>
+          <p:style>
+            <a:lnRef idx="2">
+              <a:schemeClr val="accent1">
+                <a:shade val="50000"/>
+              </a:schemeClr>
+            </a:lnRef>
+            <a:fillRef idx="1">
+              <a:schemeClr val="accent1"/>
+            </a:fillRef>
+            <a:effectRef idx="0">
+              <a:schemeClr val="accent1"/>
+            </a:effectRef>
+            <a:fontRef idx="minor">
+              <a:schemeClr val="lt1"/>
+            </a:fontRef>
+          </p:style>
+          <p:txBody>
+            <a:bodyPr anchor="ctr"/>
+            <a:lstStyle/>
+            <a:p>
+              <a:pPr algn="ctr" fontAlgn="auto">
+                <a:spcBef>
+                  <a:spcPts val="0"/>
+                </a:spcBef>
+                <a:spcAft>
+                  <a:spcPts val="0"/>
+                </a:spcAft>
+                <a:defRPr/>
+              </a:pPr>
+              <a:endParaRPr lang="sv-SE" sz="1600"/>
+            </a:p>
+          </p:txBody>
+        </p:sp>
+      </p:grpSp>
+      <p:sp>
+        <p:nvSpPr>
+          <p:cNvPr id="18" name="Rectangle 17"/>
+          <p:cNvSpPr/>
+          <p:nvPr/>
+        </p:nvSpPr>
+        <p:spPr>
+          <a:xfrm>
+            <a:off x="6762802" y="1670739"/>
+            <a:ext cx="1284136" cy="576064"/>
+          </a:xfrm>
+          <a:prstGeom prst="rect">
+            <a:avLst/>
+          </a:prstGeom>
+        </p:spPr>
+        <p:style>
+          <a:lnRef idx="2">
+            <a:schemeClr val="accent1">
+              <a:shade val="50000"/>
+            </a:schemeClr>
+          </a:lnRef>
+          <a:fillRef idx="1">
+            <a:schemeClr val="accent1"/>
+          </a:fillRef>
+          <a:effectRef idx="0">
+            <a:schemeClr val="accent1"/>
+          </a:effectRef>
+          <a:fontRef idx="minor">
+            <a:schemeClr val="lt1"/>
+          </a:fontRef>
+        </p:style>
+        <p:txBody>
+          <a:bodyPr rtlCol="0" anchor="ctr"/>
+          <a:lstStyle/>
+          <a:p>
+            <a:pPr algn="ctr"/>
+            <a:r>
+              <a:rPr lang="sv-SE" sz="1600" dirty="0" smtClean="0"/>
+              <a:t>Aktivitet</a:t>
+            </a:r>
+            <a:endParaRPr lang="sv-SE" sz="1600" dirty="0"/>
+          </a:p>
+        </p:txBody>
+      </p:sp>
+      <p:sp>
+        <p:nvSpPr>
+          <p:cNvPr id="19" name="Rectangle 18"/>
+          <p:cNvSpPr/>
+          <p:nvPr/>
+        </p:nvSpPr>
+        <p:spPr>
+          <a:xfrm>
+            <a:off x="379182" y="1421743"/>
+            <a:ext cx="1284136" cy="576064"/>
+          </a:xfrm>
+          <a:prstGeom prst="rect">
+            <a:avLst/>
+          </a:prstGeom>
+        </p:spPr>
+        <p:style>
+          <a:lnRef idx="2">
+            <a:schemeClr val="accent1">
+              <a:shade val="50000"/>
+            </a:schemeClr>
+          </a:lnRef>
+          <a:fillRef idx="1">
+            <a:schemeClr val="accent1"/>
+          </a:fillRef>
+          <a:effectRef idx="0">
+            <a:schemeClr val="accent1"/>
+          </a:effectRef>
+          <a:fontRef idx="minor">
+            <a:schemeClr val="lt1"/>
+          </a:fontRef>
+        </p:style>
+        <p:txBody>
+          <a:bodyPr rtlCol="0" anchor="ctr"/>
+          <a:lstStyle/>
+          <a:p>
+            <a:pPr algn="ctr"/>
+            <a:r>
+              <a:rPr lang="sv-SE" sz="1600" dirty="0" smtClean="0"/>
+              <a:t>Kontakt</a:t>
+            </a:r>
+            <a:endParaRPr lang="sv-SE" sz="1600" dirty="0"/>
+          </a:p>
+        </p:txBody>
+      </p:sp>
+      <p:sp>
+        <p:nvSpPr>
+          <p:cNvPr id="20" name="Rectangle 19"/>
+          <p:cNvSpPr/>
+          <p:nvPr/>
+        </p:nvSpPr>
+        <p:spPr>
+          <a:xfrm>
+            <a:off x="379183" y="548680"/>
+            <a:ext cx="1284136" cy="576064"/>
+          </a:xfrm>
+          <a:prstGeom prst="rect">
+            <a:avLst/>
+          </a:prstGeom>
+        </p:spPr>
+        <p:style>
+          <a:lnRef idx="2">
+            <a:schemeClr val="accent1">
+              <a:shade val="50000"/>
+            </a:schemeClr>
+          </a:lnRef>
+          <a:fillRef idx="1">
+            <a:schemeClr val="accent1"/>
+          </a:fillRef>
+          <a:effectRef idx="0">
+            <a:schemeClr val="accent1"/>
+          </a:effectRef>
+          <a:fontRef idx="minor">
+            <a:schemeClr val="lt1"/>
+          </a:fontRef>
+        </p:style>
+        <p:txBody>
+          <a:bodyPr rtlCol="0" anchor="ctr"/>
+          <a:lstStyle/>
+          <a:p>
+            <a:pPr algn="ctr"/>
+            <a:r>
+              <a:rPr lang="sv-SE" sz="1600" dirty="0" smtClean="0"/>
+              <a:t>Kontakttyp</a:t>
+            </a:r>
+            <a:endParaRPr lang="sv-SE" sz="1600" dirty="0"/>
+          </a:p>
+        </p:txBody>
+      </p:sp>
+      <p:sp>
+        <p:nvSpPr>
+          <p:cNvPr id="21" name="Rectangle 20"/>
+          <p:cNvSpPr/>
+          <p:nvPr/>
+        </p:nvSpPr>
+        <p:spPr>
+          <a:xfrm>
+            <a:off x="2140229" y="541495"/>
+            <a:ext cx="1284136" cy="576064"/>
+          </a:xfrm>
+          <a:prstGeom prst="rect">
+            <a:avLst/>
+          </a:prstGeom>
+        </p:spPr>
+        <p:style>
+          <a:lnRef idx="2">
+            <a:schemeClr val="accent1">
+              <a:shade val="50000"/>
+            </a:schemeClr>
+          </a:lnRef>
+          <a:fillRef idx="1">
+            <a:schemeClr val="accent1"/>
+          </a:fillRef>
+          <a:effectRef idx="0">
+            <a:schemeClr val="accent1"/>
+          </a:effectRef>
+          <a:fontRef idx="minor">
+            <a:schemeClr val="lt1"/>
+          </a:fontRef>
+        </p:style>
+        <p:txBody>
+          <a:bodyPr rtlCol="0" anchor="ctr"/>
+          <a:lstStyle/>
+          <a:p>
+            <a:pPr algn="ctr"/>
+            <a:r>
+              <a:rPr lang="sv-SE" sz="1600" dirty="0" smtClean="0"/>
+              <a:t>Befattning</a:t>
+            </a:r>
+            <a:endParaRPr lang="sv-SE" sz="1600" dirty="0"/>
+          </a:p>
+        </p:txBody>
+      </p:sp>
+      <p:grpSp>
+        <p:nvGrpSpPr>
+          <p:cNvPr id="22" name="Grupp 7"/>
+          <p:cNvGrpSpPr>
+            <a:grpSpLocks/>
+          </p:cNvGrpSpPr>
+          <p:nvPr/>
+        </p:nvGrpSpPr>
+        <p:grpSpPr bwMode="auto">
+          <a:xfrm rot="5400000">
+            <a:off x="1919197" y="2820017"/>
+            <a:ext cx="1933345" cy="288925"/>
+            <a:chOff x="1227908" y="692696"/>
+            <a:chExt cx="2263972" cy="288032"/>
+          </a:xfrm>
+        </p:grpSpPr>
+        <p:cxnSp>
+          <p:nvCxnSpPr>
+            <p:cNvPr id="23" name="Rak 5"/>
+            <p:cNvCxnSpPr/>
+            <p:nvPr/>
+          </p:nvCxnSpPr>
+          <p:spPr>
+            <a:xfrm rot="16200000">
+              <a:off x="2355114" y="-300677"/>
+              <a:ext cx="0" cy="2254412"/>
+            </a:xfrm>
+            <a:prstGeom prst="line">
+              <a:avLst/>
+            </a:prstGeom>
+            <a:ln w="9525">
+              <a:solidFill>
+                <a:schemeClr val="tx1"/>
+              </a:solidFill>
+            </a:ln>
+          </p:spPr>
+          <p:style>
+            <a:lnRef idx="1">
+              <a:schemeClr val="accent1"/>
+            </a:lnRef>
+            <a:fillRef idx="0">
+              <a:schemeClr val="accent1"/>
+            </a:fillRef>
+            <a:effectRef idx="0">
+              <a:schemeClr val="accent1"/>
+            </a:effectRef>
+            <a:fontRef idx="minor">
+              <a:schemeClr val="tx1"/>
+            </a:fontRef>
+          </p:style>
+        </p:cxnSp>
+        <p:sp>
+          <p:nvSpPr>
+            <p:cNvPr id="24" name="Rektangel 6"/>
+            <p:cNvSpPr/>
+            <p:nvPr/>
+          </p:nvSpPr>
+          <p:spPr>
+            <a:xfrm>
+              <a:off x="3420483" y="692696"/>
+              <a:ext cx="71397" cy="288032"/>
+            </a:xfrm>
+            <a:prstGeom prst="rect">
+              <a:avLst/>
+            </a:prstGeom>
+            <a:noFill/>
+            <a:ln w="9525">
+              <a:solidFill>
+                <a:schemeClr val="tx1"/>
+              </a:solidFill>
+            </a:ln>
+          </p:spPr>
+          <p:style>
+            <a:lnRef idx="2">
+              <a:schemeClr val="accent1">
+                <a:shade val="50000"/>
+              </a:schemeClr>
+            </a:lnRef>
+            <a:fillRef idx="1">
+              <a:schemeClr val="accent1"/>
+            </a:fillRef>
+            <a:effectRef idx="0">
+              <a:schemeClr val="accent1"/>
+            </a:effectRef>
+            <a:fontRef idx="minor">
+              <a:schemeClr val="lt1"/>
+            </a:fontRef>
+          </p:style>
+          <p:txBody>
+            <a:bodyPr anchor="ctr"/>
+            <a:lstStyle/>
+            <a:p>
+              <a:pPr algn="ctr" fontAlgn="auto">
+                <a:spcBef>
+                  <a:spcPts val="0"/>
+                </a:spcBef>
+                <a:spcAft>
+                  <a:spcPts val="0"/>
+                </a:spcAft>
+                <a:defRPr/>
+              </a:pPr>
+              <a:endParaRPr lang="sv-SE" sz="1600"/>
+            </a:p>
+          </p:txBody>
+        </p:sp>
+      </p:grpSp>
+      <p:grpSp>
+        <p:nvGrpSpPr>
+          <p:cNvPr id="25" name="Grupp 7"/>
+          <p:cNvGrpSpPr>
+            <a:grpSpLocks/>
+          </p:cNvGrpSpPr>
+          <p:nvPr/>
+        </p:nvGrpSpPr>
+        <p:grpSpPr bwMode="auto">
+          <a:xfrm rot="10800000">
+            <a:off x="3503695" y="4066557"/>
+            <a:ext cx="853971" cy="288925"/>
+            <a:chOff x="2555776" y="692696"/>
+            <a:chExt cx="936104" cy="288032"/>
+          </a:xfrm>
+        </p:grpSpPr>
+        <p:cxnSp>
+          <p:nvCxnSpPr>
+            <p:cNvPr id="26" name="Rak 5"/>
+            <p:cNvCxnSpPr/>
+            <p:nvPr/>
+          </p:nvCxnSpPr>
+          <p:spPr>
+            <a:xfrm>
+              <a:off x="2555776" y="836712"/>
+              <a:ext cx="936104" cy="0"/>
+            </a:xfrm>
+            <a:prstGeom prst="line">
+              <a:avLst/>
+            </a:prstGeom>
+            <a:ln w="9525">
+              <a:solidFill>
+                <a:schemeClr val="tx1"/>
+              </a:solidFill>
+            </a:ln>
+          </p:spPr>
+          <p:style>
+            <a:lnRef idx="1">
+              <a:schemeClr val="accent1"/>
+            </a:lnRef>
+            <a:fillRef idx="0">
+              <a:schemeClr val="accent1"/>
+            </a:fillRef>
+            <a:effectRef idx="0">
+              <a:schemeClr val="accent1"/>
+            </a:effectRef>
+            <a:fontRef idx="minor">
+              <a:schemeClr val="tx1"/>
+            </a:fontRef>
+          </p:style>
+        </p:cxnSp>
+        <p:sp>
+          <p:nvSpPr>
+            <p:cNvPr id="27" name="Rektangel 6"/>
+            <p:cNvSpPr/>
+            <p:nvPr/>
+          </p:nvSpPr>
+          <p:spPr>
+            <a:xfrm>
+              <a:off x="3420483" y="692696"/>
+              <a:ext cx="71397" cy="288032"/>
+            </a:xfrm>
+            <a:prstGeom prst="rect">
+              <a:avLst/>
+            </a:prstGeom>
+            <a:noFill/>
+            <a:ln w="9525">
+              <a:solidFill>
+                <a:schemeClr val="tx1"/>
+              </a:solidFill>
+            </a:ln>
+          </p:spPr>
+          <p:style>
+            <a:lnRef idx="2">
+              <a:schemeClr val="accent1">
+                <a:shade val="50000"/>
+              </a:schemeClr>
+            </a:lnRef>
+            <a:fillRef idx="1">
+              <a:schemeClr val="accent1"/>
+            </a:fillRef>
+            <a:effectRef idx="0">
+              <a:schemeClr val="accent1"/>
+            </a:effectRef>
+            <a:fontRef idx="minor">
+              <a:schemeClr val="lt1"/>
+            </a:fontRef>
+          </p:style>
+          <p:txBody>
+            <a:bodyPr anchor="ctr"/>
+            <a:lstStyle/>
+            <a:p>
+              <a:pPr algn="ctr" fontAlgn="auto">
+                <a:spcBef>
+                  <a:spcPts val="0"/>
+                </a:spcBef>
+                <a:spcAft>
+                  <a:spcPts val="0"/>
+                </a:spcAft>
+                <a:defRPr/>
+              </a:pPr>
+              <a:endParaRPr lang="sv-SE" sz="1600"/>
+            </a:p>
+          </p:txBody>
+        </p:sp>
+      </p:grpSp>
+      <p:sp>
+        <p:nvSpPr>
+          <p:cNvPr id="28" name="Rectangle 27"/>
+          <p:cNvSpPr/>
+          <p:nvPr/>
+        </p:nvSpPr>
+        <p:spPr>
+          <a:xfrm>
+            <a:off x="2543725" y="1416012"/>
+            <a:ext cx="1284136" cy="576064"/>
+          </a:xfrm>
+          <a:prstGeom prst="rect">
+            <a:avLst/>
+          </a:prstGeom>
+        </p:spPr>
+        <p:style>
+          <a:lnRef idx="2">
+            <a:schemeClr val="accent1">
+              <a:shade val="50000"/>
+            </a:schemeClr>
+          </a:lnRef>
+          <a:fillRef idx="1">
+            <a:schemeClr val="accent1"/>
+          </a:fillRef>
+          <a:effectRef idx="0">
+            <a:schemeClr val="accent1"/>
+          </a:effectRef>
+          <a:fontRef idx="minor">
+            <a:schemeClr val="lt1"/>
+          </a:fontRef>
+        </p:style>
+        <p:txBody>
+          <a:bodyPr rtlCol="0" anchor="ctr"/>
+          <a:lstStyle/>
+          <a:p>
+            <a:pPr algn="ctr"/>
+            <a:r>
+              <a:rPr lang="sv-SE" sz="1600" dirty="0" smtClean="0"/>
+              <a:t>Medlem</a:t>
+            </a:r>
+            <a:endParaRPr lang="sv-SE" sz="1600" dirty="0"/>
+          </a:p>
+        </p:txBody>
+      </p:sp>
+      <p:sp>
+        <p:nvSpPr>
+          <p:cNvPr id="29" name="Rectangle 28"/>
+          <p:cNvSpPr/>
+          <p:nvPr/>
+        </p:nvSpPr>
+        <p:spPr>
+          <a:xfrm>
+            <a:off x="4187036" y="3905844"/>
+            <a:ext cx="1284136" cy="576064"/>
+          </a:xfrm>
+          <a:prstGeom prst="rect">
+            <a:avLst/>
+          </a:prstGeom>
+        </p:spPr>
+        <p:style>
+          <a:lnRef idx="2">
+            <a:schemeClr val="accent1">
+              <a:shade val="50000"/>
+            </a:schemeClr>
+          </a:lnRef>
+          <a:fillRef idx="1">
+            <a:schemeClr val="accent1"/>
+          </a:fillRef>
+          <a:effectRef idx="0">
+            <a:schemeClr val="accent1"/>
+          </a:effectRef>
+          <a:fontRef idx="minor">
+            <a:schemeClr val="lt1"/>
+          </a:fontRef>
+        </p:style>
+        <p:txBody>
+          <a:bodyPr rtlCol="0" anchor="ctr"/>
+          <a:lstStyle/>
+          <a:p>
+            <a:pPr algn="ctr"/>
+            <a:r>
+              <a:rPr lang="sv-SE" sz="1600" dirty="0" smtClean="0"/>
+              <a:t>Resa</a:t>
+            </a:r>
+            <a:endParaRPr lang="sv-SE" sz="1600" dirty="0"/>
+          </a:p>
+        </p:txBody>
+      </p:sp>
+      <p:sp>
+        <p:nvSpPr>
+          <p:cNvPr id="30" name="Rectangle 29"/>
+          <p:cNvSpPr/>
+          <p:nvPr/>
+        </p:nvSpPr>
+        <p:spPr>
+          <a:xfrm>
+            <a:off x="4647420" y="1678495"/>
+            <a:ext cx="1284136" cy="576064"/>
+          </a:xfrm>
+          <a:prstGeom prst="rect">
+            <a:avLst/>
+          </a:prstGeom>
+        </p:spPr>
+        <p:style>
+          <a:lnRef idx="2">
+            <a:schemeClr val="accent1">
+              <a:shade val="50000"/>
+            </a:schemeClr>
+          </a:lnRef>
+          <a:fillRef idx="1">
+            <a:schemeClr val="accent1"/>
+          </a:fillRef>
+          <a:effectRef idx="0">
+            <a:schemeClr val="accent1"/>
+          </a:effectRef>
+          <a:fontRef idx="minor">
+            <a:schemeClr val="lt1"/>
+          </a:fontRef>
+        </p:style>
+        <p:txBody>
+          <a:bodyPr rtlCol="0" anchor="ctr"/>
+          <a:lstStyle/>
+          <a:p>
+            <a:pPr algn="ctr"/>
+            <a:r>
+              <a:rPr lang="sv-SE" sz="1600" dirty="0" smtClean="0"/>
+              <a:t>Medlemsak-tivitet</a:t>
+            </a:r>
+            <a:endParaRPr lang="sv-SE" sz="1600" dirty="0"/>
+          </a:p>
+        </p:txBody>
+      </p:sp>
+      <p:sp>
+        <p:nvSpPr>
+          <p:cNvPr id="31" name="Rectangle 30"/>
+          <p:cNvSpPr/>
+          <p:nvPr/>
+        </p:nvSpPr>
+        <p:spPr>
+          <a:xfrm>
+            <a:off x="2243802" y="3922988"/>
+            <a:ext cx="1284136" cy="576064"/>
+          </a:xfrm>
+          <a:prstGeom prst="rect">
+            <a:avLst/>
+          </a:prstGeom>
+        </p:spPr>
+        <p:style>
+          <a:lnRef idx="2">
+            <a:schemeClr val="accent1">
+              <a:shade val="50000"/>
+            </a:schemeClr>
+          </a:lnRef>
+          <a:fillRef idx="1">
+            <a:schemeClr val="accent1"/>
+          </a:fillRef>
+          <a:effectRef idx="0">
+            <a:schemeClr val="accent1"/>
+          </a:effectRef>
+          <a:fontRef idx="minor">
+            <a:schemeClr val="lt1"/>
+          </a:fontRef>
+        </p:style>
+        <p:txBody>
+          <a:bodyPr rtlCol="0" anchor="ctr"/>
+          <a:lstStyle/>
+          <a:p>
+            <a:pPr algn="ctr"/>
+            <a:r>
+              <a:rPr lang="sv-SE" sz="1600" dirty="0" smtClean="0"/>
+              <a:t>Medlemsre-sa</a:t>
+            </a:r>
+            <a:endParaRPr lang="sv-SE" sz="1600" dirty="0"/>
+          </a:p>
+        </p:txBody>
+      </p:sp>
+      <p:grpSp>
+        <p:nvGrpSpPr>
+          <p:cNvPr id="32" name="Grupp 7"/>
+          <p:cNvGrpSpPr>
+            <a:grpSpLocks/>
+          </p:cNvGrpSpPr>
+          <p:nvPr/>
+        </p:nvGrpSpPr>
+        <p:grpSpPr bwMode="auto">
+          <a:xfrm>
+            <a:off x="3554999" y="626037"/>
+            <a:ext cx="1088460" cy="288925"/>
+            <a:chOff x="2298734" y="692696"/>
+            <a:chExt cx="1193146" cy="288032"/>
+          </a:xfrm>
+        </p:grpSpPr>
+        <p:cxnSp>
+          <p:nvCxnSpPr>
+            <p:cNvPr id="33" name="Rak 5"/>
+            <p:cNvCxnSpPr/>
+            <p:nvPr/>
+          </p:nvCxnSpPr>
+          <p:spPr>
+            <a:xfrm>
+              <a:off x="2298734" y="836712"/>
+              <a:ext cx="1193146" cy="1"/>
+            </a:xfrm>
+            <a:prstGeom prst="line">
+              <a:avLst/>
+            </a:prstGeom>
+            <a:ln w="9525">
+              <a:solidFill>
+                <a:schemeClr val="tx1"/>
+              </a:solidFill>
+            </a:ln>
+          </p:spPr>
+          <p:style>
+            <a:lnRef idx="1">
+              <a:schemeClr val="accent1"/>
+            </a:lnRef>
+            <a:fillRef idx="0">
+              <a:schemeClr val="accent1"/>
+            </a:fillRef>
+            <a:effectRef idx="0">
+              <a:schemeClr val="accent1"/>
+            </a:effectRef>
+            <a:fontRef idx="minor">
+              <a:schemeClr val="tx1"/>
+            </a:fontRef>
+          </p:style>
+        </p:cxnSp>
+        <p:sp>
+          <p:nvSpPr>
+            <p:cNvPr id="34" name="Rektangel 6"/>
+            <p:cNvSpPr/>
+            <p:nvPr/>
+          </p:nvSpPr>
+          <p:spPr>
+            <a:xfrm>
+              <a:off x="3420483" y="692696"/>
+              <a:ext cx="71397" cy="288032"/>
+            </a:xfrm>
+            <a:prstGeom prst="rect">
+              <a:avLst/>
+            </a:prstGeom>
+            <a:noFill/>
+            <a:ln w="9525">
+              <a:solidFill>
+                <a:schemeClr val="tx1"/>
+              </a:solidFill>
+            </a:ln>
+          </p:spPr>
+          <p:style>
+            <a:lnRef idx="2">
+              <a:schemeClr val="accent1">
+                <a:shade val="50000"/>
+              </a:schemeClr>
+            </a:lnRef>
+            <a:fillRef idx="1">
+              <a:schemeClr val="accent1"/>
+            </a:fillRef>
+            <a:effectRef idx="0">
+              <a:schemeClr val="accent1"/>
+            </a:effectRef>
+            <a:fontRef idx="minor">
+              <a:schemeClr val="lt1"/>
+            </a:fontRef>
+          </p:style>
+          <p:txBody>
+            <a:bodyPr anchor="ctr"/>
+            <a:lstStyle/>
+            <a:p>
+              <a:pPr algn="ctr" fontAlgn="auto">
+                <a:spcBef>
+                  <a:spcPts val="0"/>
+                </a:spcBef>
+                <a:spcAft>
+                  <a:spcPts val="0"/>
+                </a:spcAft>
+                <a:defRPr/>
+              </a:pPr>
+              <a:endParaRPr lang="sv-SE" sz="1600"/>
+            </a:p>
+          </p:txBody>
+        </p:sp>
+      </p:grpSp>
+      <p:grpSp>
+        <p:nvGrpSpPr>
+          <p:cNvPr id="35" name="Grupp 7"/>
+          <p:cNvGrpSpPr>
+            <a:grpSpLocks/>
+          </p:cNvGrpSpPr>
+          <p:nvPr/>
+        </p:nvGrpSpPr>
+        <p:grpSpPr bwMode="auto">
+          <a:xfrm rot="10800000">
+            <a:off x="5917455" y="642632"/>
+            <a:ext cx="1487415" cy="288925"/>
+            <a:chOff x="1861409" y="692696"/>
+            <a:chExt cx="1630471" cy="288032"/>
+          </a:xfrm>
+        </p:grpSpPr>
+        <p:cxnSp>
+          <p:nvCxnSpPr>
+            <p:cNvPr id="36" name="Rak 5"/>
+            <p:cNvCxnSpPr/>
+            <p:nvPr/>
+          </p:nvCxnSpPr>
+          <p:spPr>
+            <a:xfrm rot="10800000" flipH="1">
+              <a:off x="1861409" y="836712"/>
+              <a:ext cx="1630470" cy="1"/>
+            </a:xfrm>
+            <a:prstGeom prst="line">
+              <a:avLst/>
+            </a:prstGeom>
+            <a:ln w="9525">
+              <a:solidFill>
+                <a:schemeClr val="tx1"/>
+              </a:solidFill>
+            </a:ln>
+          </p:spPr>
+          <p:style>
+            <a:lnRef idx="1">
+              <a:schemeClr val="accent1"/>
+            </a:lnRef>
+            <a:fillRef idx="0">
+              <a:schemeClr val="accent1"/>
+            </a:fillRef>
+            <a:effectRef idx="0">
+              <a:schemeClr val="accent1"/>
+            </a:effectRef>
+            <a:fontRef idx="minor">
+              <a:schemeClr val="tx1"/>
+            </a:fontRef>
+          </p:style>
+        </p:cxnSp>
+        <p:sp>
+          <p:nvSpPr>
+            <p:cNvPr id="37" name="Rektangel 6"/>
+            <p:cNvSpPr/>
+            <p:nvPr/>
+          </p:nvSpPr>
+          <p:spPr>
+            <a:xfrm>
+              <a:off x="3420483" y="692696"/>
+              <a:ext cx="71397" cy="288032"/>
+            </a:xfrm>
+            <a:prstGeom prst="rect">
+              <a:avLst/>
+            </a:prstGeom>
+            <a:noFill/>
+            <a:ln w="9525">
+              <a:solidFill>
+                <a:schemeClr val="tx1"/>
+              </a:solidFill>
+            </a:ln>
+          </p:spPr>
+          <p:style>
+            <a:lnRef idx="2">
+              <a:schemeClr val="accent1">
+                <a:shade val="50000"/>
+              </a:schemeClr>
+            </a:lnRef>
+            <a:fillRef idx="1">
+              <a:schemeClr val="accent1"/>
+            </a:fillRef>
+            <a:effectRef idx="0">
+              <a:schemeClr val="accent1"/>
+            </a:effectRef>
+            <a:fontRef idx="minor">
+              <a:schemeClr val="lt1"/>
+            </a:fontRef>
+          </p:style>
+          <p:txBody>
+            <a:bodyPr anchor="ctr"/>
+            <a:lstStyle/>
+            <a:p>
+              <a:pPr algn="ctr" fontAlgn="auto">
+                <a:spcBef>
+                  <a:spcPts val="0"/>
+                </a:spcBef>
+                <a:spcAft>
+                  <a:spcPts val="0"/>
+                </a:spcAft>
+                <a:defRPr/>
+              </a:pPr>
+              <a:endParaRPr lang="sv-SE" sz="1600"/>
+            </a:p>
+          </p:txBody>
+        </p:sp>
+      </p:grpSp>
+      <p:sp>
+        <p:nvSpPr>
+          <p:cNvPr id="39" name="Rectangle 38"/>
+          <p:cNvSpPr/>
+          <p:nvPr/>
+        </p:nvSpPr>
+        <p:spPr>
+          <a:xfrm>
+            <a:off x="4633319" y="524202"/>
+            <a:ext cx="1284136" cy="576064"/>
+          </a:xfrm>
+          <a:prstGeom prst="rect">
+            <a:avLst/>
+          </a:prstGeom>
+        </p:spPr>
+        <p:style>
+          <a:lnRef idx="2">
+            <a:schemeClr val="accent1">
+              <a:shade val="50000"/>
+            </a:schemeClr>
+          </a:lnRef>
+          <a:fillRef idx="1">
+            <a:schemeClr val="accent1"/>
+          </a:fillRef>
+          <a:effectRef idx="0">
+            <a:schemeClr val="accent1"/>
+          </a:effectRef>
+          <a:fontRef idx="minor">
+            <a:schemeClr val="lt1"/>
+          </a:fontRef>
+        </p:style>
+        <p:txBody>
+          <a:bodyPr rtlCol="0" anchor="ctr"/>
+          <a:lstStyle/>
+          <a:p>
+            <a:pPr algn="ctr"/>
+            <a:r>
+              <a:rPr lang="sv-SE" sz="1600" dirty="0" err="1" smtClean="0"/>
+              <a:t>Medlemsak-tivitetH</a:t>
+            </a:r>
+            <a:endParaRPr lang="sv-SE" sz="1600" dirty="0"/>
+          </a:p>
+        </p:txBody>
+      </p:sp>
+      <p:cxnSp>
+        <p:nvCxnSpPr>
+          <p:cNvPr id="40" name="Rak 5"/>
+          <p:cNvCxnSpPr/>
+          <p:nvPr/>
+        </p:nvCxnSpPr>
+        <p:spPr bwMode="auto">
+          <a:xfrm flipV="1">
+            <a:off x="3555000" y="778257"/>
+            <a:ext cx="0" cy="635352"/>
+          </a:xfrm>
+          <a:prstGeom prst="line">
+            <a:avLst/>
+          </a:prstGeom>
+          <a:ln w="9525">
+            <a:solidFill>
+              <a:schemeClr val="tx1"/>
+            </a:solidFill>
+          </a:ln>
+        </p:spPr>
+        <p:style>
+          <a:lnRef idx="1">
+            <a:schemeClr val="accent1"/>
+          </a:lnRef>
+          <a:fillRef idx="0">
+            <a:schemeClr val="accent1"/>
+          </a:fillRef>
+          <a:effectRef idx="0">
+            <a:schemeClr val="accent1"/>
+          </a:effectRef>
+          <a:fontRef idx="minor">
+            <a:schemeClr val="tx1"/>
+          </a:fontRef>
+        </p:style>
+      </p:cxnSp>
+      <p:cxnSp>
+        <p:nvCxnSpPr>
+          <p:cNvPr id="47" name="Rak 5"/>
+          <p:cNvCxnSpPr/>
+          <p:nvPr/>
+        </p:nvCxnSpPr>
+        <p:spPr bwMode="auto">
+          <a:xfrm flipH="1" flipV="1">
+            <a:off x="7404870" y="787094"/>
+            <a:ext cx="214" cy="871301"/>
+          </a:xfrm>
+          <a:prstGeom prst="line">
+            <a:avLst/>
+          </a:prstGeom>
+          <a:ln w="9525">
+            <a:solidFill>
+              <a:schemeClr val="tx1"/>
+            </a:solidFill>
+          </a:ln>
+        </p:spPr>
+        <p:style>
+          <a:lnRef idx="1">
+            <a:schemeClr val="accent1"/>
+          </a:lnRef>
+          <a:fillRef idx="0">
+            <a:schemeClr val="accent1"/>
+          </a:fillRef>
+          <a:effectRef idx="0">
+            <a:schemeClr val="accent1"/>
+          </a:effectRef>
+          <a:fontRef idx="minor">
+            <a:schemeClr val="tx1"/>
+          </a:fontRef>
+        </p:style>
+      </p:cxnSp>
+      <p:grpSp>
+        <p:nvGrpSpPr>
+          <p:cNvPr id="59" name="Grupp 7"/>
+          <p:cNvGrpSpPr>
+            <a:grpSpLocks/>
+          </p:cNvGrpSpPr>
+          <p:nvPr/>
+        </p:nvGrpSpPr>
+        <p:grpSpPr bwMode="auto">
+          <a:xfrm rot="16200000">
+            <a:off x="4533994" y="3461093"/>
+            <a:ext cx="590219" cy="288925"/>
+            <a:chOff x="2555776" y="692696"/>
+            <a:chExt cx="936104" cy="288032"/>
+          </a:xfrm>
+        </p:grpSpPr>
+        <p:cxnSp>
+          <p:nvCxnSpPr>
+            <p:cNvPr id="60" name="Rak 5"/>
+            <p:cNvCxnSpPr/>
+            <p:nvPr/>
+          </p:nvCxnSpPr>
+          <p:spPr>
+            <a:xfrm>
+              <a:off x="2555776" y="836712"/>
+              <a:ext cx="936104" cy="0"/>
+            </a:xfrm>
+            <a:prstGeom prst="line">
+              <a:avLst/>
+            </a:prstGeom>
+            <a:ln w="9525">
+              <a:solidFill>
+                <a:schemeClr val="tx1"/>
+              </a:solidFill>
+            </a:ln>
+          </p:spPr>
+          <p:style>
+            <a:lnRef idx="1">
+              <a:schemeClr val="accent1"/>
+            </a:lnRef>
+            <a:fillRef idx="0">
+              <a:schemeClr val="accent1"/>
+            </a:fillRef>
+            <a:effectRef idx="0">
+              <a:schemeClr val="accent1"/>
+            </a:effectRef>
+            <a:fontRef idx="minor">
+              <a:schemeClr val="tx1"/>
+            </a:fontRef>
+          </p:style>
+        </p:cxnSp>
+        <p:sp>
+          <p:nvSpPr>
+            <p:cNvPr id="61" name="Rektangel 6"/>
+            <p:cNvSpPr/>
+            <p:nvPr/>
+          </p:nvSpPr>
+          <p:spPr>
+            <a:xfrm>
+              <a:off x="3420483" y="692696"/>
+              <a:ext cx="71397" cy="288032"/>
+            </a:xfrm>
+            <a:prstGeom prst="rect">
+              <a:avLst/>
+            </a:prstGeom>
+            <a:noFill/>
+            <a:ln w="9525">
+              <a:solidFill>
+                <a:schemeClr val="tx1"/>
+              </a:solidFill>
+            </a:ln>
+          </p:spPr>
+          <p:style>
+            <a:lnRef idx="2">
+              <a:schemeClr val="accent1">
+                <a:shade val="50000"/>
+              </a:schemeClr>
+            </a:lnRef>
+            <a:fillRef idx="1">
+              <a:schemeClr val="accent1"/>
+            </a:fillRef>
+            <a:effectRef idx="0">
+              <a:schemeClr val="accent1"/>
+            </a:effectRef>
+            <a:fontRef idx="minor">
+              <a:schemeClr val="lt1"/>
+            </a:fontRef>
+          </p:style>
+          <p:txBody>
+            <a:bodyPr anchor="ctr"/>
+            <a:lstStyle/>
+            <a:p>
+              <a:pPr algn="ctr" fontAlgn="auto">
+                <a:spcBef>
+                  <a:spcPts val="0"/>
+                </a:spcBef>
+                <a:spcAft>
+                  <a:spcPts val="0"/>
+                </a:spcAft>
+                <a:defRPr/>
+              </a:pPr>
+              <a:endParaRPr lang="sv-SE" sz="1600"/>
+            </a:p>
+          </p:txBody>
+        </p:sp>
+      </p:grpSp>
+      <p:sp>
+        <p:nvSpPr>
+          <p:cNvPr id="62" name="Rectangle 61"/>
+          <p:cNvSpPr/>
+          <p:nvPr/>
+        </p:nvSpPr>
+        <p:spPr>
+          <a:xfrm>
+            <a:off x="4202957" y="2740968"/>
+            <a:ext cx="1284136" cy="576064"/>
+          </a:xfrm>
+          <a:prstGeom prst="rect">
+            <a:avLst/>
+          </a:prstGeom>
+        </p:spPr>
+        <p:style>
+          <a:lnRef idx="2">
+            <a:schemeClr val="accent1">
+              <a:shade val="50000"/>
+            </a:schemeClr>
+          </a:lnRef>
+          <a:fillRef idx="1">
+            <a:schemeClr val="accent1"/>
+          </a:fillRef>
+          <a:effectRef idx="0">
+            <a:schemeClr val="accent1"/>
+          </a:effectRef>
+          <a:fontRef idx="minor">
+            <a:schemeClr val="lt1"/>
+          </a:fontRef>
+        </p:style>
+        <p:txBody>
+          <a:bodyPr rtlCol="0" anchor="ctr"/>
+          <a:lstStyle/>
+          <a:p>
+            <a:pPr algn="ctr"/>
+            <a:r>
+              <a:rPr lang="sv-SE" sz="1600" dirty="0" err="1" smtClean="0"/>
+              <a:t>Medlemsre-saH</a:t>
+            </a:r>
+            <a:endParaRPr lang="sv-SE" sz="1600" dirty="0"/>
+          </a:p>
+        </p:txBody>
+      </p:sp>
+      <p:grpSp>
+        <p:nvGrpSpPr>
+          <p:cNvPr id="63" name="Grupp 7"/>
+          <p:cNvGrpSpPr>
+            <a:grpSpLocks/>
+          </p:cNvGrpSpPr>
+          <p:nvPr/>
+        </p:nvGrpSpPr>
+        <p:grpSpPr bwMode="auto">
+          <a:xfrm>
+            <a:off x="3333065" y="2884537"/>
+            <a:ext cx="853971" cy="288925"/>
+            <a:chOff x="2555776" y="692696"/>
+            <a:chExt cx="936104" cy="288032"/>
+          </a:xfrm>
+        </p:grpSpPr>
+        <p:cxnSp>
+          <p:nvCxnSpPr>
+            <p:cNvPr id="64" name="Rak 5"/>
+            <p:cNvCxnSpPr/>
+            <p:nvPr/>
+          </p:nvCxnSpPr>
+          <p:spPr>
+            <a:xfrm>
+              <a:off x="2555776" y="836712"/>
+              <a:ext cx="936104" cy="0"/>
+            </a:xfrm>
+            <a:prstGeom prst="line">
+              <a:avLst/>
+            </a:prstGeom>
+            <a:ln w="9525">
+              <a:solidFill>
+                <a:schemeClr val="tx1"/>
+              </a:solidFill>
+            </a:ln>
+          </p:spPr>
+          <p:style>
+            <a:lnRef idx="1">
+              <a:schemeClr val="accent1"/>
+            </a:lnRef>
+            <a:fillRef idx="0">
+              <a:schemeClr val="accent1"/>
+            </a:fillRef>
+            <a:effectRef idx="0">
+              <a:schemeClr val="accent1"/>
+            </a:effectRef>
+            <a:fontRef idx="minor">
+              <a:schemeClr val="tx1"/>
+            </a:fontRef>
+          </p:style>
+        </p:cxnSp>
+        <p:sp>
+          <p:nvSpPr>
+            <p:cNvPr id="65" name="Rektangel 6"/>
+            <p:cNvSpPr/>
+            <p:nvPr/>
+          </p:nvSpPr>
+          <p:spPr>
+            <a:xfrm>
+              <a:off x="3420483" y="692696"/>
+              <a:ext cx="71397" cy="288032"/>
+            </a:xfrm>
+            <a:prstGeom prst="rect">
+              <a:avLst/>
+            </a:prstGeom>
+            <a:noFill/>
+            <a:ln w="9525">
+              <a:solidFill>
+                <a:schemeClr val="tx1"/>
+              </a:solidFill>
+            </a:ln>
+          </p:spPr>
+          <p:style>
+            <a:lnRef idx="2">
+              <a:schemeClr val="accent1">
+                <a:shade val="50000"/>
+              </a:schemeClr>
+            </a:lnRef>
+            <a:fillRef idx="1">
+              <a:schemeClr val="accent1"/>
+            </a:fillRef>
+            <a:effectRef idx="0">
+              <a:schemeClr val="accent1"/>
+            </a:effectRef>
+            <a:fontRef idx="minor">
+              <a:schemeClr val="lt1"/>
+            </a:fontRef>
+          </p:style>
+          <p:txBody>
+            <a:bodyPr anchor="ctr"/>
+            <a:lstStyle/>
+            <a:p>
+              <a:pPr algn="ctr" fontAlgn="auto">
+                <a:spcBef>
+                  <a:spcPts val="0"/>
+                </a:spcBef>
+                <a:spcAft>
+                  <a:spcPts val="0"/>
+                </a:spcAft>
+                <a:defRPr/>
+              </a:pPr>
+              <a:endParaRPr lang="sv-SE" sz="1600"/>
+            </a:p>
+          </p:txBody>
+        </p:sp>
+      </p:grpSp>
+      <p:cxnSp>
+        <p:nvCxnSpPr>
+          <p:cNvPr id="66" name="Rak 5"/>
+          <p:cNvCxnSpPr/>
+          <p:nvPr/>
+        </p:nvCxnSpPr>
+        <p:spPr bwMode="auto">
+          <a:xfrm>
+            <a:off x="3333065" y="1997807"/>
+            <a:ext cx="0" cy="1031192"/>
+          </a:xfrm>
+          <a:prstGeom prst="line">
+            <a:avLst/>
+          </a:prstGeom>
+          <a:ln w="9525">
+            <a:solidFill>
+              <a:schemeClr val="tx1"/>
+            </a:solidFill>
+          </a:ln>
+        </p:spPr>
+        <p:style>
+          <a:lnRef idx="1">
+            <a:schemeClr val="accent1"/>
+          </a:lnRef>
+          <a:fillRef idx="0">
+            <a:schemeClr val="accent1"/>
+          </a:fillRef>
+          <a:effectRef idx="0">
+            <a:schemeClr val="accent1"/>
+          </a:effectRef>
+          <a:fontRef idx="minor">
+            <a:schemeClr val="tx1"/>
+          </a:fontRef>
+        </p:style>
+      </p:cxnSp>
+      <p:sp>
+        <p:nvSpPr>
+          <p:cNvPr id="69" name="TextBox 68"/>
+          <p:cNvSpPr txBox="1"/>
+          <p:nvPr/>
+        </p:nvSpPr>
+        <p:spPr>
+          <a:xfrm>
+            <a:off x="194029" y="4653136"/>
+            <a:ext cx="7920880" cy="1200329"/>
+          </a:xfrm>
+          <a:prstGeom prst="rect">
+            <a:avLst/>
+          </a:prstGeom>
+          <a:noFill/>
+        </p:spPr>
+        <p:txBody>
+          <a:bodyPr wrap="square" rtlCol="0">
+            <a:spAutoFit/>
+          </a:bodyPr>
+          <a:lstStyle/>
+          <a:p>
+            <a:r>
+              <a:rPr lang="sv-SE" dirty="0" smtClean="0"/>
+              <a:t>Det är tänkt att man rensar data från medlemsresor &amp; medlemsaktivitet med 5 års mellanrum då dessa två tabeller utgör två av de fyra största när det gäller diskutrymme.  För detta </a:t>
+            </a:r>
+            <a:r>
+              <a:rPr lang="sv-SE" dirty="0" err="1" smtClean="0"/>
+              <a:t>endamål</a:t>
+            </a:r>
+            <a:r>
+              <a:rPr lang="sv-SE" dirty="0" smtClean="0"/>
+              <a:t> kommer två ytterligare tabeller att skapas där man lagrar de gamla data som finns.</a:t>
+            </a:r>
+            <a:endParaRPr lang="sv-SE" dirty="0"/>
+          </a:p>
+        </p:txBody>
+      </p:sp>
+    </p:spTree>
+    <p:extLst>
+      <p:ext uri="{BB962C8B-B14F-4D97-AF65-F5344CB8AC3E}">
+        <p14:creationId xmlns:p14="http://schemas.microsoft.com/office/powerpoint/2010/main" val="3735087657"/>
+      </p:ext>
+    </p:extLst>
+  </p:cSld>
+  <p:clrMapOvr>
+    <a:masterClrMapping/>
+  </p:clrMapOvr>
+</p:sld>
+</file>
+
+<file path=ppt/slides/slide14.xml><?xml version="1.0" encoding="utf-8"?>
+<p:sld xmlns:a="http://schemas.openxmlformats.org/drawingml/2006/main" xmlns:r="http://schemas.openxmlformats.org/officeDocument/2006/relationships" xmlns:p="http://schemas.openxmlformats.org/presentationml/2006/main">
+  <p:cSld>
+    <p:spTree>
+      <p:nvGrpSpPr>
+        <p:cNvPr id="1" name=""/>
+        <p:cNvGrpSpPr/>
+        <p:nvPr/>
+      </p:nvGrpSpPr>
+      <p:grpSpPr>
+        <a:xfrm>
+          <a:off x="0" y="0"/>
+          <a:ext cx="0" cy="0"/>
+          <a:chOff x="0" y="0"/>
+          <a:chExt cx="0" cy="0"/>
+        </a:xfrm>
+      </p:grpSpPr>
+      <p:sp>
+        <p:nvSpPr>
+          <p:cNvPr id="2" name="TextBox 1"/>
+          <p:cNvSpPr txBox="1"/>
+          <p:nvPr/>
+        </p:nvSpPr>
+        <p:spPr>
+          <a:xfrm>
+            <a:off x="17755" y="116632"/>
+            <a:ext cx="6480720" cy="5539978"/>
+          </a:xfrm>
+          <a:prstGeom prst="rect">
+            <a:avLst/>
+          </a:prstGeom>
+          <a:noFill/>
+        </p:spPr>
+        <p:txBody>
+          <a:bodyPr wrap="square" rtlCol="0">
+            <a:spAutoFit/>
+          </a:bodyPr>
+          <a:lstStyle/>
+          <a:p>
+            <a:r>
+              <a:rPr lang="sv-SE" b="1" dirty="0" smtClean="0"/>
+              <a:t>13. Prestanda</a:t>
+            </a:r>
+          </a:p>
+          <a:p>
+            <a:r>
+              <a:rPr lang="sv-SE" sz="1600" dirty="0" smtClean="0"/>
+              <a:t>Databasens volym beräknas att inte ställa till med prestandaproblem. De tabeller som tar mest plats, utöver Medlem &amp; Kontakt är Medlemsaktivitet. För dessa kan man tänkas att man har en borttagsregel som lägger över gammalt data i en varsin separat tabell för att avlasta databasen.</a:t>
+            </a:r>
+          </a:p>
+          <a:p>
+            <a:endParaRPr lang="sv-SE" dirty="0"/>
+          </a:p>
+          <a:p>
+            <a:r>
+              <a:rPr lang="sv-SE" b="1" dirty="0" smtClean="0"/>
+              <a:t>14. Miljökrav (</a:t>
+            </a:r>
+            <a:r>
+              <a:rPr lang="sv-SE" b="1" dirty="0" err="1" smtClean="0"/>
+              <a:t>IT-Miljö</a:t>
+            </a:r>
+            <a:r>
+              <a:rPr lang="sv-SE" b="1" dirty="0" smtClean="0"/>
+              <a:t>)</a:t>
+            </a:r>
+          </a:p>
+          <a:p>
+            <a:r>
+              <a:rPr lang="sv-SE" sz="1600" dirty="0"/>
+              <a:t>Databasen är utvecklad i MS SQL Server 2008, applikationen är utförd med ASP.NET.</a:t>
+            </a:r>
+            <a:endParaRPr lang="sv-SE" sz="1600" dirty="0" smtClean="0"/>
+          </a:p>
+          <a:p>
+            <a:endParaRPr lang="sv-SE" dirty="0"/>
+          </a:p>
+          <a:p>
+            <a:r>
+              <a:rPr lang="sv-SE" b="1" dirty="0" smtClean="0"/>
+              <a:t>15. Installation</a:t>
+            </a:r>
+          </a:p>
+          <a:p>
+            <a:r>
+              <a:rPr lang="sv-SE" sz="1600" dirty="0"/>
+              <a:t>Applikation </a:t>
+            </a:r>
+            <a:r>
+              <a:rPr lang="sv-SE" sz="1600" dirty="0" smtClean="0"/>
+              <a:t>laddas hem via internet och </a:t>
+            </a:r>
+            <a:r>
+              <a:rPr lang="sv-SE" sz="1600" dirty="0"/>
+              <a:t>installeras med installationsprogram. Krav är att MS SQL </a:t>
+            </a:r>
+            <a:r>
+              <a:rPr lang="sv-SE" sz="1600" dirty="0" smtClean="0"/>
+              <a:t>2005 </a:t>
+            </a:r>
+            <a:endParaRPr lang="sv-SE" sz="1600" dirty="0"/>
+          </a:p>
+          <a:p>
+            <a:r>
+              <a:rPr lang="sv-SE" sz="1600" dirty="0"/>
+              <a:t>Server och IIS är förinstallerat. </a:t>
+            </a:r>
+            <a:endParaRPr lang="sv-SE" sz="1600" dirty="0" smtClean="0"/>
+          </a:p>
+          <a:p>
+            <a:endParaRPr lang="sv-SE" dirty="0"/>
+          </a:p>
+          <a:p>
+            <a:r>
+              <a:rPr lang="sv-SE" b="1" dirty="0" smtClean="0"/>
+              <a:t>16. </a:t>
+            </a:r>
+            <a:r>
+              <a:rPr lang="sv-SE" b="1" dirty="0" smtClean="0"/>
+              <a:t>Manualer</a:t>
+            </a:r>
+          </a:p>
+          <a:p>
+            <a:r>
+              <a:rPr lang="sv-SE" sz="1600" dirty="0" smtClean="0"/>
+              <a:t>En användarmanual finns att tillgå via applikationsutgivarens webbplats.</a:t>
+            </a:r>
+            <a:endParaRPr lang="sv-SE" sz="1600" dirty="0" smtClean="0"/>
+          </a:p>
+          <a:p>
+            <a:endParaRPr lang="sv-SE" dirty="0"/>
+          </a:p>
+          <a:p>
+            <a:r>
+              <a:rPr lang="sv-SE" b="1" dirty="0" smtClean="0"/>
+              <a:t>17. Rättigheter</a:t>
+            </a:r>
+          </a:p>
+          <a:p>
+            <a:r>
+              <a:rPr lang="sv-SE" sz="1600" dirty="0" smtClean="0"/>
+              <a:t>Kalmar Äventyrare har fullständiga rättigheter att installera applikationen på samtliga datorer inom företaget.</a:t>
+            </a:r>
+            <a:endParaRPr lang="sv-SE" sz="1600" dirty="0"/>
+          </a:p>
+        </p:txBody>
+      </p:sp>
+    </p:spTree>
+    <p:extLst>
+      <p:ext uri="{BB962C8B-B14F-4D97-AF65-F5344CB8AC3E}">
+        <p14:creationId xmlns:p14="http://schemas.microsoft.com/office/powerpoint/2010/main" val="3025518832"/>
+      </p:ext>
+    </p:extLst>
+  </p:cSld>
+  <p:clrMapOvr>
+    <a:masterClrMapping/>
+  </p:clrMapOvr>
+</p:sld>
+</file>
+
+<file path=ppt/slides/slide15.xml><?xml version="1.0" encoding="utf-8"?>
+<p:sld xmlns:a="http://schemas.openxmlformats.org/drawingml/2006/main" xmlns:r="http://schemas.openxmlformats.org/officeDocument/2006/relationships" xmlns:p="http://schemas.openxmlformats.org/presentationml/2006/main">
+  <p:cSld>
+    <p:spTree>
+      <p:nvGrpSpPr>
+        <p:cNvPr id="1" name=""/>
+        <p:cNvGrpSpPr/>
+        <p:nvPr/>
+      </p:nvGrpSpPr>
+      <p:grpSpPr>
+        <a:xfrm>
+          <a:off x="0" y="0"/>
+          <a:ext cx="0" cy="0"/>
+          <a:chOff x="0" y="0"/>
+          <a:chExt cx="0" cy="0"/>
+        </a:xfrm>
+      </p:grpSpPr>
+      <p:sp>
+        <p:nvSpPr>
+          <p:cNvPr id="2" name="TextBox 1"/>
+          <p:cNvSpPr txBox="1"/>
+          <p:nvPr/>
+        </p:nvSpPr>
+        <p:spPr>
+          <a:xfrm>
+            <a:off x="35496" y="116632"/>
+            <a:ext cx="6480720" cy="2862322"/>
+          </a:xfrm>
+          <a:prstGeom prst="rect">
+            <a:avLst/>
+          </a:prstGeom>
+          <a:noFill/>
+        </p:spPr>
+        <p:txBody>
+          <a:bodyPr wrap="square" rtlCol="0">
+            <a:spAutoFit/>
+          </a:bodyPr>
+          <a:lstStyle/>
+          <a:p>
+            <a:r>
+              <a:rPr lang="sv-SE" b="1" dirty="0" smtClean="0"/>
+              <a:t>18. Sammanfattning</a:t>
+            </a:r>
+          </a:p>
+          <a:p>
+            <a:endParaRPr lang="sv-SE" b="1" dirty="0"/>
+          </a:p>
+          <a:p>
+            <a:r>
+              <a:rPr lang="sv-SE" dirty="0" smtClean="0"/>
+              <a:t>Under projektet har det gått hyfsat enkelt och smidigt att arbeta med databasen. Mina tabeller var ganska lättarbetade och enkla att bestämma både RI och vettigt innehåll. Det svåraste med arbetet var att få tidsplaneringen att stämma då vissa moment i ASP.NET Web Forms kursen tog längre tid än väntat.</a:t>
+            </a:r>
+          </a:p>
+          <a:p>
+            <a:r>
+              <a:rPr lang="sv-SE" dirty="0" smtClean="0"/>
+              <a:t>Något som också var lite knepigt var hur man skulle utforma vissa utav sina lagrade procedurer och arbeta med dem gentemot applikationen.</a:t>
+            </a:r>
+            <a:endParaRPr lang="sv-SE" dirty="0"/>
+          </a:p>
+        </p:txBody>
+      </p:sp>
+    </p:spTree>
+    <p:extLst>
+      <p:ext uri="{BB962C8B-B14F-4D97-AF65-F5344CB8AC3E}">
+        <p14:creationId xmlns:p14="http://schemas.microsoft.com/office/powerpoint/2010/main" val="3666625746"/>
       </p:ext>
     </p:extLst>
   </p:cSld>
@@ -3797,15 +9917,7 @@
             </a:pPr>
             <a:r>
               <a:rPr lang="sv-SE" sz="1400" dirty="0" smtClean="0"/>
-              <a:t>Inom klubben så skall det även </a:t>
-            </a:r>
-            <a:r>
-              <a:rPr lang="sv-SE" sz="1400" dirty="0" smtClean="0"/>
-              <a:t>finnas olika befattningar så som ordförande, </a:t>
-            </a:r>
-            <a:r>
-              <a:rPr lang="sv-SE" sz="1400" dirty="0" smtClean="0"/>
-              <a:t>instruktörer, elever etc.</a:t>
+              <a:t>Inom klubben så skall det även finnas olika befattningar så som ordförande, instruktörer, elever etc.</a:t>
             </a:r>
             <a:endParaRPr lang="sv-SE" sz="1400" dirty="0"/>
           </a:p>
@@ -5929,21 +12041,13 @@
           <a:p>
             <a:r>
               <a:rPr lang="sv-SE" sz="1400" dirty="0" smtClean="0"/>
-              <a:t>BefID Fk, </a:t>
-            </a:r>
+              <a:t>BefID Fk, Int</a:t>
+            </a:r>
+          </a:p>
+          <a:p>
             <a:r>
               <a:rPr lang="sv-SE" sz="1400" dirty="0" smtClean="0"/>
-              <a:t>Int</a:t>
-            </a:r>
-          </a:p>
-          <a:p>
-            <a:r>
-              <a:rPr lang="sv-SE" sz="1400" dirty="0" smtClean="0"/>
-              <a:t>Postadress</a:t>
-            </a:r>
-            <a:r>
-              <a:rPr lang="sv-SE" sz="1400" dirty="0" smtClean="0"/>
-              <a:t>, VC(40)</a:t>
+              <a:t>Postadress, VC(40)</a:t>
             </a:r>
           </a:p>
         </p:txBody>
@@ -7618,11 +13722,7 @@
           <a:p>
             <a:r>
               <a:rPr lang="sv-SE" sz="1400" dirty="0" smtClean="0"/>
-              <a:t>Adress</a:t>
-            </a:r>
-            <a:r>
-              <a:rPr lang="sv-SE" sz="1400" dirty="0" smtClean="0"/>
-              <a:t>, VC(30)</a:t>
+              <a:t>Adress, VC(30)</a:t>
             </a:r>
           </a:p>
           <a:p>
@@ -11646,420 +17746,6 @@
       </p:grpSpPr>
       <p:sp>
         <p:nvSpPr>
-          <p:cNvPr id="17" name="Rectangle 16"/>
-          <p:cNvSpPr/>
-          <p:nvPr/>
-        </p:nvSpPr>
-        <p:spPr>
-          <a:xfrm>
-            <a:off x="6565131" y="1342668"/>
-            <a:ext cx="659675" cy="216024"/>
-          </a:xfrm>
-          <a:prstGeom prst="rect">
-            <a:avLst/>
-          </a:prstGeom>
-          <a:solidFill>
-            <a:schemeClr val="accent1">
-              <a:lumMod val="20000"/>
-              <a:lumOff val="80000"/>
-            </a:schemeClr>
-          </a:solidFill>
-        </p:spPr>
-        <p:style>
-          <a:lnRef idx="2">
-            <a:schemeClr val="accent1">
-              <a:shade val="50000"/>
-            </a:schemeClr>
-          </a:lnRef>
-          <a:fillRef idx="1">
-            <a:schemeClr val="accent1"/>
-          </a:fillRef>
-          <a:effectRef idx="0">
-            <a:schemeClr val="accent1"/>
-          </a:effectRef>
-          <a:fontRef idx="minor">
-            <a:schemeClr val="lt1"/>
-          </a:fontRef>
-        </p:style>
-        <p:txBody>
-          <a:bodyPr rtlCol="0" anchor="ctr"/>
-          <a:lstStyle/>
-          <a:p>
-            <a:pPr algn="ctr"/>
-            <a:endParaRPr lang="sv-SE"/>
-          </a:p>
-        </p:txBody>
-      </p:sp>
-      <p:sp>
-        <p:nvSpPr>
-          <p:cNvPr id="6" name="Rectangle 5"/>
-          <p:cNvSpPr/>
-          <p:nvPr/>
-        </p:nvSpPr>
-        <p:spPr>
-          <a:xfrm>
-            <a:off x="5700842" y="886925"/>
-            <a:ext cx="2952328" cy="3701468"/>
-          </a:xfrm>
-          <a:prstGeom prst="rect">
-            <a:avLst/>
-          </a:prstGeom>
-          <a:solidFill>
-            <a:schemeClr val="accent1">
-              <a:lumMod val="40000"/>
-              <a:lumOff val="60000"/>
-            </a:schemeClr>
-          </a:solidFill>
-        </p:spPr>
-        <p:style>
-          <a:lnRef idx="2">
-            <a:schemeClr val="accent1">
-              <a:shade val="50000"/>
-            </a:schemeClr>
-          </a:lnRef>
-          <a:fillRef idx="1">
-            <a:schemeClr val="accent1"/>
-          </a:fillRef>
-          <a:effectRef idx="0">
-            <a:schemeClr val="accent1"/>
-          </a:effectRef>
-          <a:fontRef idx="minor">
-            <a:schemeClr val="lt1"/>
-          </a:fontRef>
-        </p:style>
-        <p:txBody>
-          <a:bodyPr rtlCol="0" anchor="ctr"/>
-          <a:lstStyle/>
-          <a:p>
-            <a:pPr algn="ctr"/>
-            <a:endParaRPr lang="sv-SE"/>
-          </a:p>
-        </p:txBody>
-      </p:sp>
-      <p:sp>
-        <p:nvSpPr>
-          <p:cNvPr id="19" name="Rectangle 18"/>
-          <p:cNvSpPr/>
-          <p:nvPr/>
-        </p:nvSpPr>
-        <p:spPr>
-          <a:xfrm>
-            <a:off x="7386229" y="3717602"/>
-            <a:ext cx="984466" cy="204112"/>
-          </a:xfrm>
-          <a:prstGeom prst="rect">
-            <a:avLst/>
-          </a:prstGeom>
-          <a:solidFill>
-            <a:schemeClr val="accent1">
-              <a:lumMod val="20000"/>
-              <a:lumOff val="80000"/>
-            </a:schemeClr>
-          </a:solidFill>
-        </p:spPr>
-        <p:style>
-          <a:lnRef idx="2">
-            <a:schemeClr val="accent1">
-              <a:shade val="50000"/>
-            </a:schemeClr>
-          </a:lnRef>
-          <a:fillRef idx="1">
-            <a:schemeClr val="accent1"/>
-          </a:fillRef>
-          <a:effectRef idx="0">
-            <a:schemeClr val="accent1"/>
-          </a:effectRef>
-          <a:fontRef idx="minor">
-            <a:schemeClr val="lt1"/>
-          </a:fontRef>
-        </p:style>
-        <p:txBody>
-          <a:bodyPr rtlCol="0" anchor="ctr"/>
-          <a:lstStyle/>
-          <a:p>
-            <a:pPr algn="ctr"/>
-            <a:endParaRPr lang="sv-SE"/>
-          </a:p>
-        </p:txBody>
-      </p:sp>
-      <p:sp>
-        <p:nvSpPr>
-          <p:cNvPr id="16" name="Rectangle 15"/>
-          <p:cNvSpPr/>
-          <p:nvPr/>
-        </p:nvSpPr>
-        <p:spPr>
-          <a:xfrm>
-            <a:off x="6519777" y="2946120"/>
-            <a:ext cx="779948" cy="277867"/>
-          </a:xfrm>
-          <a:prstGeom prst="rect">
-            <a:avLst/>
-          </a:prstGeom>
-          <a:solidFill>
-            <a:schemeClr val="accent1">
-              <a:lumMod val="20000"/>
-              <a:lumOff val="80000"/>
-            </a:schemeClr>
-          </a:solidFill>
-        </p:spPr>
-        <p:style>
-          <a:lnRef idx="2">
-            <a:schemeClr val="accent1">
-              <a:shade val="50000"/>
-            </a:schemeClr>
-          </a:lnRef>
-          <a:fillRef idx="1">
-            <a:schemeClr val="accent1"/>
-          </a:fillRef>
-          <a:effectRef idx="0">
-            <a:schemeClr val="accent1"/>
-          </a:effectRef>
-          <a:fontRef idx="minor">
-            <a:schemeClr val="lt1"/>
-          </a:fontRef>
-        </p:style>
-        <p:txBody>
-          <a:bodyPr rtlCol="0" anchor="ctr"/>
-          <a:lstStyle/>
-          <a:p>
-            <a:pPr algn="ctr"/>
-            <a:endParaRPr lang="sv-SE"/>
-          </a:p>
-        </p:txBody>
-      </p:sp>
-      <p:sp>
-        <p:nvSpPr>
-          <p:cNvPr id="18" name="Rectangle 17"/>
-          <p:cNvSpPr/>
-          <p:nvPr/>
-        </p:nvSpPr>
-        <p:spPr>
-          <a:xfrm>
-            <a:off x="6591545" y="1323329"/>
-            <a:ext cx="633261" cy="235363"/>
-          </a:xfrm>
-          <a:prstGeom prst="rect">
-            <a:avLst/>
-          </a:prstGeom>
-          <a:solidFill>
-            <a:schemeClr val="accent1">
-              <a:lumMod val="20000"/>
-              <a:lumOff val="80000"/>
-            </a:schemeClr>
-          </a:solidFill>
-        </p:spPr>
-        <p:style>
-          <a:lnRef idx="2">
-            <a:schemeClr val="accent1">
-              <a:shade val="50000"/>
-            </a:schemeClr>
-          </a:lnRef>
-          <a:fillRef idx="1">
-            <a:schemeClr val="accent1"/>
-          </a:fillRef>
-          <a:effectRef idx="0">
-            <a:schemeClr val="accent1"/>
-          </a:effectRef>
-          <a:fontRef idx="minor">
-            <a:schemeClr val="lt1"/>
-          </a:fontRef>
-        </p:style>
-        <p:txBody>
-          <a:bodyPr rtlCol="0" anchor="ctr"/>
-          <a:lstStyle/>
-          <a:p>
-            <a:pPr algn="ctr"/>
-            <a:endParaRPr lang="sv-SE"/>
-          </a:p>
-        </p:txBody>
-      </p:sp>
-      <p:sp>
-        <p:nvSpPr>
-          <p:cNvPr id="15" name="Rectangle 14"/>
-          <p:cNvSpPr/>
-          <p:nvPr/>
-        </p:nvSpPr>
-        <p:spPr>
-          <a:xfrm>
-            <a:off x="5761246" y="3717601"/>
-            <a:ext cx="1559897" cy="277867"/>
-          </a:xfrm>
-          <a:prstGeom prst="rect">
-            <a:avLst/>
-          </a:prstGeom>
-          <a:solidFill>
-            <a:schemeClr val="accent1">
-              <a:lumMod val="20000"/>
-              <a:lumOff val="80000"/>
-            </a:schemeClr>
-          </a:solidFill>
-        </p:spPr>
-        <p:style>
-          <a:lnRef idx="2">
-            <a:schemeClr val="accent1">
-              <a:shade val="50000"/>
-            </a:schemeClr>
-          </a:lnRef>
-          <a:fillRef idx="1">
-            <a:schemeClr val="accent1"/>
-          </a:fillRef>
-          <a:effectRef idx="0">
-            <a:schemeClr val="accent1"/>
-          </a:effectRef>
-          <a:fontRef idx="minor">
-            <a:schemeClr val="lt1"/>
-          </a:fontRef>
-        </p:style>
-        <p:txBody>
-          <a:bodyPr rtlCol="0" anchor="ctr"/>
-          <a:lstStyle/>
-          <a:p>
-            <a:pPr algn="ctr"/>
-            <a:endParaRPr lang="sv-SE"/>
-          </a:p>
-        </p:txBody>
-      </p:sp>
-      <p:sp>
-        <p:nvSpPr>
-          <p:cNvPr id="13" name="Rectangle 12"/>
-          <p:cNvSpPr/>
-          <p:nvPr/>
-        </p:nvSpPr>
-        <p:spPr>
-          <a:xfrm>
-            <a:off x="5746289" y="2946120"/>
-            <a:ext cx="633261" cy="277867"/>
-          </a:xfrm>
-          <a:prstGeom prst="rect">
-            <a:avLst/>
-          </a:prstGeom>
-          <a:solidFill>
-            <a:schemeClr val="accent1">
-              <a:lumMod val="20000"/>
-              <a:lumOff val="80000"/>
-            </a:schemeClr>
-          </a:solidFill>
-        </p:spPr>
-        <p:style>
-          <a:lnRef idx="2">
-            <a:schemeClr val="accent1">
-              <a:shade val="50000"/>
-            </a:schemeClr>
-          </a:lnRef>
-          <a:fillRef idx="1">
-            <a:schemeClr val="accent1"/>
-          </a:fillRef>
-          <a:effectRef idx="0">
-            <a:schemeClr val="accent1"/>
-          </a:effectRef>
-          <a:fontRef idx="minor">
-            <a:schemeClr val="lt1"/>
-          </a:fontRef>
-        </p:style>
-        <p:txBody>
-          <a:bodyPr rtlCol="0" anchor="ctr"/>
-          <a:lstStyle/>
-          <a:p>
-            <a:pPr algn="ctr"/>
-            <a:endParaRPr lang="sv-SE"/>
-          </a:p>
-        </p:txBody>
-      </p:sp>
-      <p:sp>
-        <p:nvSpPr>
-          <p:cNvPr id="14" name="Rectangle 13"/>
-          <p:cNvSpPr/>
-          <p:nvPr/>
-        </p:nvSpPr>
-        <p:spPr>
-          <a:xfrm>
-            <a:off x="5746288" y="2413293"/>
-            <a:ext cx="1559897" cy="277867"/>
-          </a:xfrm>
-          <a:prstGeom prst="rect">
-            <a:avLst/>
-          </a:prstGeom>
-          <a:solidFill>
-            <a:schemeClr val="accent1">
-              <a:lumMod val="20000"/>
-              <a:lumOff val="80000"/>
-            </a:schemeClr>
-          </a:solidFill>
-        </p:spPr>
-        <p:style>
-          <a:lnRef idx="2">
-            <a:schemeClr val="accent1">
-              <a:shade val="50000"/>
-            </a:schemeClr>
-          </a:lnRef>
-          <a:fillRef idx="1">
-            <a:schemeClr val="accent1"/>
-          </a:fillRef>
-          <a:effectRef idx="0">
-            <a:schemeClr val="accent1"/>
-          </a:effectRef>
-          <a:fontRef idx="minor">
-            <a:schemeClr val="lt1"/>
-          </a:fontRef>
-        </p:style>
-        <p:txBody>
-          <a:bodyPr rtlCol="0" anchor="ctr"/>
-          <a:lstStyle/>
-          <a:p>
-            <a:pPr algn="ctr"/>
-            <a:endParaRPr lang="sv-SE"/>
-          </a:p>
-        </p:txBody>
-      </p:sp>
-      <p:sp>
-        <p:nvSpPr>
-          <p:cNvPr id="10" name="Rectangle 9"/>
-          <p:cNvSpPr/>
-          <p:nvPr/>
-        </p:nvSpPr>
-        <p:spPr>
-          <a:xfrm>
-            <a:off x="5746289" y="1866000"/>
-            <a:ext cx="1559897" cy="260701"/>
-          </a:xfrm>
-          <a:prstGeom prst="rect">
-            <a:avLst/>
-          </a:prstGeom>
-          <a:solidFill>
-            <a:schemeClr val="accent1">
-              <a:lumMod val="20000"/>
-              <a:lumOff val="80000"/>
-            </a:schemeClr>
-          </a:solidFill>
-        </p:spPr>
-        <p:style>
-          <a:lnRef idx="2">
-            <a:schemeClr val="accent1">
-              <a:shade val="50000"/>
-            </a:schemeClr>
-          </a:lnRef>
-          <a:fillRef idx="1">
-            <a:schemeClr val="accent1"/>
-          </a:fillRef>
-          <a:effectRef idx="0">
-            <a:schemeClr val="accent1"/>
-          </a:effectRef>
-          <a:fontRef idx="minor">
-            <a:schemeClr val="lt1"/>
-          </a:fontRef>
-        </p:style>
-        <p:txBody>
-          <a:bodyPr rtlCol="0" anchor="ctr"/>
-          <a:lstStyle/>
-          <a:p>
-            <a:pPr algn="ctr"/>
-            <a:endParaRPr lang="sv-SE"/>
-          </a:p>
-        </p:txBody>
-      </p:sp>
-      <p:sp>
-        <p:nvSpPr>
           <p:cNvPr id="2" name="TextBox 1"/>
           <p:cNvSpPr txBox="1"/>
           <p:nvPr/>
@@ -12089,163 +17775,6 @@
               <a:t>. Mockup Formulär – Funktionalitet - Validering</a:t>
             </a:r>
             <a:endParaRPr lang="sv-SE" b="1" dirty="0"/>
-          </a:p>
-        </p:txBody>
-      </p:sp>
-      <p:sp>
-        <p:nvSpPr>
-          <p:cNvPr id="7" name="Rectangle 6"/>
-          <p:cNvSpPr/>
-          <p:nvPr/>
-        </p:nvSpPr>
-        <p:spPr>
-          <a:xfrm>
-            <a:off x="5761247" y="1342668"/>
-            <a:ext cx="659675" cy="216024"/>
-          </a:xfrm>
-          <a:prstGeom prst="rect">
-            <a:avLst/>
-          </a:prstGeom>
-          <a:solidFill>
-            <a:schemeClr val="accent1">
-              <a:lumMod val="20000"/>
-              <a:lumOff val="80000"/>
-            </a:schemeClr>
-          </a:solidFill>
-        </p:spPr>
-        <p:style>
-          <a:lnRef idx="2">
-            <a:schemeClr val="accent1">
-              <a:shade val="50000"/>
-            </a:schemeClr>
-          </a:lnRef>
-          <a:fillRef idx="1">
-            <a:schemeClr val="accent1"/>
-          </a:fillRef>
-          <a:effectRef idx="0">
-            <a:schemeClr val="accent1"/>
-          </a:effectRef>
-          <a:fontRef idx="minor">
-            <a:schemeClr val="lt1"/>
-          </a:fontRef>
-        </p:style>
-        <p:txBody>
-          <a:bodyPr rtlCol="0" anchor="ctr"/>
-          <a:lstStyle/>
-          <a:p>
-            <a:pPr algn="ctr"/>
-            <a:endParaRPr lang="sv-SE"/>
-          </a:p>
-        </p:txBody>
-      </p:sp>
-      <p:sp>
-        <p:nvSpPr>
-          <p:cNvPr id="4" name="TextBox 3"/>
-          <p:cNvSpPr txBox="1"/>
-          <p:nvPr/>
-        </p:nvSpPr>
-        <p:spPr>
-          <a:xfrm>
-            <a:off x="5697442" y="886925"/>
-            <a:ext cx="1656184" cy="3108543"/>
-          </a:xfrm>
-          <a:prstGeom prst="rect">
-            <a:avLst/>
-          </a:prstGeom>
-          <a:noFill/>
-          <a:ln>
-            <a:noFill/>
-          </a:ln>
-        </p:spPr>
-        <p:txBody>
-          <a:bodyPr wrap="square" numCol="1" rtlCol="0">
-            <a:spAutoFit/>
-          </a:bodyPr>
-          <a:lstStyle/>
-          <a:p>
-            <a:r>
-              <a:rPr lang="sv-SE" sz="1400" b="1" u="sng" dirty="0" smtClean="0"/>
-              <a:t>Medlem</a:t>
-            </a:r>
-            <a:endParaRPr lang="sv-SE" sz="1600" b="1" u="sng" dirty="0"/>
-          </a:p>
-          <a:p>
-            <a:r>
-              <a:rPr lang="sv-SE" sz="1200" b="1" dirty="0" smtClean="0"/>
-              <a:t>Förnamn &amp; Efternamn</a:t>
-            </a:r>
-          </a:p>
-          <a:p>
-            <a:r>
-              <a:rPr lang="sv-SE" sz="1200" dirty="0" smtClean="0"/>
-              <a:t>Erik                  Karlsson</a:t>
-            </a:r>
-          </a:p>
-          <a:p>
-            <a:endParaRPr lang="sv-SE" sz="1200" b="1" dirty="0" smtClean="0"/>
-          </a:p>
-          <a:p>
-            <a:r>
-              <a:rPr lang="sv-SE" sz="1200" b="1" dirty="0" smtClean="0"/>
-              <a:t>Personnummer</a:t>
-            </a:r>
-          </a:p>
-          <a:p>
-            <a:r>
-              <a:rPr lang="sv-SE" sz="1200" dirty="0" smtClean="0"/>
-              <a:t>780231-4033</a:t>
-            </a:r>
-          </a:p>
-          <a:p>
-            <a:endParaRPr lang="sv-SE" sz="1200" b="1" dirty="0" smtClean="0"/>
-          </a:p>
-          <a:p>
-            <a:r>
-              <a:rPr lang="sv-SE" sz="1200" b="1" dirty="0" smtClean="0"/>
-              <a:t>Adress</a:t>
-            </a:r>
-          </a:p>
-          <a:p>
-            <a:r>
-              <a:rPr lang="sv-SE" sz="1200" dirty="0" smtClean="0"/>
-              <a:t>Pärongatan 6</a:t>
-            </a:r>
-          </a:p>
-          <a:p>
-            <a:endParaRPr lang="sv-SE" sz="1200" b="1" dirty="0" smtClean="0"/>
-          </a:p>
-          <a:p>
-            <a:r>
-              <a:rPr lang="sv-SE" sz="1200" b="1" dirty="0" smtClean="0"/>
-              <a:t>Postnummer &amp; Ort</a:t>
-            </a:r>
-          </a:p>
-          <a:p>
-            <a:r>
-              <a:rPr lang="sv-SE" sz="1200" dirty="0" smtClean="0"/>
-              <a:t>39230           Kalmar</a:t>
-            </a:r>
-          </a:p>
-          <a:p>
-            <a:endParaRPr lang="sv-SE" sz="1200" dirty="0" smtClean="0"/>
-          </a:p>
-          <a:p>
-            <a:r>
-              <a:rPr lang="sv-SE" sz="1400" b="1" u="sng" dirty="0" smtClean="0"/>
-              <a:t>Befattning</a:t>
-            </a:r>
-          </a:p>
-          <a:p>
-            <a:r>
-              <a:rPr lang="sv-SE" sz="1200" b="1" dirty="0" smtClean="0"/>
-              <a:t>Befattningstyp</a:t>
-            </a:r>
-          </a:p>
-          <a:p>
-            <a:r>
-              <a:rPr lang="sv-SE" sz="1200" dirty="0" smtClean="0"/>
-              <a:t>Ordförande</a:t>
-            </a:r>
           </a:p>
         </p:txBody>
       </p:sp>
@@ -12281,110 +17810,6 @@
       </p:sp>
       <p:sp>
         <p:nvSpPr>
-          <p:cNvPr id="21" name="Rectangle 20"/>
-          <p:cNvSpPr/>
-          <p:nvPr/>
-        </p:nvSpPr>
-        <p:spPr>
-          <a:xfrm>
-            <a:off x="7386229" y="4318127"/>
-            <a:ext cx="984466" cy="219139"/>
-          </a:xfrm>
-          <a:prstGeom prst="rect">
-            <a:avLst/>
-          </a:prstGeom>
-          <a:solidFill>
-            <a:schemeClr val="accent1">
-              <a:lumMod val="20000"/>
-              <a:lumOff val="80000"/>
-            </a:schemeClr>
-          </a:solidFill>
-        </p:spPr>
-        <p:style>
-          <a:lnRef idx="2">
-            <a:schemeClr val="accent1">
-              <a:shade val="50000"/>
-            </a:schemeClr>
-          </a:lnRef>
-          <a:fillRef idx="1">
-            <a:schemeClr val="accent1"/>
-          </a:fillRef>
-          <a:effectRef idx="0">
-            <a:schemeClr val="accent1"/>
-          </a:effectRef>
-          <a:fontRef idx="minor">
-            <a:schemeClr val="lt1"/>
-          </a:fontRef>
-        </p:style>
-        <p:txBody>
-          <a:bodyPr rtlCol="0" anchor="ctr"/>
-          <a:lstStyle/>
-          <a:p>
-            <a:pPr algn="ctr"/>
-            <a:endParaRPr lang="sv-SE"/>
-          </a:p>
-        </p:txBody>
-      </p:sp>
-      <p:sp>
-        <p:nvSpPr>
-          <p:cNvPr id="5" name="TextBox 4"/>
-          <p:cNvSpPr txBox="1"/>
-          <p:nvPr/>
-        </p:nvSpPr>
-        <p:spPr>
-          <a:xfrm>
-            <a:off x="7323909" y="3306160"/>
-            <a:ext cx="1518093" cy="1231106"/>
-          </a:xfrm>
-          <a:prstGeom prst="rect">
-            <a:avLst/>
-          </a:prstGeom>
-          <a:noFill/>
-        </p:spPr>
-        <p:txBody>
-          <a:bodyPr wrap="square" rtlCol="0">
-            <a:spAutoFit/>
-          </a:bodyPr>
-          <a:lstStyle/>
-          <a:p>
-            <a:r>
-              <a:rPr lang="sv-SE" sz="1400" b="1" u="sng" dirty="0"/>
-              <a:t>Kontakt</a:t>
-            </a:r>
-          </a:p>
-          <a:p>
-            <a:r>
-              <a:rPr lang="sv-SE" sz="1200" b="1" dirty="0"/>
-              <a:t>Kontaktuppgift</a:t>
-            </a:r>
-          </a:p>
-          <a:p>
-            <a:r>
-              <a:rPr lang="sv-SE" sz="1200" dirty="0"/>
-              <a:t>erik@ak.se</a:t>
-            </a:r>
-          </a:p>
-          <a:p>
-            <a:endParaRPr lang="sv-SE" sz="1200" b="1" dirty="0" smtClean="0"/>
-          </a:p>
-          <a:p>
-            <a:r>
-              <a:rPr lang="sv-SE" sz="1200" b="1" dirty="0" smtClean="0"/>
-              <a:t>Typ</a:t>
-            </a:r>
-            <a:endParaRPr lang="sv-SE" sz="1200" b="1" dirty="0"/>
-          </a:p>
-          <a:p>
-            <a:r>
-              <a:rPr lang="sv-SE" sz="1200" dirty="0" smtClean="0"/>
-              <a:t>E-post</a:t>
-            </a:r>
-            <a:endParaRPr lang="sv-SE" sz="1200" dirty="0"/>
-          </a:p>
-        </p:txBody>
-      </p:sp>
-      <p:sp>
-        <p:nvSpPr>
           <p:cNvPr id="22" name="TextBox 21"/>
           <p:cNvSpPr txBox="1"/>
           <p:nvPr/>
@@ -12439,14 +17864,14 @@
           <p:nvPr>
             <p:extLst>
               <p:ext uri="{D42A27DB-BD31-4B8C-83A1-F6EECF244321}">
-                <p14:modId xmlns:p14="http://schemas.microsoft.com/office/powerpoint/2010/main" val="801520641"/>
+                <p14:modId xmlns:p14="http://schemas.microsoft.com/office/powerpoint/2010/main" val="1125267902"/>
               </p:ext>
             </p:extLst>
           </p:nvPr>
         </p:nvGraphicFramePr>
         <p:xfrm>
           <a:off x="0" y="2002492"/>
-          <a:ext cx="5383276" cy="2831837"/>
+          <a:ext cx="5383276" cy="1967741"/>
         </p:xfrm>
         <a:graphic>
           <a:graphicData uri="http://schemas.openxmlformats.org/drawingml/2006/table">
@@ -12678,104 +18103,6 @@
                         <a:t> i formatet XXXXX, utan mellanslag/bindestreck.</a:t>
                       </a:r>
                       <a:endParaRPr lang="sv-SE" sz="1200" b="0" dirty="0"/>
-                    </a:p>
-                  </a:txBody>
-                  <a:tcPr/>
-                </a:tc>
-              </a:tr>
-              <a:tr h="288032">
-                <a:tc>
-                  <a:txBody>
-                    <a:bodyPr/>
-                    <a:lstStyle/>
-                    <a:p>
-                      <a:r>
-                        <a:rPr lang="sv-SE" sz="1200" b="1" dirty="0" smtClean="0"/>
-                        <a:t>Befattningstyp (BefID)</a:t>
-                      </a:r>
-                      <a:endParaRPr lang="sv-SE" sz="1200" b="1" dirty="0"/>
-                    </a:p>
-                  </a:txBody>
-                  <a:tcPr/>
-                </a:tc>
-                <a:tc>
-                  <a:txBody>
-                    <a:bodyPr/>
-                    <a:lstStyle/>
-                    <a:p>
-                      <a:r>
-                        <a:rPr lang="sv-SE" sz="1200" dirty="0" smtClean="0"/>
-                        <a:t>Får inte vara null. Endast</a:t>
-                      </a:r>
-                      <a:r>
-                        <a:rPr lang="sv-SE" sz="1200" baseline="0" dirty="0" smtClean="0"/>
-                        <a:t> giltiga tecken (BefID) kan sparas.</a:t>
-                      </a:r>
-                      <a:endParaRPr lang="sv-SE" sz="1200" dirty="0"/>
-                    </a:p>
-                  </a:txBody>
-                  <a:tcPr/>
-                </a:tc>
-              </a:tr>
-              <a:tr h="288032">
-                <a:tc>
-                  <a:txBody>
-                    <a:bodyPr/>
-                    <a:lstStyle/>
-                    <a:p>
-                      <a:r>
-                        <a:rPr lang="sv-SE" sz="1200" b="1" dirty="0" smtClean="0"/>
-                        <a:t>Kontaktuppgift</a:t>
-                      </a:r>
-                      <a:endParaRPr lang="sv-SE" sz="1200" b="1" dirty="0"/>
-                    </a:p>
-                  </a:txBody>
-                  <a:tcPr/>
-                </a:tc>
-                <a:tc>
-                  <a:txBody>
-                    <a:bodyPr/>
-                    <a:lstStyle/>
-                    <a:p>
-                      <a:r>
-                        <a:rPr lang="sv-SE" sz="1200" dirty="0" smtClean="0"/>
-                        <a:t>Ej Null. Minst 8 tecken.</a:t>
-                      </a:r>
-                      <a:endParaRPr lang="sv-SE" sz="1200" dirty="0"/>
-                    </a:p>
-                  </a:txBody>
-                  <a:tcPr/>
-                </a:tc>
-              </a:tr>
-              <a:tr h="288032">
-                <a:tc>
-                  <a:txBody>
-                    <a:bodyPr/>
-                    <a:lstStyle/>
-                    <a:p>
-                      <a:r>
-                        <a:rPr lang="sv-SE" sz="1200" b="1" dirty="0" smtClean="0"/>
-                        <a:t>Kontakttyp (KontypID)</a:t>
-                      </a:r>
-                      <a:endParaRPr lang="sv-SE" sz="1200" b="1" dirty="0"/>
-                    </a:p>
-                  </a:txBody>
-                  <a:tcPr/>
-                </a:tc>
-                <a:tc>
-                  <a:txBody>
-                    <a:bodyPr/>
-                    <a:lstStyle/>
-                    <a:p>
-                      <a:r>
-                        <a:rPr lang="sv-SE" sz="1200" dirty="0" smtClean="0"/>
-                        <a:t>Ej </a:t>
-                      </a:r>
-                      <a:r>
-                        <a:rPr lang="sv-SE" sz="1200" baseline="0" dirty="0" smtClean="0"/>
-                        <a:t>Null. Endast giltiga tecken (KontypID) kan sparas.</a:t>
-                      </a:r>
-                      <a:endParaRPr lang="sv-SE" sz="1200" dirty="0"/>
                     </a:p>
                   </a:txBody>
                   <a:tcPr/>
@@ -12815,256 +18142,154 @@
           </a:p>
         </p:txBody>
       </p:sp>
-      <p:graphicFrame>
-        <p:nvGraphicFramePr>
-          <p:cNvPr id="26" name="Table 25"/>
-          <p:cNvGraphicFramePr>
-            <a:graphicFrameLocks noGrp="1"/>
-          </p:cNvGraphicFramePr>
-          <p:nvPr>
-            <p:extLst>
-              <p:ext uri="{D42A27DB-BD31-4B8C-83A1-F6EECF244321}">
-                <p14:modId xmlns:p14="http://schemas.microsoft.com/office/powerpoint/2010/main" val="1211593304"/>
-              </p:ext>
-            </p:extLst>
-          </p:nvPr>
-        </p:nvGraphicFramePr>
-        <p:xfrm>
-          <a:off x="0" y="5122468"/>
-          <a:ext cx="3707904" cy="1735532"/>
-        </p:xfrm>
-        <a:graphic>
-          <a:graphicData uri="http://schemas.openxmlformats.org/drawingml/2006/table">
-            <a:tbl>
-              <a:tblPr firstRow="1" bandRow="1">
-                <a:tableStyleId>{5C22544A-7EE6-4342-B048-85BDC9FD1C3A}</a:tableStyleId>
-              </a:tblPr>
-              <a:tblGrid>
-                <a:gridCol w="1525754"/>
-                <a:gridCol w="2182150"/>
-              </a:tblGrid>
-              <a:tr h="288032">
-                <a:tc>
-                  <a:txBody>
-                    <a:bodyPr/>
-                    <a:lstStyle/>
-                    <a:p>
-                      <a:r>
-                        <a:rPr lang="sv-SE" sz="1200" dirty="0" smtClean="0"/>
-                        <a:t>Fält</a:t>
-                      </a:r>
-                      <a:endParaRPr lang="sv-SE" sz="1200" dirty="0"/>
-                    </a:p>
-                  </a:txBody>
-                  <a:tcPr/>
-                </a:tc>
-                <a:tc>
-                  <a:txBody>
-                    <a:bodyPr/>
-                    <a:lstStyle/>
-                    <a:p>
-                      <a:r>
-                        <a:rPr lang="sv-SE" sz="1200" dirty="0" smtClean="0"/>
-                        <a:t>Validering</a:t>
-                      </a:r>
-                      <a:endParaRPr lang="sv-SE" sz="1200" dirty="0"/>
-                    </a:p>
-                  </a:txBody>
-                  <a:tcPr/>
-                </a:tc>
-              </a:tr>
-              <a:tr h="269580">
-                <a:tc>
-                  <a:txBody>
-                    <a:bodyPr/>
-                    <a:lstStyle/>
-                    <a:p>
-                      <a:r>
-                        <a:rPr lang="sv-SE" sz="1200" b="1" dirty="0" smtClean="0"/>
-                        <a:t>Kontakt.MedID</a:t>
-                      </a:r>
-                      <a:endParaRPr lang="sv-SE" sz="1200" b="1" dirty="0"/>
-                    </a:p>
-                  </a:txBody>
-                  <a:tcPr/>
-                </a:tc>
-                <a:tc>
-                  <a:txBody>
-                    <a:bodyPr/>
-                    <a:lstStyle/>
-                    <a:p>
-                      <a:r>
-                        <a:rPr lang="sv-SE" sz="1200" dirty="0" smtClean="0"/>
-                        <a:t>Fk,</a:t>
-                      </a:r>
-                      <a:r>
-                        <a:rPr lang="sv-SE" sz="1200" baseline="0" dirty="0" smtClean="0"/>
-                        <a:t> ej Null. Endast giltiga värden.</a:t>
-                      </a:r>
-                      <a:endParaRPr lang="sv-SE" sz="1200" dirty="0"/>
-                    </a:p>
-                  </a:txBody>
-                  <a:tcPr/>
-                </a:tc>
-              </a:tr>
-              <a:tr h="258780">
-                <a:tc>
-                  <a:txBody>
-                    <a:bodyPr/>
-                    <a:lstStyle/>
-                    <a:p>
-                      <a:r>
-                        <a:rPr lang="sv-SE" sz="1200" b="1" dirty="0" smtClean="0"/>
-                        <a:t>KonID</a:t>
-                      </a:r>
-                      <a:endParaRPr lang="sv-SE" sz="1200" b="1" dirty="0"/>
-                    </a:p>
-                  </a:txBody>
-                  <a:tcPr/>
-                </a:tc>
-                <a:tc>
-                  <a:txBody>
-                    <a:bodyPr/>
-                    <a:lstStyle/>
-                    <a:p>
-                      <a:r>
-                        <a:rPr lang="sv-SE" sz="1200" dirty="0" smtClean="0"/>
-                        <a:t>Räknare, Pk. Unikt.</a:t>
-                      </a:r>
-                      <a:endParaRPr lang="sv-SE" sz="1200" dirty="0"/>
-                    </a:p>
-                  </a:txBody>
-                  <a:tcPr/>
-                </a:tc>
-              </a:tr>
-              <a:tr h="319988">
-                <a:tc>
-                  <a:txBody>
-                    <a:bodyPr/>
-                    <a:lstStyle/>
-                    <a:p>
-                      <a:r>
-                        <a:rPr lang="sv-SE" sz="1200" b="1" dirty="0" smtClean="0"/>
-                        <a:t>Kontakttyp.KontypID</a:t>
-                      </a:r>
-                      <a:endParaRPr lang="sv-SE" sz="1200" b="1" dirty="0"/>
-                    </a:p>
-                  </a:txBody>
-                  <a:tcPr/>
-                </a:tc>
-                <a:tc>
-                  <a:txBody>
-                    <a:bodyPr/>
-                    <a:lstStyle/>
-                    <a:p>
-                      <a:pPr marL="0" marR="0" indent="0" algn="l" defTabSz="914400" rtl="0" eaLnBrk="1" fontAlgn="auto" latinLnBrk="0" hangingPunct="1">
-                        <a:lnSpc>
-                          <a:spcPct val="100000"/>
-                        </a:lnSpc>
-                        <a:spcBef>
-                          <a:spcPts val="0"/>
-                        </a:spcBef>
-                        <a:spcAft>
-                          <a:spcPts val="0"/>
-                        </a:spcAft>
-                        <a:buClrTx/>
-                        <a:buSzTx/>
-                        <a:buFontTx/>
-                        <a:buNone/>
-                        <a:tabLst/>
-                        <a:defRPr/>
-                      </a:pPr>
-                      <a:r>
-                        <a:rPr lang="sv-SE" sz="1200" dirty="0" smtClean="0"/>
-                        <a:t>Räknare, Pk. Unikt.</a:t>
-                      </a:r>
-                    </a:p>
-                  </a:txBody>
-                  <a:tcPr/>
-                </a:tc>
-              </a:tr>
-              <a:tr h="294836">
-                <a:tc>
-                  <a:txBody>
-                    <a:bodyPr/>
-                    <a:lstStyle/>
-                    <a:p>
-                      <a:r>
-                        <a:rPr lang="sv-SE" sz="1200" b="1" dirty="0" smtClean="0"/>
-                        <a:t>Kontakttyp.Kontyp</a:t>
-                      </a:r>
-                      <a:endParaRPr lang="sv-SE" sz="1200" b="1" dirty="0"/>
-                    </a:p>
-                  </a:txBody>
-                  <a:tcPr/>
-                </a:tc>
-                <a:tc>
-                  <a:txBody>
-                    <a:bodyPr/>
-                    <a:lstStyle/>
-                    <a:p>
-                      <a:r>
-                        <a:rPr lang="sv-SE" sz="1200" dirty="0" smtClean="0"/>
-                        <a:t>Ej</a:t>
-                      </a:r>
-                      <a:r>
-                        <a:rPr lang="sv-SE" sz="1200" baseline="0" dirty="0" smtClean="0"/>
-                        <a:t> Null.</a:t>
-                      </a:r>
-                      <a:endParaRPr lang="sv-SE" sz="1200" dirty="0"/>
-                    </a:p>
-                  </a:txBody>
-                  <a:tcPr/>
-                </a:tc>
-              </a:tr>
-              <a:tr h="284036">
-                <a:tc>
-                  <a:txBody>
-                    <a:bodyPr/>
-                    <a:lstStyle/>
-                    <a:p>
-                      <a:r>
-                        <a:rPr lang="sv-SE" sz="1200" b="1" dirty="0" smtClean="0"/>
-                        <a:t>Medlem.BefID</a:t>
-                      </a:r>
-                      <a:endParaRPr lang="sv-SE" sz="1200" b="1" dirty="0"/>
-                    </a:p>
-                  </a:txBody>
-                  <a:tcPr/>
-                </a:tc>
-                <a:tc>
-                  <a:txBody>
-                    <a:bodyPr/>
-                    <a:lstStyle/>
-                    <a:p>
-                      <a:r>
-                        <a:rPr lang="sv-SE" sz="1200" dirty="0" smtClean="0"/>
-                        <a:t>Fk, ej</a:t>
-                      </a:r>
-                      <a:r>
-                        <a:rPr lang="sv-SE" sz="1200" baseline="0" dirty="0" smtClean="0"/>
-                        <a:t> Null. Endast giltiga värden.</a:t>
-                      </a:r>
-                      <a:endParaRPr lang="sv-SE" sz="1200" dirty="0"/>
-                    </a:p>
-                  </a:txBody>
-                  <a:tcPr/>
-                </a:tc>
-              </a:tr>
-            </a:tbl>
-          </a:graphicData>
-        </a:graphic>
-      </p:graphicFrame>
+      <p:pic>
+        <p:nvPicPr>
+          <p:cNvPr id="1027" name="Picture 3"/>
+          <p:cNvPicPr>
+            <a:picLocks noChangeAspect="1" noChangeArrowheads="1"/>
+          </p:cNvPicPr>
+          <p:nvPr/>
+        </p:nvPicPr>
+        <p:blipFill>
+          <a:blip r:embed="rId3">
+            <a:extLst>
+              <a:ext uri="{28A0092B-C50C-407E-A947-70E740481C1C}">
+                <a14:useLocalDpi xmlns:a14="http://schemas.microsoft.com/office/drawing/2010/main" val="0"/>
+              </a:ext>
+            </a:extLst>
+          </a:blip>
+          <a:srcRect/>
+          <a:stretch>
+            <a:fillRect/>
+          </a:stretch>
+        </p:blipFill>
+        <p:spPr bwMode="auto">
+          <a:xfrm>
+            <a:off x="6660232" y="1189482"/>
+            <a:ext cx="1971675" cy="3867150"/>
+          </a:xfrm>
+          <a:prstGeom prst="rect">
+            <a:avLst/>
+          </a:prstGeom>
+          <a:noFill/>
+          <a:ln>
+            <a:noFill/>
+          </a:ln>
+          <a:extLst>
+            <a:ext uri="{909E8E84-426E-40DD-AFC4-6F175D3DCCD1}">
+              <a14:hiddenFill xmlns:a14="http://schemas.microsoft.com/office/drawing/2010/main">
+                <a:solidFill>
+                  <a:schemeClr val="accent1"/>
+                </a:solidFill>
+              </a14:hiddenFill>
+            </a:ext>
+            <a:ext uri="{91240B29-F687-4F45-9708-019B960494DF}">
+              <a14:hiddenLine xmlns:a14="http://schemas.microsoft.com/office/drawing/2010/main" w="9525">
+                <a:solidFill>
+                  <a:schemeClr val="tx1"/>
+                </a:solidFill>
+                <a:miter lim="800000"/>
+                <a:headEnd/>
+                <a:tailEnd/>
+              </a14:hiddenLine>
+            </a:ext>
+          </a:extLst>
+        </p:spPr>
+      </p:pic>
+    </p:spTree>
+    <p:extLst>
+      <p:ext uri="{BB962C8B-B14F-4D97-AF65-F5344CB8AC3E}">
+        <p14:creationId xmlns:p14="http://schemas.microsoft.com/office/powerpoint/2010/main" val="2216331273"/>
+      </p:ext>
+    </p:extLst>
+  </p:cSld>
+  <p:clrMapOvr>
+    <a:masterClrMapping/>
+  </p:clrMapOvr>
+</p:sld>
+</file>
+
+<file path=ppt/slides/slide7.xml><?xml version="1.0" encoding="utf-8"?>
+<p:sld xmlns:a="http://schemas.openxmlformats.org/drawingml/2006/main" xmlns:r="http://schemas.openxmlformats.org/officeDocument/2006/relationships" xmlns:p="http://schemas.openxmlformats.org/presentationml/2006/main">
+  <p:cSld>
+    <p:spTree>
+      <p:nvGrpSpPr>
+        <p:cNvPr id="1" name=""/>
+        <p:cNvGrpSpPr/>
+        <p:nvPr/>
+      </p:nvGrpSpPr>
+      <p:grpSpPr>
+        <a:xfrm>
+          <a:off x="0" y="0"/>
+          <a:ext cx="0" cy="0"/>
+          <a:chOff x="0" y="0"/>
+          <a:chExt cx="0" cy="0"/>
+        </a:xfrm>
+      </p:grpSpPr>
+      <p:pic>
+        <p:nvPicPr>
+          <p:cNvPr id="2" name="Picture 4"/>
+          <p:cNvPicPr>
+            <a:picLocks noChangeAspect="1" noChangeArrowheads="1"/>
+          </p:cNvPicPr>
+          <p:nvPr/>
+        </p:nvPicPr>
+        <p:blipFill>
+          <a:blip r:embed="rId2">
+            <a:extLst>
+              <a:ext uri="{28A0092B-C50C-407E-A947-70E740481C1C}">
+                <a14:useLocalDpi xmlns:a14="http://schemas.microsoft.com/office/drawing/2010/main" val="0"/>
+              </a:ext>
+            </a:extLst>
+          </a:blip>
+          <a:srcRect/>
+          <a:stretch>
+            <a:fillRect/>
+          </a:stretch>
+        </p:blipFill>
+        <p:spPr bwMode="auto">
+          <a:xfrm>
+            <a:off x="255449" y="1431360"/>
+            <a:ext cx="5441042" cy="3163221"/>
+          </a:xfrm>
+          <a:prstGeom prst="rect">
+            <a:avLst/>
+          </a:prstGeom>
+          <a:noFill/>
+          <a:ln>
+            <a:noFill/>
+          </a:ln>
+          <a:extLst>
+            <a:ext uri="{909E8E84-426E-40DD-AFC4-6F175D3DCCD1}">
+              <a14:hiddenFill xmlns:a14="http://schemas.microsoft.com/office/drawing/2010/main">
+                <a:solidFill>
+                  <a:schemeClr val="accent1"/>
+                </a:solidFill>
+              </a14:hiddenFill>
+            </a:ext>
+            <a:ext uri="{91240B29-F687-4F45-9708-019B960494DF}">
+              <a14:hiddenLine xmlns:a14="http://schemas.microsoft.com/office/drawing/2010/main" w="9525">
+                <a:solidFill>
+                  <a:schemeClr val="tx1"/>
+                </a:solidFill>
+                <a:miter lim="800000"/>
+                <a:headEnd/>
+                <a:tailEnd/>
+              </a14:hiddenLine>
+            </a:ext>
+          </a:extLst>
+        </p:spPr>
+      </p:pic>
       <p:sp>
         <p:nvSpPr>
-          <p:cNvPr id="25" name="TextBox 24"/>
+          <p:cNvPr id="4" name="TextBox 3"/>
           <p:cNvSpPr txBox="1"/>
           <p:nvPr/>
         </p:nvSpPr>
         <p:spPr>
           <a:xfrm>
-            <a:off x="-57290" y="4906444"/>
-            <a:ext cx="2325034" cy="307777"/>
+            <a:off x="40335" y="221942"/>
+            <a:ext cx="6480720" cy="369332"/>
           </a:xfrm>
           <a:prstGeom prst="rect">
             <a:avLst/>
@@ -13078,8 +18303,154 @@
           <a:lstStyle/>
           <a:p>
             <a:r>
+              <a:rPr lang="sv-SE" b="1" dirty="0"/>
+              <a:t>7</a:t>
+            </a:r>
+            <a:r>
+              <a:rPr lang="sv-SE" b="1" dirty="0" smtClean="0"/>
+              <a:t>. Rapporter / Utskrifter</a:t>
+            </a:r>
+            <a:endParaRPr lang="sv-SE" b="1" dirty="0"/>
+          </a:p>
+        </p:txBody>
+      </p:sp>
+      <p:sp>
+        <p:nvSpPr>
+          <p:cNvPr id="5" name="TextBox 4"/>
+          <p:cNvSpPr txBox="1"/>
+          <p:nvPr/>
+        </p:nvSpPr>
+        <p:spPr>
+          <a:xfrm>
+            <a:off x="250525" y="692696"/>
+            <a:ext cx="3889428" cy="738664"/>
+          </a:xfrm>
+          <a:prstGeom prst="rect">
+            <a:avLst/>
+          </a:prstGeom>
+          <a:noFill/>
+        </p:spPr>
+        <p:txBody>
+          <a:bodyPr wrap="square" rtlCol="0">
+            <a:spAutoFit/>
+          </a:bodyPr>
+          <a:lstStyle/>
+          <a:p>
+            <a:r>
+              <a:rPr lang="sv-SE" sz="1400" b="1" dirty="0"/>
+              <a:t>7</a:t>
+            </a:r>
+            <a:r>
               <a:rPr lang="sv-SE" sz="1400" b="1" dirty="0" smtClean="0"/>
-              <a:t>Andra fält som påverkas</a:t>
+              <a:t>.1 – Medlem skapad</a:t>
+            </a:r>
+          </a:p>
+          <a:p>
+            <a:r>
+              <a:rPr lang="sv-SE" sz="1400" b="1" dirty="0" smtClean="0"/>
+              <a:t>Syfte: </a:t>
+            </a:r>
+            <a:r>
+              <a:rPr lang="sv-SE" sz="1400" dirty="0" smtClean="0"/>
+              <a:t>Rättmeddelande skrivs ut och kundens uppgifter visas när kunden har skapats.</a:t>
+            </a:r>
+            <a:endParaRPr lang="sv-SE" sz="1400" b="1" dirty="0"/>
+          </a:p>
+        </p:txBody>
+      </p:sp>
+      <p:pic>
+        <p:nvPicPr>
+          <p:cNvPr id="7" name="Picture 2"/>
+          <p:cNvPicPr>
+            <a:picLocks noChangeAspect="1" noChangeArrowheads="1"/>
+          </p:cNvPicPr>
+          <p:nvPr/>
+        </p:nvPicPr>
+        <p:blipFill>
+          <a:blip r:embed="rId3">
+            <a:extLst>
+              <a:ext uri="{28A0092B-C50C-407E-A947-70E740481C1C}">
+                <a14:useLocalDpi xmlns:a14="http://schemas.microsoft.com/office/drawing/2010/main" val="0"/>
+              </a:ext>
+            </a:extLst>
+          </a:blip>
+          <a:srcRect/>
+          <a:stretch>
+            <a:fillRect/>
+          </a:stretch>
+        </p:blipFill>
+        <p:spPr bwMode="auto">
+          <a:xfrm>
+            <a:off x="5761844" y="1429760"/>
+            <a:ext cx="1780499" cy="2765648"/>
+          </a:xfrm>
+          <a:prstGeom prst="rect">
+            <a:avLst/>
+          </a:prstGeom>
+          <a:noFill/>
+          <a:ln>
+            <a:noFill/>
+          </a:ln>
+          <a:extLst>
+            <a:ext uri="{909E8E84-426E-40DD-AFC4-6F175D3DCCD1}">
+              <a14:hiddenFill xmlns:a14="http://schemas.microsoft.com/office/drawing/2010/main">
+                <a:solidFill>
+                  <a:schemeClr val="accent1"/>
+                </a:solidFill>
+              </a14:hiddenFill>
+            </a:ext>
+            <a:ext uri="{91240B29-F687-4F45-9708-019B960494DF}">
+              <a14:hiddenLine xmlns:a14="http://schemas.microsoft.com/office/drawing/2010/main" w="9525">
+                <a:solidFill>
+                  <a:schemeClr val="tx1"/>
+                </a:solidFill>
+                <a:miter lim="800000"/>
+                <a:headEnd/>
+                <a:tailEnd/>
+              </a14:hiddenLine>
+            </a:ext>
+          </a:extLst>
+        </p:spPr>
+      </p:pic>
+      <p:sp>
+        <p:nvSpPr>
+          <p:cNvPr id="8" name="TextBox 7"/>
+          <p:cNvSpPr txBox="1"/>
+          <p:nvPr/>
+        </p:nvSpPr>
+        <p:spPr>
+          <a:xfrm>
+            <a:off x="5436096" y="692696"/>
+            <a:ext cx="3889428" cy="738664"/>
+          </a:xfrm>
+          <a:prstGeom prst="rect">
+            <a:avLst/>
+          </a:prstGeom>
+          <a:noFill/>
+        </p:spPr>
+        <p:txBody>
+          <a:bodyPr wrap="square" rtlCol="0">
+            <a:spAutoFit/>
+          </a:bodyPr>
+          <a:lstStyle/>
+          <a:p>
+            <a:r>
+              <a:rPr lang="sv-SE" sz="1400" b="1" dirty="0"/>
+              <a:t>7</a:t>
+            </a:r>
+            <a:r>
+              <a:rPr lang="sv-SE" sz="1400" b="1" dirty="0" smtClean="0"/>
+              <a:t>.2 – Aktiviteter listas</a:t>
+            </a:r>
+          </a:p>
+          <a:p>
+            <a:r>
+              <a:rPr lang="sv-SE" sz="1400" b="1" dirty="0" smtClean="0"/>
+              <a:t>Syfte: </a:t>
+            </a:r>
+            <a:r>
+              <a:rPr lang="sv-SE" sz="1400" dirty="0" smtClean="0"/>
+              <a:t>För att enkelt se vilka aktiviteter klubben erbjuder så listas de under rubriken ”Aktiviteter”.</a:t>
             </a:r>
             <a:endParaRPr lang="sv-SE" sz="1400" b="1" dirty="0"/>
           </a:p>
@@ -13088,7 +18459,351 @@
     </p:spTree>
     <p:extLst>
       <p:ext uri="{BB962C8B-B14F-4D97-AF65-F5344CB8AC3E}">
-        <p14:creationId xmlns:p14="http://schemas.microsoft.com/office/powerpoint/2010/main" val="2216331273"/>
+        <p14:creationId xmlns:p14="http://schemas.microsoft.com/office/powerpoint/2010/main" val="220927475"/>
+      </p:ext>
+    </p:extLst>
+  </p:cSld>
+  <p:clrMapOvr>
+    <a:masterClrMapping/>
+  </p:clrMapOvr>
+</p:sld>
+</file>
+
+<file path=ppt/slides/slide8.xml><?xml version="1.0" encoding="utf-8"?>
+<p:sld xmlns:a="http://schemas.openxmlformats.org/drawingml/2006/main" xmlns:r="http://schemas.openxmlformats.org/officeDocument/2006/relationships" xmlns:p="http://schemas.openxmlformats.org/presentationml/2006/main">
+  <p:cSld>
+    <p:spTree>
+      <p:nvGrpSpPr>
+        <p:cNvPr id="1" name=""/>
+        <p:cNvGrpSpPr/>
+        <p:nvPr/>
+      </p:nvGrpSpPr>
+      <p:grpSpPr>
+        <a:xfrm>
+          <a:off x="0" y="0"/>
+          <a:ext cx="0" cy="0"/>
+          <a:chOff x="0" y="0"/>
+          <a:chExt cx="0" cy="0"/>
+        </a:xfrm>
+      </p:grpSpPr>
+      <p:sp>
+        <p:nvSpPr>
+          <p:cNvPr id="3" name="TextBox 2"/>
+          <p:cNvSpPr txBox="1"/>
+          <p:nvPr/>
+        </p:nvSpPr>
+        <p:spPr>
+          <a:xfrm>
+            <a:off x="250525" y="692696"/>
+            <a:ext cx="3889428" cy="954107"/>
+          </a:xfrm>
+          <a:prstGeom prst="rect">
+            <a:avLst/>
+          </a:prstGeom>
+          <a:noFill/>
+        </p:spPr>
+        <p:txBody>
+          <a:bodyPr wrap="square" rtlCol="0">
+            <a:spAutoFit/>
+          </a:bodyPr>
+          <a:lstStyle/>
+          <a:p>
+            <a:r>
+              <a:rPr lang="sv-SE" sz="1400" b="1" dirty="0"/>
+              <a:t>7</a:t>
+            </a:r>
+            <a:r>
+              <a:rPr lang="sv-SE" sz="1400" b="1" dirty="0" smtClean="0"/>
+              <a:t>.3 – Medlemmar i aktiviteten.</a:t>
+            </a:r>
+          </a:p>
+          <a:p>
+            <a:r>
+              <a:rPr lang="sv-SE" sz="1400" b="1" dirty="0" smtClean="0"/>
+              <a:t>Syfte: </a:t>
+            </a:r>
+            <a:r>
+              <a:rPr lang="sv-SE" sz="1400" dirty="0" smtClean="0"/>
+              <a:t>Klickar man på aktivitetens namn i fig. 6.2 visas denna listan med medlemmarna som utövar den valda aktiviteten.</a:t>
+            </a:r>
+            <a:endParaRPr lang="sv-SE" sz="1400" b="1" dirty="0"/>
+          </a:p>
+        </p:txBody>
+      </p:sp>
+      <p:pic>
+        <p:nvPicPr>
+          <p:cNvPr id="2051" name="Picture 3"/>
+          <p:cNvPicPr>
+            <a:picLocks noChangeAspect="1" noChangeArrowheads="1"/>
+          </p:cNvPicPr>
+          <p:nvPr/>
+        </p:nvPicPr>
+        <p:blipFill>
+          <a:blip r:embed="rId2">
+            <a:extLst>
+              <a:ext uri="{28A0092B-C50C-407E-A947-70E740481C1C}">
+                <a14:useLocalDpi xmlns:a14="http://schemas.microsoft.com/office/drawing/2010/main" val="0"/>
+              </a:ext>
+            </a:extLst>
+          </a:blip>
+          <a:srcRect/>
+          <a:stretch>
+            <a:fillRect/>
+          </a:stretch>
+        </p:blipFill>
+        <p:spPr bwMode="auto">
+          <a:xfrm>
+            <a:off x="467544" y="1628800"/>
+            <a:ext cx="3048000" cy="2762250"/>
+          </a:xfrm>
+          <a:prstGeom prst="rect">
+            <a:avLst/>
+          </a:prstGeom>
+          <a:noFill/>
+          <a:ln>
+            <a:noFill/>
+          </a:ln>
+          <a:extLst>
+            <a:ext uri="{909E8E84-426E-40DD-AFC4-6F175D3DCCD1}">
+              <a14:hiddenFill xmlns:a14="http://schemas.microsoft.com/office/drawing/2010/main">
+                <a:solidFill>
+                  <a:schemeClr val="accent1"/>
+                </a:solidFill>
+              </a14:hiddenFill>
+            </a:ext>
+            <a:ext uri="{91240B29-F687-4F45-9708-019B960494DF}">
+              <a14:hiddenLine xmlns:a14="http://schemas.microsoft.com/office/drawing/2010/main" w="9525">
+                <a:solidFill>
+                  <a:schemeClr val="tx1"/>
+                </a:solidFill>
+                <a:miter lim="800000"/>
+                <a:headEnd/>
+                <a:tailEnd/>
+              </a14:hiddenLine>
+            </a:ext>
+          </a:extLst>
+        </p:spPr>
+      </p:pic>
+      <p:pic>
+        <p:nvPicPr>
+          <p:cNvPr id="2052" name="Picture 4"/>
+          <p:cNvPicPr>
+            <a:picLocks noChangeAspect="1" noChangeArrowheads="1"/>
+          </p:cNvPicPr>
+          <p:nvPr/>
+        </p:nvPicPr>
+        <p:blipFill>
+          <a:blip r:embed="rId3">
+            <a:extLst>
+              <a:ext uri="{28A0092B-C50C-407E-A947-70E740481C1C}">
+                <a14:useLocalDpi xmlns:a14="http://schemas.microsoft.com/office/drawing/2010/main" val="0"/>
+              </a:ext>
+            </a:extLst>
+          </a:blip>
+          <a:srcRect/>
+          <a:stretch>
+            <a:fillRect/>
+          </a:stretch>
+        </p:blipFill>
+        <p:spPr bwMode="auto">
+          <a:xfrm>
+            <a:off x="4716016" y="1646803"/>
+            <a:ext cx="3600450" cy="4648200"/>
+          </a:xfrm>
+          <a:prstGeom prst="rect">
+            <a:avLst/>
+          </a:prstGeom>
+          <a:noFill/>
+          <a:ln>
+            <a:noFill/>
+          </a:ln>
+          <a:extLst>
+            <a:ext uri="{909E8E84-426E-40DD-AFC4-6F175D3DCCD1}">
+              <a14:hiddenFill xmlns:a14="http://schemas.microsoft.com/office/drawing/2010/main">
+                <a:solidFill>
+                  <a:schemeClr val="accent1"/>
+                </a:solidFill>
+              </a14:hiddenFill>
+            </a:ext>
+            <a:ext uri="{91240B29-F687-4F45-9708-019B960494DF}">
+              <a14:hiddenLine xmlns:a14="http://schemas.microsoft.com/office/drawing/2010/main" w="9525">
+                <a:solidFill>
+                  <a:schemeClr val="tx1"/>
+                </a:solidFill>
+                <a:miter lim="800000"/>
+                <a:headEnd/>
+                <a:tailEnd/>
+              </a14:hiddenLine>
+            </a:ext>
+          </a:extLst>
+        </p:spPr>
+      </p:pic>
+      <p:sp>
+        <p:nvSpPr>
+          <p:cNvPr id="6" name="TextBox 5"/>
+          <p:cNvSpPr txBox="1"/>
+          <p:nvPr/>
+        </p:nvSpPr>
+        <p:spPr>
+          <a:xfrm>
+            <a:off x="4499992" y="692696"/>
+            <a:ext cx="3889428" cy="738664"/>
+          </a:xfrm>
+          <a:prstGeom prst="rect">
+            <a:avLst/>
+          </a:prstGeom>
+          <a:noFill/>
+        </p:spPr>
+        <p:txBody>
+          <a:bodyPr wrap="square" rtlCol="0">
+            <a:spAutoFit/>
+          </a:bodyPr>
+          <a:lstStyle/>
+          <a:p>
+            <a:r>
+              <a:rPr lang="sv-SE" sz="1400" b="1" dirty="0"/>
+              <a:t>7</a:t>
+            </a:r>
+            <a:r>
+              <a:rPr lang="sv-SE" sz="1400" b="1" dirty="0" smtClean="0"/>
+              <a:t>.4 – Klubbens medlemmar listas</a:t>
+            </a:r>
+          </a:p>
+          <a:p>
+            <a:r>
+              <a:rPr lang="sv-SE" sz="1400" b="1" dirty="0" smtClean="0"/>
+              <a:t>Syfte: </a:t>
+            </a:r>
+            <a:r>
+              <a:rPr lang="sv-SE" sz="1400" dirty="0" smtClean="0"/>
+              <a:t>Startsidan av applikationen. Här listas alla medlemmar.</a:t>
+            </a:r>
+            <a:endParaRPr lang="sv-SE" sz="1400" b="1" dirty="0"/>
+          </a:p>
+        </p:txBody>
+      </p:sp>
+    </p:spTree>
+    <p:extLst>
+      <p:ext uri="{BB962C8B-B14F-4D97-AF65-F5344CB8AC3E}">
+        <p14:creationId xmlns:p14="http://schemas.microsoft.com/office/powerpoint/2010/main" val="2236898937"/>
+      </p:ext>
+    </p:extLst>
+  </p:cSld>
+  <p:clrMapOvr>
+    <a:masterClrMapping/>
+  </p:clrMapOvr>
+</p:sld>
+</file>
+
+<file path=ppt/slides/slide9.xml><?xml version="1.0" encoding="utf-8"?>
+<p:sld xmlns:a="http://schemas.openxmlformats.org/drawingml/2006/main" xmlns:r="http://schemas.openxmlformats.org/officeDocument/2006/relationships" xmlns:p="http://schemas.openxmlformats.org/presentationml/2006/main">
+  <p:cSld>
+    <p:spTree>
+      <p:nvGrpSpPr>
+        <p:cNvPr id="1" name=""/>
+        <p:cNvGrpSpPr/>
+        <p:nvPr/>
+      </p:nvGrpSpPr>
+      <p:grpSpPr>
+        <a:xfrm>
+          <a:off x="0" y="0"/>
+          <a:ext cx="0" cy="0"/>
+          <a:chOff x="0" y="0"/>
+          <a:chExt cx="0" cy="0"/>
+        </a:xfrm>
+      </p:grpSpPr>
+      <p:sp>
+        <p:nvSpPr>
+          <p:cNvPr id="2" name="TextBox 1"/>
+          <p:cNvSpPr txBox="1"/>
+          <p:nvPr/>
+        </p:nvSpPr>
+        <p:spPr>
+          <a:xfrm>
+            <a:off x="40335" y="221942"/>
+            <a:ext cx="6480720" cy="369332"/>
+          </a:xfrm>
+          <a:prstGeom prst="rect">
+            <a:avLst/>
+          </a:prstGeom>
+          <a:noFill/>
+        </p:spPr>
+        <p:txBody>
+          <a:bodyPr wrap="square" rtlCol="0">
+            <a:spAutoFit/>
+          </a:bodyPr>
+          <a:lstStyle/>
+          <a:p>
+            <a:r>
+              <a:rPr lang="sv-SE" b="1" dirty="0"/>
+              <a:t>8</a:t>
+            </a:r>
+            <a:r>
+              <a:rPr lang="sv-SE" b="1" dirty="0" smtClean="0"/>
+              <a:t>. MS SQL Diagram från databasen</a:t>
+            </a:r>
+            <a:endParaRPr lang="sv-SE" b="1" dirty="0"/>
+          </a:p>
+        </p:txBody>
+      </p:sp>
+      <p:pic>
+        <p:nvPicPr>
+          <p:cNvPr id="3075" name="Picture 3"/>
+          <p:cNvPicPr>
+            <a:picLocks noChangeAspect="1" noChangeArrowheads="1"/>
+          </p:cNvPicPr>
+          <p:nvPr/>
+        </p:nvPicPr>
+        <p:blipFill>
+          <a:blip r:embed="rId2">
+            <a:extLst>
+              <a:ext uri="{28A0092B-C50C-407E-A947-70E740481C1C}">
+                <a14:useLocalDpi xmlns:a14="http://schemas.microsoft.com/office/drawing/2010/main" val="0"/>
+              </a:ext>
+            </a:extLst>
+          </a:blip>
+          <a:srcRect/>
+          <a:stretch>
+            <a:fillRect/>
+          </a:stretch>
+        </p:blipFill>
+        <p:spPr bwMode="auto">
+          <a:xfrm>
+            <a:off x="80691" y="692696"/>
+            <a:ext cx="8916752" cy="5119830"/>
+          </a:xfrm>
+          <a:prstGeom prst="rect">
+            <a:avLst/>
+          </a:prstGeom>
+          <a:noFill/>
+          <a:ln>
+            <a:noFill/>
+          </a:ln>
+          <a:extLst>
+            <a:ext uri="{909E8E84-426E-40DD-AFC4-6F175D3DCCD1}">
+              <a14:hiddenFill xmlns:a14="http://schemas.microsoft.com/office/drawing/2010/main">
+                <a:solidFill>
+                  <a:schemeClr val="accent1"/>
+                </a:solidFill>
+              </a14:hiddenFill>
+            </a:ext>
+            <a:ext uri="{91240B29-F687-4F45-9708-019B960494DF}">
+              <a14:hiddenLine xmlns:a14="http://schemas.microsoft.com/office/drawing/2010/main" w="9525">
+                <a:solidFill>
+                  <a:schemeClr val="tx1"/>
+                </a:solidFill>
+                <a:miter lim="800000"/>
+                <a:headEnd/>
+                <a:tailEnd/>
+              </a14:hiddenLine>
+            </a:ext>
+          </a:extLst>
+        </p:spPr>
+      </p:pic>
+    </p:spTree>
+    <p:extLst>
+      <p:ext uri="{BB962C8B-B14F-4D97-AF65-F5344CB8AC3E}">
+        <p14:creationId xmlns:p14="http://schemas.microsoft.com/office/powerpoint/2010/main" val="2031043075"/>
       </p:ext>
     </p:extLst>
   </p:cSld>
